--- a/fuentes/contenidos/grado09/guion06/MapaConceptual_MA_09_06_CO.pptx
+++ b/fuentes/contenidos/grado09/guion06/MapaConceptual_MA_09_06_CO.pptx
@@ -462,7 +462,7 @@
             <a:fld id="{5001C876-01F7-4317-94B9-1AE222133113}" type="datetimeFigureOut">
               <a:rPr lang="es-ES" smtClean="0"/>
               <a:pPr/>
-              <a:t>11/12/2015</a:t>
+              <a:t>16/12/2015</a:t>
             </a:fld>
             <a:endParaRPr lang="es-ES"/>
           </a:p>
@@ -1300,7 +1300,37 @@
                 <a:latin typeface="Arial" panose="020B0604020202020204" pitchFamily="34" charset="0"/>
                 <a:cs typeface="Arial" panose="020B0604020202020204" pitchFamily="34" charset="0"/>
               </a:rPr>
-              <a:t> : ℝ → ℝ</a:t>
+              <a:t> : </a:t>
+            </a:r>
+            <a:r>
+              <a:rPr lang="es-ES_tradnl" sz="1200" dirty="0" smtClean="0">
+                <a:solidFill>
+                  <a:schemeClr val="bg1"/>
+                </a:solidFill>
+                <a:latin typeface="Arial" panose="020B0604020202020204" pitchFamily="34" charset="0"/>
+                <a:cs typeface="Arial" panose="020B0604020202020204" pitchFamily="34" charset="0"/>
+              </a:rPr>
+              <a:t>ℝ</a:t>
+            </a:r>
+            <a:r>
+              <a:rPr lang="es-ES_tradnl" sz="1200" i="1" dirty="0" smtClean="0">
+                <a:solidFill>
+                  <a:schemeClr val="bg1"/>
+                </a:solidFill>
+                <a:latin typeface="Arial" panose="020B0604020202020204" pitchFamily="34" charset="0"/>
+                <a:cs typeface="Arial" panose="020B0604020202020204" pitchFamily="34" charset="0"/>
+              </a:rPr>
+              <a:t> → </a:t>
+            </a:r>
+            <a:r>
+              <a:rPr lang="es-ES_tradnl" sz="1200" dirty="0">
+                <a:solidFill>
+                  <a:schemeClr val="bg1"/>
+                </a:solidFill>
+                <a:latin typeface="Arial" panose="020B0604020202020204" pitchFamily="34" charset="0"/>
+                <a:cs typeface="Arial" panose="020B0604020202020204" pitchFamily="34" charset="0"/>
+              </a:rPr>
+              <a:t>ℝ</a:t>
             </a:r>
           </a:p>
           <a:p>
@@ -1313,17 +1343,47 @@
                 <a:latin typeface="Arial" panose="020B0604020202020204" pitchFamily="34" charset="0"/>
                 <a:cs typeface="Arial" panose="020B0604020202020204" pitchFamily="34" charset="0"/>
               </a:rPr>
-              <a:t>f</a:t>
-            </a:r>
-            <a:r>
-              <a:rPr lang="es-CO" sz="1200" dirty="0" smtClean="0">
+              <a:t>  </a:t>
+            </a:r>
+            <a:endParaRPr lang="es-CO" sz="1200" i="1" dirty="0" smtClean="0">
+              <a:solidFill>
+                <a:schemeClr val="bg1"/>
+              </a:solidFill>
+              <a:latin typeface="Arial" panose="020B0604020202020204" pitchFamily="34" charset="0"/>
+              <a:cs typeface="Arial" panose="020B0604020202020204" pitchFamily="34" charset="0"/>
+            </a:endParaRPr>
+          </a:p>
+          <a:p>
+            <a:pPr algn="ctr"/>
+            <a:r>
+              <a:rPr lang="es-CO" sz="1200" i="1" dirty="0" smtClean="0">
                 <a:solidFill>
                   <a:schemeClr val="bg1"/>
                 </a:solidFill>
                 <a:latin typeface="Arial" panose="020B0604020202020204" pitchFamily="34" charset="0"/>
                 <a:cs typeface="Arial" panose="020B0604020202020204" pitchFamily="34" charset="0"/>
               </a:rPr>
-              <a:t>(</a:t>
+              <a:t>    a, b, c ∈ </a:t>
+            </a:r>
+            <a:r>
+              <a:rPr lang="es-ES_tradnl" sz="1200" dirty="0">
+                <a:solidFill>
+                  <a:schemeClr val="bg1"/>
+                </a:solidFill>
+                <a:latin typeface="Arial" panose="020B0604020202020204" pitchFamily="34" charset="0"/>
+                <a:cs typeface="Arial" panose="020B0604020202020204" pitchFamily="34" charset="0"/>
+              </a:rPr>
+              <a:t>ℝ</a:t>
+            </a:r>
+            <a:r>
+              <a:rPr lang="es-CO" sz="1200" dirty="0">
+                <a:solidFill>
+                  <a:schemeClr val="bg1"/>
+                </a:solidFill>
+                <a:latin typeface="Arial" panose="020B0604020202020204" pitchFamily="34" charset="0"/>
+                <a:cs typeface="Arial" panose="020B0604020202020204" pitchFamily="34" charset="0"/>
+              </a:rPr>
+              <a:t> </a:t>
             </a:r>
             <a:r>
               <a:rPr lang="es-CO" sz="1200" i="1" dirty="0" smtClean="0">
@@ -1333,130 +1393,7 @@
                 <a:latin typeface="Arial" panose="020B0604020202020204" pitchFamily="34" charset="0"/>
                 <a:cs typeface="Arial" panose="020B0604020202020204" pitchFamily="34" charset="0"/>
               </a:rPr>
-              <a:t>x</a:t>
-            </a:r>
-            <a:r>
-              <a:rPr lang="es-CO" sz="1200" dirty="0" smtClean="0">
-                <a:solidFill>
-                  <a:schemeClr val="bg1"/>
-                </a:solidFill>
-                <a:latin typeface="Arial" panose="020B0604020202020204" pitchFamily="34" charset="0"/>
-                <a:cs typeface="Arial" panose="020B0604020202020204" pitchFamily="34" charset="0"/>
-              </a:rPr>
-              <a:t>) </a:t>
-            </a:r>
-            <a:r>
-              <a:rPr lang="es-CO" sz="1200" i="1" dirty="0" smtClean="0">
-                <a:solidFill>
-                  <a:schemeClr val="bg1"/>
-                </a:solidFill>
-                <a:latin typeface="Arial" panose="020B0604020202020204" pitchFamily="34" charset="0"/>
-                <a:cs typeface="Arial" panose="020B0604020202020204" pitchFamily="34" charset="0"/>
-              </a:rPr>
-              <a:t>= a</a:t>
-            </a:r>
-            <a:r>
-              <a:rPr lang="es-CO" sz="1200" dirty="0" smtClean="0">
-                <a:solidFill>
-                  <a:schemeClr val="bg1"/>
-                </a:solidFill>
-                <a:latin typeface="Arial" panose="020B0604020202020204" pitchFamily="34" charset="0"/>
-                <a:cs typeface="Arial" panose="020B0604020202020204" pitchFamily="34" charset="0"/>
-              </a:rPr>
-              <a:t>x</a:t>
-            </a:r>
-            <a:r>
-              <a:rPr lang="es-CO" sz="1200" baseline="30000" dirty="0" smtClean="0">
-                <a:solidFill>
-                  <a:schemeClr val="bg1"/>
-                </a:solidFill>
-                <a:latin typeface="Arial" panose="020B0604020202020204" pitchFamily="34" charset="0"/>
-                <a:cs typeface="Arial" panose="020B0604020202020204" pitchFamily="34" charset="0"/>
-              </a:rPr>
-              <a:t>2 </a:t>
-            </a:r>
-            <a:r>
-              <a:rPr lang="es-CO" sz="1200" dirty="0" smtClean="0">
-                <a:solidFill>
-                  <a:schemeClr val="bg1"/>
-                </a:solidFill>
-                <a:latin typeface="Arial" panose="020B0604020202020204" pitchFamily="34" charset="0"/>
-                <a:cs typeface="Arial" panose="020B0604020202020204" pitchFamily="34" charset="0"/>
-              </a:rPr>
-              <a:t>+ </a:t>
-            </a:r>
-            <a:r>
-              <a:rPr lang="es-CO" sz="1200" i="1" dirty="0" err="1" smtClean="0">
-                <a:solidFill>
-                  <a:schemeClr val="bg1"/>
-                </a:solidFill>
-                <a:latin typeface="Arial" panose="020B0604020202020204" pitchFamily="34" charset="0"/>
-                <a:cs typeface="Arial" panose="020B0604020202020204" pitchFamily="34" charset="0"/>
-              </a:rPr>
-              <a:t>b</a:t>
-            </a:r>
-            <a:r>
-              <a:rPr lang="es-CO" sz="1200" dirty="0" err="1" smtClean="0">
-                <a:solidFill>
-                  <a:schemeClr val="bg1"/>
-                </a:solidFill>
-                <a:latin typeface="Arial" panose="020B0604020202020204" pitchFamily="34" charset="0"/>
-                <a:cs typeface="Arial" panose="020B0604020202020204" pitchFamily="34" charset="0"/>
-              </a:rPr>
-              <a:t>x</a:t>
-            </a:r>
-            <a:r>
-              <a:rPr lang="es-CO" sz="1200" dirty="0" smtClean="0">
-                <a:solidFill>
-                  <a:schemeClr val="bg1"/>
-                </a:solidFill>
-                <a:latin typeface="Arial" panose="020B0604020202020204" pitchFamily="34" charset="0"/>
-                <a:cs typeface="Arial" panose="020B0604020202020204" pitchFamily="34" charset="0"/>
-              </a:rPr>
-              <a:t> + c</a:t>
-            </a:r>
-            <a:r>
-              <a:rPr lang="es-CO" sz="1200" i="1" dirty="0" smtClean="0">
-                <a:solidFill>
-                  <a:schemeClr val="bg1"/>
-                </a:solidFill>
-                <a:latin typeface="Arial" panose="020B0604020202020204" pitchFamily="34" charset="0"/>
-                <a:cs typeface="Arial" panose="020B0604020202020204" pitchFamily="34" charset="0"/>
-              </a:rPr>
-              <a:t>,  </a:t>
-            </a:r>
-          </a:p>
-          <a:p>
-            <a:pPr algn="ctr"/>
-            <a:r>
-              <a:rPr lang="es-CO" sz="1200" i="1" dirty="0" smtClean="0">
-                <a:solidFill>
-                  <a:schemeClr val="bg1"/>
-                </a:solidFill>
-                <a:latin typeface="Arial" panose="020B0604020202020204" pitchFamily="34" charset="0"/>
-                <a:cs typeface="Arial" panose="020B0604020202020204" pitchFamily="34" charset="0"/>
-              </a:rPr>
-              <a:t>    a, b, c ∈ </a:t>
-            </a:r>
-            <a:r>
-              <a:rPr lang="es-ES_tradnl" sz="1200" i="1" dirty="0">
-                <a:solidFill>
-                  <a:schemeClr val="bg1"/>
-                </a:solidFill>
-                <a:latin typeface="Arial" panose="020B0604020202020204" pitchFamily="34" charset="0"/>
-                <a:cs typeface="Arial" panose="020B0604020202020204" pitchFamily="34" charset="0"/>
-              </a:rPr>
-              <a:t>ℝ</a:t>
-            </a:r>
-            <a:r>
-              <a:rPr lang="es-CO" sz="1200" i="1" dirty="0" smtClean="0">
-                <a:solidFill>
-                  <a:schemeClr val="bg1"/>
-                </a:solidFill>
-                <a:latin typeface="Arial" panose="020B0604020202020204" pitchFamily="34" charset="0"/>
-                <a:cs typeface="Arial" panose="020B0604020202020204" pitchFamily="34" charset="0"/>
-              </a:rPr>
-              <a:t> y a ≠ 0</a:t>
+              <a:t>y a ≠ 0</a:t>
             </a:r>
             <a:endParaRPr lang="es-CO" sz="1200" i="1" dirty="0">
               <a:solidFill>
@@ -2303,94 +2240,21 @@
                 <a:latin typeface="Arial" panose="020B0604020202020204" pitchFamily="34" charset="0"/>
                 <a:cs typeface="Arial" panose="020B0604020202020204" pitchFamily="34" charset="0"/>
               </a:rPr>
-              <a:t>cuación de segundo grado</a:t>
-            </a:r>
-          </a:p>
-          <a:p>
-            <a:pPr algn="ctr"/>
-            <a:r>
-              <a:rPr lang="es-CO" sz="900" i="1" dirty="0" smtClean="0">
-                <a:solidFill>
-                  <a:schemeClr val="tx1"/>
-                </a:solidFill>
-                <a:latin typeface="Arial" panose="020B0604020202020204" pitchFamily="34" charset="0"/>
-                <a:cs typeface="Arial" panose="020B0604020202020204" pitchFamily="34" charset="0"/>
-              </a:rPr>
-              <a:t>y</a:t>
-            </a:r>
-            <a:r>
-              <a:rPr lang="es-CO" sz="900" dirty="0" smtClean="0">
-                <a:solidFill>
-                  <a:schemeClr val="tx1"/>
-                </a:solidFill>
-                <a:latin typeface="Arial" panose="020B0604020202020204" pitchFamily="34" charset="0"/>
-                <a:cs typeface="Arial" panose="020B0604020202020204" pitchFamily="34" charset="0"/>
-              </a:rPr>
-              <a:t> = </a:t>
-            </a:r>
-            <a:r>
-              <a:rPr lang="es-CO" sz="900" i="1" dirty="0" smtClean="0">
-                <a:solidFill>
-                  <a:schemeClr val="tx1"/>
-                </a:solidFill>
-                <a:latin typeface="Arial" panose="020B0604020202020204" pitchFamily="34" charset="0"/>
-                <a:cs typeface="Arial" panose="020B0604020202020204" pitchFamily="34" charset="0"/>
-              </a:rPr>
-              <a:t>ax</a:t>
-            </a:r>
-            <a:r>
-              <a:rPr lang="es-CO" sz="900" baseline="30000" dirty="0" smtClean="0">
-                <a:solidFill>
-                  <a:schemeClr val="tx1"/>
-                </a:solidFill>
-                <a:latin typeface="Arial" panose="020B0604020202020204" pitchFamily="34" charset="0"/>
-                <a:cs typeface="Arial" panose="020B0604020202020204" pitchFamily="34" charset="0"/>
-              </a:rPr>
-              <a:t>2 </a:t>
-            </a:r>
-            <a:r>
-              <a:rPr lang="es-CO" sz="900" dirty="0" smtClean="0">
-                <a:solidFill>
-                  <a:schemeClr val="tx1"/>
-                </a:solidFill>
-                <a:latin typeface="Arial" panose="020B0604020202020204" pitchFamily="34" charset="0"/>
-                <a:cs typeface="Arial" panose="020B0604020202020204" pitchFamily="34" charset="0"/>
-              </a:rPr>
-              <a:t>+ </a:t>
-            </a:r>
-            <a:r>
-              <a:rPr lang="es-CO" sz="900" i="1" dirty="0" err="1" smtClean="0">
-                <a:solidFill>
-                  <a:schemeClr val="tx1"/>
-                </a:solidFill>
-                <a:latin typeface="Arial" panose="020B0604020202020204" pitchFamily="34" charset="0"/>
-                <a:cs typeface="Arial" panose="020B0604020202020204" pitchFamily="34" charset="0"/>
-              </a:rPr>
-              <a:t>bx</a:t>
-            </a:r>
-            <a:r>
-              <a:rPr lang="es-CO" sz="900" dirty="0" smtClean="0">
-                <a:solidFill>
-                  <a:schemeClr val="tx1"/>
-                </a:solidFill>
-                <a:latin typeface="Arial" panose="020B0604020202020204" pitchFamily="34" charset="0"/>
-                <a:cs typeface="Arial" panose="020B0604020202020204" pitchFamily="34" charset="0"/>
-              </a:rPr>
-              <a:t> + c </a:t>
-            </a:r>
-            <a:r>
-              <a:rPr lang="es-CO" sz="900" dirty="0" smtClean="0">
-                <a:solidFill>
-                  <a:srgbClr val="FF0000"/>
-                </a:solidFill>
-                <a:latin typeface="Arial" panose="020B0604020202020204" pitchFamily="34" charset="0"/>
-                <a:cs typeface="Arial" panose="020B0604020202020204" pitchFamily="34" charset="0"/>
-              </a:rPr>
-              <a:t> </a:t>
-            </a:r>
-            <a:endParaRPr lang="es-CO" sz="900" dirty="0">
+              <a:t>cuación de segundo </a:t>
+            </a:r>
+            <a:r>
+              <a:rPr lang="es-CO" sz="900" dirty="0" smtClean="0">
+                <a:solidFill>
+                  <a:schemeClr val="tx1"/>
+                </a:solidFill>
+                <a:latin typeface="Arial" panose="020B0604020202020204" pitchFamily="34" charset="0"/>
+                <a:cs typeface="Arial" panose="020B0604020202020204" pitchFamily="34" charset="0"/>
+              </a:rPr>
+              <a:t>grado</a:t>
+            </a:r>
+            <a:endParaRPr lang="es-CO" sz="900" dirty="0" smtClean="0">
               <a:solidFill>
-                <a:srgbClr val="FF0000"/>
+                <a:schemeClr val="tx1"/>
               </a:solidFill>
               <a:latin typeface="Arial" panose="020B0604020202020204" pitchFamily="34" charset="0"/>
               <a:cs typeface="Arial" panose="020B0604020202020204" pitchFamily="34" charset="0"/>
@@ -3025,8 +2889,21 @@
                 <a:latin typeface="Arial" panose="020B0604020202020204" pitchFamily="34" charset="0"/>
                 <a:cs typeface="Arial" panose="020B0604020202020204" pitchFamily="34" charset="0"/>
               </a:rPr>
-              <a:t>cuación </a:t>
-            </a:r>
+              <a:t>cuación que se puede expresar de la forma </a:t>
+            </a:r>
+          </a:p>
+          <a:p>
+            <a:pPr algn="ctr"/>
+            <a:endParaRPr lang="es-ES_tradnl" sz="1050" dirty="0" smtClean="0">
+              <a:solidFill>
+                <a:schemeClr val="bg1"/>
+              </a:solidFill>
+              <a:latin typeface="Arial" panose="020B0604020202020204" pitchFamily="34" charset="0"/>
+              <a:cs typeface="Arial" panose="020B0604020202020204" pitchFamily="34" charset="0"/>
+            </a:endParaRPr>
+          </a:p>
+          <a:p>
+            <a:pPr algn="ctr"/>
             <a:r>
               <a:rPr lang="es-ES_tradnl" sz="1050" dirty="0" smtClean="0">
                 <a:solidFill>
@@ -3035,11 +2912,8 @@
                 <a:latin typeface="Arial" panose="020B0604020202020204" pitchFamily="34" charset="0"/>
                 <a:cs typeface="Arial" panose="020B0604020202020204" pitchFamily="34" charset="0"/>
               </a:rPr>
-              <a:t>que se puede expresar de la forma </a:t>
-            </a:r>
-          </a:p>
-          <a:p>
-            <a:pPr algn="ctr"/>
+              <a:t>con</a:t>
+            </a:r>
             <a:r>
               <a:rPr lang="es-ES_tradnl" sz="1050" i="1" dirty="0" smtClean="0">
                 <a:solidFill>
@@ -3048,97 +2922,47 @@
                 <a:latin typeface="Arial" panose="020B0604020202020204" pitchFamily="34" charset="0"/>
                 <a:cs typeface="Arial" panose="020B0604020202020204" pitchFamily="34" charset="0"/>
               </a:rPr>
-              <a:t>ax</a:t>
-            </a:r>
-            <a:r>
-              <a:rPr lang="es-ES_tradnl" sz="1050" i="1" baseline="30000" dirty="0" smtClean="0">
+              <a:t>  </a:t>
+            </a:r>
+            <a:r>
+              <a:rPr lang="es-CO" sz="1050" i="1" dirty="0" smtClean="0">
                 <a:solidFill>
                   <a:schemeClr val="bg1"/>
                 </a:solidFill>
                 <a:latin typeface="Arial" panose="020B0604020202020204" pitchFamily="34" charset="0"/>
                 <a:cs typeface="Arial" panose="020B0604020202020204" pitchFamily="34" charset="0"/>
               </a:rPr>
-              <a:t>2 </a:t>
-            </a:r>
-            <a:r>
-              <a:rPr lang="es-ES_tradnl" sz="1050" i="1" dirty="0" smtClean="0">
+              <a:t>a, b, c ∈ </a:t>
+            </a:r>
+            <a:r>
+              <a:rPr lang="es-ES_tradnl" sz="1200" dirty="0">
                 <a:solidFill>
                   <a:schemeClr val="bg1"/>
                 </a:solidFill>
                 <a:latin typeface="Arial" panose="020B0604020202020204" pitchFamily="34" charset="0"/>
                 <a:cs typeface="Arial" panose="020B0604020202020204" pitchFamily="34" charset="0"/>
               </a:rPr>
-              <a:t>+ </a:t>
-            </a:r>
-            <a:r>
-              <a:rPr lang="es-ES_tradnl" sz="1050" i="1" dirty="0" err="1" smtClean="0">
+              <a:t>ℝ</a:t>
+            </a:r>
+            <a:r>
+              <a:rPr lang="es-CO" sz="1200" dirty="0">
                 <a:solidFill>
                   <a:schemeClr val="bg1"/>
                 </a:solidFill>
                 <a:latin typeface="Arial" panose="020B0604020202020204" pitchFamily="34" charset="0"/>
                 <a:cs typeface="Arial" panose="020B0604020202020204" pitchFamily="34" charset="0"/>
               </a:rPr>
-              <a:t>bx</a:t>
-            </a:r>
-            <a:r>
-              <a:rPr lang="es-ES_tradnl" sz="1050" i="1" dirty="0" smtClean="0">
+              <a:t> </a:t>
+            </a:r>
+            <a:r>
+              <a:rPr lang="es-CO" sz="1050" i="1" dirty="0" smtClean="0">
                 <a:solidFill>
                   <a:schemeClr val="bg1"/>
                 </a:solidFill>
                 <a:latin typeface="Arial" panose="020B0604020202020204" pitchFamily="34" charset="0"/>
                 <a:cs typeface="Arial" panose="020B0604020202020204" pitchFamily="34" charset="0"/>
               </a:rPr>
-              <a:t> + c = 0, </a:t>
-            </a:r>
-            <a:r>
-              <a:rPr lang="es-ES_tradnl" sz="1050" dirty="0" smtClean="0">
-                <a:solidFill>
-                  <a:schemeClr val="bg1"/>
-                </a:solidFill>
-                <a:latin typeface="Arial" panose="020B0604020202020204" pitchFamily="34" charset="0"/>
-                <a:cs typeface="Arial" panose="020B0604020202020204" pitchFamily="34" charset="0"/>
-              </a:rPr>
-              <a:t>con</a:t>
-            </a:r>
-            <a:r>
-              <a:rPr lang="es-ES_tradnl" sz="1050" i="1" dirty="0" smtClean="0">
-                <a:solidFill>
-                  <a:schemeClr val="bg1"/>
-                </a:solidFill>
-                <a:latin typeface="Arial" panose="020B0604020202020204" pitchFamily="34" charset="0"/>
-                <a:cs typeface="Arial" panose="020B0604020202020204" pitchFamily="34" charset="0"/>
-              </a:rPr>
-              <a:t>  </a:t>
-            </a:r>
-            <a:r>
-              <a:rPr lang="es-CO" sz="1050" i="1" dirty="0" smtClean="0">
-                <a:solidFill>
-                  <a:schemeClr val="bg1"/>
-                </a:solidFill>
-                <a:latin typeface="Arial" panose="020B0604020202020204" pitchFamily="34" charset="0"/>
-                <a:cs typeface="Arial" panose="020B0604020202020204" pitchFamily="34" charset="0"/>
-              </a:rPr>
-              <a:t>a, b, c ∈ </a:t>
-            </a:r>
-            <a:r>
-              <a:rPr lang="es-ES_tradnl" sz="1050" i="1" dirty="0">
-                <a:solidFill>
-                  <a:schemeClr val="bg1"/>
-                </a:solidFill>
-                <a:latin typeface="Arial" panose="020B0604020202020204" pitchFamily="34" charset="0"/>
-                <a:cs typeface="Arial" panose="020B0604020202020204" pitchFamily="34" charset="0"/>
-              </a:rPr>
-              <a:t>ℝ</a:t>
-            </a:r>
-            <a:r>
-              <a:rPr lang="es-CO" sz="1050" i="1" dirty="0" smtClean="0">
-                <a:solidFill>
-                  <a:schemeClr val="bg1"/>
-                </a:solidFill>
-                <a:latin typeface="Arial" panose="020B0604020202020204" pitchFamily="34" charset="0"/>
-                <a:cs typeface="Arial" panose="020B0604020202020204" pitchFamily="34" charset="0"/>
-              </a:rPr>
-              <a:t> y a ≠ 0</a:t>
+              <a:t>y a ≠ 0</a:t>
             </a:r>
             <a:endParaRPr lang="es-ES_tradnl" sz="1050" i="1" dirty="0" smtClean="0">
               <a:solidFill>
@@ -3332,79 +3156,6 @@
                 <a:cs typeface="Arial" panose="020B0604020202020204" pitchFamily="34" charset="0"/>
               </a:rPr>
               <a:t> </a:t>
-            </a:r>
-          </a:p>
-          <a:p>
-            <a:pPr algn="ctr"/>
-            <a:r>
-              <a:rPr lang="es-CO" sz="900" i="1" dirty="0" smtClean="0">
-                <a:solidFill>
-                  <a:schemeClr val="tx1"/>
-                </a:solidFill>
-                <a:latin typeface="Arial" panose="020B0604020202020204" pitchFamily="34" charset="0"/>
-                <a:cs typeface="Arial" panose="020B0604020202020204" pitchFamily="34" charset="0"/>
-              </a:rPr>
-              <a:t>ax</a:t>
-            </a:r>
-            <a:r>
-              <a:rPr lang="es-CO" sz="900" baseline="30000" dirty="0" smtClean="0">
-                <a:solidFill>
-                  <a:schemeClr val="tx1"/>
-                </a:solidFill>
-                <a:latin typeface="Arial" panose="020B0604020202020204" pitchFamily="34" charset="0"/>
-                <a:cs typeface="Arial" panose="020B0604020202020204" pitchFamily="34" charset="0"/>
-              </a:rPr>
-              <a:t>2 </a:t>
-            </a:r>
-            <a:r>
-              <a:rPr lang="es-CO" sz="900" dirty="0" smtClean="0">
-                <a:solidFill>
-                  <a:schemeClr val="tx1"/>
-                </a:solidFill>
-                <a:latin typeface="Arial" panose="020B0604020202020204" pitchFamily="34" charset="0"/>
-                <a:cs typeface="Arial" panose="020B0604020202020204" pitchFamily="34" charset="0"/>
-              </a:rPr>
-              <a:t>+ </a:t>
-            </a:r>
-            <a:r>
-              <a:rPr lang="es-CO" sz="900" i="1" dirty="0" smtClean="0">
-                <a:solidFill>
-                  <a:schemeClr val="tx1"/>
-                </a:solidFill>
-                <a:latin typeface="Arial" panose="020B0604020202020204" pitchFamily="34" charset="0"/>
-                <a:cs typeface="Arial" panose="020B0604020202020204" pitchFamily="34" charset="0"/>
-              </a:rPr>
-              <a:t>bx</a:t>
-            </a:r>
-            <a:r>
-              <a:rPr lang="es-CO" sz="900" dirty="0" smtClean="0">
-                <a:solidFill>
-                  <a:schemeClr val="tx1"/>
-                </a:solidFill>
-                <a:latin typeface="Arial" panose="020B0604020202020204" pitchFamily="34" charset="0"/>
-                <a:cs typeface="Arial" panose="020B0604020202020204" pitchFamily="34" charset="0"/>
-              </a:rPr>
-              <a:t> + </a:t>
-            </a:r>
-            <a:r>
-              <a:rPr lang="es-CO" sz="900" i="1" dirty="0" smtClean="0">
-                <a:solidFill>
-                  <a:schemeClr val="tx1"/>
-                </a:solidFill>
-                <a:latin typeface="Arial" panose="020B0604020202020204" pitchFamily="34" charset="0"/>
-                <a:cs typeface="Arial" panose="020B0604020202020204" pitchFamily="34" charset="0"/>
-              </a:rPr>
-              <a:t>c</a:t>
-            </a:r>
-            <a:r>
-              <a:rPr lang="es-CO" sz="900" dirty="0" smtClean="0">
-                <a:solidFill>
-                  <a:schemeClr val="tx1"/>
-                </a:solidFill>
-                <a:latin typeface="Arial" panose="020B0604020202020204" pitchFamily="34" charset="0"/>
-                <a:cs typeface="Arial" panose="020B0604020202020204" pitchFamily="34" charset="0"/>
-              </a:rPr>
-              <a:t> = 0</a:t>
             </a:r>
           </a:p>
           <a:p>
@@ -3542,56 +3293,13 @@
           <a:lstStyle/>
           <a:p>
             <a:pPr algn="ctr"/>
-            <a:r>
-              <a:rPr lang="es-CO" sz="900" i="1" dirty="0" smtClean="0">
-                <a:solidFill>
-                  <a:schemeClr val="tx1"/>
-                </a:solidFill>
-                <a:latin typeface="Arial" panose="020B0604020202020204" pitchFamily="34" charset="0"/>
-                <a:cs typeface="Arial" panose="020B0604020202020204" pitchFamily="34" charset="0"/>
-              </a:rPr>
-              <a:t>ax</a:t>
-            </a:r>
-            <a:r>
-              <a:rPr lang="es-CO" sz="900" baseline="30000" dirty="0" smtClean="0">
-                <a:solidFill>
-                  <a:schemeClr val="tx1"/>
-                </a:solidFill>
-                <a:latin typeface="Arial" panose="020B0604020202020204" pitchFamily="34" charset="0"/>
-                <a:cs typeface="Arial" panose="020B0604020202020204" pitchFamily="34" charset="0"/>
-              </a:rPr>
-              <a:t>2 </a:t>
-            </a:r>
-            <a:r>
-              <a:rPr lang="es-CO" sz="900" dirty="0" smtClean="0">
-                <a:solidFill>
-                  <a:schemeClr val="tx1"/>
-                </a:solidFill>
-                <a:latin typeface="Arial" panose="020B0604020202020204" pitchFamily="34" charset="0"/>
-                <a:cs typeface="Arial" panose="020B0604020202020204" pitchFamily="34" charset="0"/>
-              </a:rPr>
-              <a:t>+ </a:t>
-            </a:r>
-            <a:r>
-              <a:rPr lang="es-CO" sz="900" i="1" dirty="0" smtClean="0">
-                <a:solidFill>
-                  <a:schemeClr val="tx1"/>
-                </a:solidFill>
-                <a:latin typeface="Arial" panose="020B0604020202020204" pitchFamily="34" charset="0"/>
-                <a:cs typeface="Arial" panose="020B0604020202020204" pitchFamily="34" charset="0"/>
-              </a:rPr>
-              <a:t>bx</a:t>
-            </a:r>
-            <a:r>
-              <a:rPr lang="es-CO" sz="900" dirty="0" smtClean="0">
-                <a:solidFill>
-                  <a:schemeClr val="tx1"/>
-                </a:solidFill>
-                <a:latin typeface="Arial" panose="020B0604020202020204" pitchFamily="34" charset="0"/>
-                <a:cs typeface="Arial" panose="020B0604020202020204" pitchFamily="34" charset="0"/>
-              </a:rPr>
-              <a:t>  = 0</a:t>
-            </a:r>
+            <a:endParaRPr lang="es-CO" sz="900" dirty="0" smtClean="0">
+              <a:solidFill>
+                <a:schemeClr val="tx1"/>
+              </a:solidFill>
+              <a:latin typeface="Arial" panose="020B0604020202020204" pitchFamily="34" charset="0"/>
+              <a:cs typeface="Arial" panose="020B0604020202020204" pitchFamily="34" charset="0"/>
+            </a:endParaRPr>
           </a:p>
         </p:txBody>
       </p:sp>
@@ -3644,36 +3352,13 @@
           </a:p>
           <a:p>
             <a:pPr algn="ctr"/>
-            <a:r>
-              <a:rPr lang="es-CO" sz="900" i="1" dirty="0" smtClean="0">
-                <a:solidFill>
-                  <a:schemeClr val="tx1"/>
-                </a:solidFill>
-                <a:latin typeface="Arial" panose="020B0604020202020204" pitchFamily="34" charset="0"/>
-                <a:cs typeface="Arial" panose="020B0604020202020204" pitchFamily="34" charset="0"/>
-              </a:rPr>
-              <a:t>ax</a:t>
-            </a:r>
-            <a:r>
-              <a:rPr lang="es-CO" sz="900" baseline="30000" dirty="0" smtClean="0">
-                <a:solidFill>
-                  <a:schemeClr val="tx1"/>
-                </a:solidFill>
-                <a:latin typeface="Arial" panose="020B0604020202020204" pitchFamily="34" charset="0"/>
-                <a:cs typeface="Arial" panose="020B0604020202020204" pitchFamily="34" charset="0"/>
-              </a:rPr>
-              <a:t>2  </a:t>
-            </a:r>
-            <a:r>
-              <a:rPr lang="es-CO" sz="900" dirty="0" smtClean="0">
-                <a:solidFill>
-                  <a:schemeClr val="tx1"/>
-                </a:solidFill>
-                <a:latin typeface="Arial" panose="020B0604020202020204" pitchFamily="34" charset="0"/>
-                <a:cs typeface="Arial" panose="020B0604020202020204" pitchFamily="34" charset="0"/>
-              </a:rPr>
-              <a:t>= 0</a:t>
-            </a:r>
+            <a:endParaRPr lang="es-CO" sz="900" dirty="0" smtClean="0">
+              <a:solidFill>
+                <a:schemeClr val="tx1"/>
+              </a:solidFill>
+              <a:latin typeface="Arial" panose="020B0604020202020204" pitchFamily="34" charset="0"/>
+              <a:cs typeface="Arial" panose="020B0604020202020204" pitchFamily="34" charset="0"/>
+            </a:endParaRPr>
           </a:p>
           <a:p>
             <a:pPr algn="ctr"/>
@@ -3742,39 +3427,6 @@
                 <a:cs typeface="Arial" panose="020B0604020202020204" pitchFamily="34" charset="0"/>
               </a:rPr>
               <a:t> </a:t>
-            </a:r>
-          </a:p>
-          <a:p>
-            <a:pPr algn="ctr"/>
-            <a:r>
-              <a:rPr lang="es-CO" sz="900" dirty="0" smtClean="0">
-                <a:solidFill>
-                  <a:schemeClr val="tx1"/>
-                </a:solidFill>
-                <a:latin typeface="Arial" panose="020B0604020202020204" pitchFamily="34" charset="0"/>
-                <a:cs typeface="Arial" panose="020B0604020202020204" pitchFamily="34" charset="0"/>
-              </a:rPr>
-              <a:t>ax</a:t>
-            </a:r>
-            <a:r>
-              <a:rPr lang="es-CO" sz="900" baseline="30000" dirty="0" smtClean="0">
-                <a:solidFill>
-                  <a:schemeClr val="tx1"/>
-                </a:solidFill>
-                <a:latin typeface="Arial" panose="020B0604020202020204" pitchFamily="34" charset="0"/>
-                <a:cs typeface="Arial" panose="020B0604020202020204" pitchFamily="34" charset="0"/>
-              </a:rPr>
-              <a:t>2 </a:t>
-            </a:r>
-            <a:r>
-              <a:rPr lang="es-CO" sz="900" dirty="0" smtClean="0">
-                <a:solidFill>
-                  <a:schemeClr val="tx1"/>
-                </a:solidFill>
-                <a:latin typeface="Arial" panose="020B0604020202020204" pitchFamily="34" charset="0"/>
-                <a:cs typeface="Arial" panose="020B0604020202020204" pitchFamily="34" charset="0"/>
-              </a:rPr>
-              <a:t>+  c = 0</a:t>
             </a:r>
           </a:p>
           <a:p>
@@ -4387,13 +4039,22 @@
           <a:p>
             <a:pPr algn="ctr"/>
             <a:r>
-              <a:rPr lang="es-CO" sz="900" dirty="0" smtClean="0">
+              <a:rPr lang="es-CO" sz="900" i="1" dirty="0" smtClean="0">
                 <a:solidFill>
                   <a:schemeClr val="tx1"/>
                 </a:solidFill>
                 <a:cs typeface="Arial" pitchFamily="34" charset="0"/>
               </a:rPr>
-              <a:t>x  = 0  </a:t>
+              <a:t>x</a:t>
+            </a:r>
+            <a:r>
+              <a:rPr lang="es-CO" sz="900" dirty="0" smtClean="0">
+                <a:solidFill>
+                  <a:schemeClr val="tx1"/>
+                </a:solidFill>
+                <a:cs typeface="Arial" pitchFamily="34" charset="0"/>
+              </a:rPr>
+              <a:t>  = 0  </a:t>
             </a:r>
           </a:p>
           <a:p>
@@ -6073,39 +5734,6 @@
                 <a:latin typeface="Arial" panose="020B0604020202020204" pitchFamily="34" charset="0"/>
                 <a:cs typeface="Arial" panose="020B0604020202020204" pitchFamily="34" charset="0"/>
               </a:rPr>
-              <a:t>b</a:t>
-            </a:r>
-            <a:r>
-              <a:rPr lang="es-CO" sz="900" baseline="30000" dirty="0" smtClean="0">
-                <a:solidFill>
-                  <a:schemeClr val="tx1"/>
-                </a:solidFill>
-                <a:latin typeface="Arial" panose="020B0604020202020204" pitchFamily="34" charset="0"/>
-                <a:cs typeface="Arial" panose="020B0604020202020204" pitchFamily="34" charset="0"/>
-              </a:rPr>
-              <a:t>2 </a:t>
-            </a:r>
-            <a:r>
-              <a:rPr lang="es-CO" sz="900" dirty="0" smtClean="0">
-                <a:solidFill>
-                  <a:schemeClr val="tx1"/>
-                </a:solidFill>
-                <a:latin typeface="Arial" panose="020B0604020202020204" pitchFamily="34" charset="0"/>
-                <a:cs typeface="Arial" panose="020B0604020202020204" pitchFamily="34" charset="0"/>
-              </a:rPr>
-              <a:t>– 4ac &gt; 0  </a:t>
-            </a:r>
-          </a:p>
-          <a:p>
-            <a:pPr algn="ctr"/>
-            <a:r>
-              <a:rPr lang="es-CO" sz="900" dirty="0" smtClean="0">
-                <a:solidFill>
-                  <a:schemeClr val="tx1"/>
-                </a:solidFill>
-                <a:latin typeface="Arial" panose="020B0604020202020204" pitchFamily="34" charset="0"/>
-                <a:cs typeface="Arial" panose="020B0604020202020204" pitchFamily="34" charset="0"/>
-              </a:rPr>
               <a:t> </a:t>
             </a:r>
             <a:endParaRPr lang="es-CO" sz="900" dirty="0">
@@ -6175,39 +5803,6 @@
                 <a:latin typeface="Arial" panose="020B0604020202020204" pitchFamily="34" charset="0"/>
                 <a:cs typeface="Arial" panose="020B0604020202020204" pitchFamily="34" charset="0"/>
               </a:rPr>
-              <a:t>b</a:t>
-            </a:r>
-            <a:r>
-              <a:rPr lang="es-CO" sz="900" baseline="30000" dirty="0" smtClean="0">
-                <a:solidFill>
-                  <a:schemeClr val="tx1"/>
-                </a:solidFill>
-                <a:latin typeface="Arial" panose="020B0604020202020204" pitchFamily="34" charset="0"/>
-                <a:cs typeface="Arial" panose="020B0604020202020204" pitchFamily="34" charset="0"/>
-              </a:rPr>
-              <a:t>2 </a:t>
-            </a:r>
-            <a:r>
-              <a:rPr lang="es-CO" sz="900" dirty="0" smtClean="0">
-                <a:solidFill>
-                  <a:schemeClr val="tx1"/>
-                </a:solidFill>
-                <a:latin typeface="Arial" panose="020B0604020202020204" pitchFamily="34" charset="0"/>
-                <a:cs typeface="Arial" panose="020B0604020202020204" pitchFamily="34" charset="0"/>
-              </a:rPr>
-              <a:t>– 4ac &lt; 0  </a:t>
-            </a:r>
-          </a:p>
-          <a:p>
-            <a:pPr algn="ctr"/>
-            <a:r>
-              <a:rPr lang="es-CO" sz="900" dirty="0" smtClean="0">
-                <a:solidFill>
-                  <a:schemeClr val="tx1"/>
-                </a:solidFill>
-                <a:latin typeface="Arial" panose="020B0604020202020204" pitchFamily="34" charset="0"/>
-                <a:cs typeface="Arial" panose="020B0604020202020204" pitchFamily="34" charset="0"/>
-              </a:rPr>
               <a:t> </a:t>
             </a:r>
             <a:endParaRPr lang="es-CO" sz="900" dirty="0">
@@ -6264,59 +5859,6 @@
               <a:latin typeface="Arial" panose="020B0604020202020204" pitchFamily="34" charset="0"/>
               <a:cs typeface="Arial" panose="020B0604020202020204" pitchFamily="34" charset="0"/>
             </a:endParaRPr>
-          </a:p>
-          <a:p>
-            <a:pPr algn="ctr"/>
-            <a:r>
-              <a:rPr lang="es-CO" sz="900" dirty="0" smtClean="0">
-                <a:solidFill>
-                  <a:schemeClr val="tx1"/>
-                </a:solidFill>
-                <a:latin typeface="Arial" panose="020B0604020202020204" pitchFamily="34" charset="0"/>
-                <a:cs typeface="Arial" panose="020B0604020202020204" pitchFamily="34" charset="0"/>
-              </a:rPr>
-              <a:t>b</a:t>
-            </a:r>
-            <a:r>
-              <a:rPr lang="es-CO" sz="900" baseline="30000" dirty="0" smtClean="0">
-                <a:solidFill>
-                  <a:schemeClr val="tx1"/>
-                </a:solidFill>
-                <a:latin typeface="Arial" panose="020B0604020202020204" pitchFamily="34" charset="0"/>
-                <a:cs typeface="Arial" panose="020B0604020202020204" pitchFamily="34" charset="0"/>
-              </a:rPr>
-              <a:t>2 </a:t>
-            </a:r>
-            <a:r>
-              <a:rPr lang="es-CO" sz="900" dirty="0" smtClean="0">
-                <a:solidFill>
-                  <a:schemeClr val="tx1"/>
-                </a:solidFill>
-                <a:latin typeface="Arial" panose="020B0604020202020204" pitchFamily="34" charset="0"/>
-                <a:cs typeface="Arial" panose="020B0604020202020204" pitchFamily="34" charset="0"/>
-              </a:rPr>
-              <a:t>– 4ac</a:t>
-            </a:r>
-            <a:r>
-              <a:rPr lang="es-CO" sz="900" dirty="0">
-                <a:solidFill>
-                  <a:schemeClr val="tx1"/>
-                </a:solidFill>
-                <a:latin typeface="Arial" panose="020B0604020202020204" pitchFamily="34" charset="0"/>
-                <a:cs typeface="Arial" panose="020B0604020202020204" pitchFamily="34" charset="0"/>
-              </a:rPr>
-              <a:t> </a:t>
-            </a:r>
-            <a:r>
-              <a:rPr lang="es-CO" sz="900" dirty="0" smtClean="0">
-                <a:solidFill>
-                  <a:schemeClr val="tx1"/>
-                </a:solidFill>
-                <a:latin typeface="Arial" panose="020B0604020202020204" pitchFamily="34" charset="0"/>
-                <a:cs typeface="Arial" panose="020B0604020202020204" pitchFamily="34" charset="0"/>
-              </a:rPr>
-              <a:t>= 0  </a:t>
-            </a:r>
           </a:p>
           <a:p>
             <a:pPr algn="ctr"/>
@@ -8003,67 +7545,7 @@
                 <a:latin typeface="Arial" panose="020B0604020202020204" pitchFamily="34" charset="0"/>
                 <a:cs typeface="Arial" panose="020B0604020202020204" pitchFamily="34" charset="0"/>
               </a:rPr>
-              <a:t>  4</a:t>
-            </a:r>
-            <a:r>
-              <a:rPr lang="es-CO" sz="900" i="1" dirty="0" smtClean="0">
-                <a:solidFill>
-                  <a:schemeClr val="tx1"/>
-                </a:solidFill>
-                <a:latin typeface="Arial" panose="020B0604020202020204" pitchFamily="34" charset="0"/>
-                <a:cs typeface="Arial" panose="020B0604020202020204" pitchFamily="34" charset="0"/>
-              </a:rPr>
-              <a:t>x</a:t>
-            </a:r>
-            <a:r>
-              <a:rPr lang="es-CO" sz="900" baseline="30000" dirty="0" smtClean="0">
-                <a:solidFill>
-                  <a:schemeClr val="tx1"/>
-                </a:solidFill>
-                <a:latin typeface="Arial" panose="020B0604020202020204" pitchFamily="34" charset="0"/>
-                <a:cs typeface="Arial" panose="020B0604020202020204" pitchFamily="34" charset="0"/>
-              </a:rPr>
-              <a:t>4 </a:t>
-            </a:r>
-            <a:r>
-              <a:rPr lang="es-CO" sz="900" dirty="0" smtClean="0">
-                <a:solidFill>
-                  <a:schemeClr val="tx1"/>
-                </a:solidFill>
-                <a:latin typeface="Arial" panose="020B0604020202020204" pitchFamily="34" charset="0"/>
-                <a:cs typeface="Arial" panose="020B0604020202020204" pitchFamily="34" charset="0"/>
-              </a:rPr>
-              <a:t> - 7</a:t>
-            </a:r>
-            <a:r>
-              <a:rPr lang="es-CO" sz="900" i="1" dirty="0" smtClean="0">
-                <a:solidFill>
-                  <a:schemeClr val="tx1"/>
-                </a:solidFill>
-                <a:latin typeface="Arial" panose="020B0604020202020204" pitchFamily="34" charset="0"/>
-                <a:cs typeface="Arial" panose="020B0604020202020204" pitchFamily="34" charset="0"/>
-              </a:rPr>
-              <a:t>x</a:t>
-            </a:r>
-            <a:r>
-              <a:rPr lang="es-CO" sz="900" baseline="30000" dirty="0" smtClean="0">
-                <a:solidFill>
-                  <a:schemeClr val="tx1"/>
-                </a:solidFill>
-                <a:latin typeface="Arial" panose="020B0604020202020204" pitchFamily="34" charset="0"/>
-                <a:cs typeface="Arial" panose="020B0604020202020204" pitchFamily="34" charset="0"/>
-              </a:rPr>
-              <a:t>2 </a:t>
-            </a:r>
-            <a:r>
-              <a:rPr lang="es-CO" sz="900" dirty="0" smtClean="0">
-                <a:solidFill>
-                  <a:schemeClr val="tx1"/>
-                </a:solidFill>
-                <a:latin typeface="Arial" panose="020B0604020202020204" pitchFamily="34" charset="0"/>
-                <a:cs typeface="Arial" panose="020B0604020202020204" pitchFamily="34" charset="0"/>
-              </a:rPr>
-              <a:t>+ 9 = 0  </a:t>
+              <a:t>  </a:t>
             </a:r>
           </a:p>
         </p:txBody>
@@ -8215,86 +7697,13 @@
               </a:rPr>
               <a:t>  </a:t>
             </a:r>
-            <a:r>
-              <a:rPr lang="es-CO" sz="900" i="1" dirty="0" smtClean="0">
-                <a:solidFill>
-                  <a:schemeClr val="tx1"/>
-                </a:solidFill>
-                <a:latin typeface="Arial" panose="020B0604020202020204" pitchFamily="34" charset="0"/>
-                <a:cs typeface="Arial" panose="020B0604020202020204" pitchFamily="34" charset="0"/>
-              </a:rPr>
-              <a:t>x</a:t>
-            </a:r>
-            <a:r>
-              <a:rPr lang="es-CO" sz="900" baseline="30000" dirty="0" smtClean="0">
-                <a:solidFill>
-                  <a:schemeClr val="tx1"/>
-                </a:solidFill>
-                <a:latin typeface="Arial" panose="020B0604020202020204" pitchFamily="34" charset="0"/>
-                <a:cs typeface="Arial" panose="020B0604020202020204" pitchFamily="34" charset="0"/>
-              </a:rPr>
-              <a:t>2</a:t>
-            </a:r>
-            <a:r>
-              <a:rPr lang="es-CO" sz="900" dirty="0" smtClean="0">
-                <a:solidFill>
-                  <a:schemeClr val="tx1"/>
-                </a:solidFill>
-                <a:latin typeface="Arial" panose="020B0604020202020204" pitchFamily="34" charset="0"/>
-                <a:cs typeface="Arial" panose="020B0604020202020204" pitchFamily="34" charset="0"/>
-              </a:rPr>
-              <a:t> – 7</a:t>
-            </a:r>
-            <a:r>
-              <a:rPr lang="es-CO" sz="900" i="1" dirty="0" smtClean="0">
-                <a:solidFill>
-                  <a:schemeClr val="tx1"/>
-                </a:solidFill>
-                <a:latin typeface="Arial" panose="020B0604020202020204" pitchFamily="34" charset="0"/>
-                <a:cs typeface="Arial" panose="020B0604020202020204" pitchFamily="34" charset="0"/>
-              </a:rPr>
-              <a:t>ax </a:t>
-            </a:r>
-            <a:r>
-              <a:rPr lang="es-CO" sz="900" dirty="0" smtClean="0">
-                <a:solidFill>
-                  <a:schemeClr val="tx1"/>
-                </a:solidFill>
-                <a:latin typeface="Arial" panose="020B0604020202020204" pitchFamily="34" charset="0"/>
-                <a:cs typeface="Arial" panose="020B0604020202020204" pitchFamily="34" charset="0"/>
-              </a:rPr>
-              <a:t>+ 12</a:t>
-            </a:r>
-            <a:r>
-              <a:rPr lang="es-CO" sz="900" i="1" dirty="0" smtClean="0">
-                <a:solidFill>
-                  <a:schemeClr val="tx1"/>
-                </a:solidFill>
-                <a:latin typeface="Arial" panose="020B0604020202020204" pitchFamily="34" charset="0"/>
-                <a:cs typeface="Arial" panose="020B0604020202020204" pitchFamily="34" charset="0"/>
-              </a:rPr>
-              <a:t>a</a:t>
-            </a:r>
-            <a:r>
-              <a:rPr lang="es-CO" sz="900" baseline="30000" dirty="0" smtClean="0">
-                <a:solidFill>
-                  <a:schemeClr val="tx1"/>
-                </a:solidFill>
-                <a:latin typeface="Arial" panose="020B0604020202020204" pitchFamily="34" charset="0"/>
-                <a:cs typeface="Arial" panose="020B0604020202020204" pitchFamily="34" charset="0"/>
-              </a:rPr>
-              <a:t>2</a:t>
-            </a:r>
-            <a:r>
-              <a:rPr lang="es-CO" sz="900" dirty="0" smtClean="0">
-                <a:solidFill>
-                  <a:schemeClr val="tx1"/>
-                </a:solidFill>
-                <a:latin typeface="Arial" panose="020B0604020202020204" pitchFamily="34" charset="0"/>
-                <a:cs typeface="Arial" panose="020B0604020202020204" pitchFamily="34" charset="0"/>
-              </a:rPr>
-              <a:t> = 0  </a:t>
-            </a:r>
+            <a:endParaRPr lang="es-CO" sz="900" dirty="0" smtClean="0">
+              <a:solidFill>
+                <a:schemeClr val="tx1"/>
+              </a:solidFill>
+              <a:latin typeface="Arial" panose="020B0604020202020204" pitchFamily="34" charset="0"/>
+              <a:cs typeface="Arial" panose="020B0604020202020204" pitchFamily="34" charset="0"/>
+            </a:endParaRPr>
           </a:p>
         </p:txBody>
       </p:sp>
@@ -9207,15 +8616,35 @@
           <a:p>
             <a:pPr algn="ctr"/>
             <a:r>
-              <a:rPr lang="es-CO" sz="900" dirty="0" smtClean="0">
-                <a:solidFill>
-                  <a:schemeClr val="tx1"/>
-                </a:solidFill>
-                <a:latin typeface="Arial" panose="020B0604020202020204" pitchFamily="34" charset="0"/>
-                <a:cs typeface="Arial" panose="020B0604020202020204" pitchFamily="34" charset="0"/>
-              </a:rPr>
-              <a:t>traslaciones </a:t>
-            </a:r>
+              <a:rPr lang="es-CO" sz="900" dirty="0">
+                <a:solidFill>
+                  <a:schemeClr val="tx1"/>
+                </a:solidFill>
+                <a:latin typeface="Arial" panose="020B0604020202020204" pitchFamily="34" charset="0"/>
+                <a:cs typeface="Arial" panose="020B0604020202020204" pitchFamily="34" charset="0"/>
+              </a:rPr>
+              <a:t>t</a:t>
+            </a:r>
+            <a:r>
+              <a:rPr lang="es-CO" sz="900" dirty="0" smtClean="0">
+                <a:solidFill>
+                  <a:schemeClr val="tx1"/>
+                </a:solidFill>
+                <a:latin typeface="Arial" panose="020B0604020202020204" pitchFamily="34" charset="0"/>
+                <a:cs typeface="Arial" panose="020B0604020202020204" pitchFamily="34" charset="0"/>
+              </a:rPr>
+              <a:t>raslaciones a partir de </a:t>
+            </a:r>
+          </a:p>
+          <a:p>
+            <a:pPr algn="ctr"/>
+            <a:endParaRPr lang="es-CO" sz="900" dirty="0" smtClean="0">
+              <a:solidFill>
+                <a:schemeClr val="tx1"/>
+              </a:solidFill>
+              <a:latin typeface="Arial" panose="020B0604020202020204" pitchFamily="34" charset="0"/>
+              <a:cs typeface="Arial" panose="020B0604020202020204" pitchFamily="34" charset="0"/>
+            </a:endParaRPr>
           </a:p>
           <a:p>
             <a:pPr algn="ctr"/>
@@ -9277,75 +8706,22 @@
           <a:p>
             <a:pPr algn="ctr"/>
             <a:r>
-              <a:rPr lang="es-CO" sz="900" dirty="0">
-                <a:solidFill>
-                  <a:schemeClr val="tx1"/>
-                </a:solidFill>
-                <a:latin typeface="Arial" panose="020B0604020202020204" pitchFamily="34" charset="0"/>
-                <a:cs typeface="Arial" panose="020B0604020202020204" pitchFamily="34" charset="0"/>
-              </a:rPr>
-              <a:t>a</a:t>
-            </a:r>
-            <a:r>
-              <a:rPr lang="es-CO" sz="900" dirty="0" smtClean="0">
-                <a:solidFill>
-                  <a:schemeClr val="tx1"/>
-                </a:solidFill>
-                <a:latin typeface="Arial" panose="020B0604020202020204" pitchFamily="34" charset="0"/>
-                <a:cs typeface="Arial" panose="020B0604020202020204" pitchFamily="34" charset="0"/>
-              </a:rPr>
-              <a:t> partir de </a:t>
-            </a:r>
-            <a:r>
-              <a:rPr lang="es-CO" sz="900" i="1" dirty="0" smtClean="0">
-                <a:solidFill>
-                  <a:schemeClr val="tx1"/>
-                </a:solidFill>
-                <a:latin typeface="Arial" panose="020B0604020202020204" pitchFamily="34" charset="0"/>
-                <a:cs typeface="Arial" panose="020B0604020202020204" pitchFamily="34" charset="0"/>
-              </a:rPr>
-              <a:t>y</a:t>
-            </a:r>
-            <a:r>
-              <a:rPr lang="es-CO" sz="900" dirty="0" smtClean="0">
-                <a:solidFill>
-                  <a:schemeClr val="tx1"/>
-                </a:solidFill>
-                <a:latin typeface="Arial" panose="020B0604020202020204" pitchFamily="34" charset="0"/>
-                <a:cs typeface="Arial" panose="020B0604020202020204" pitchFamily="34" charset="0"/>
-              </a:rPr>
-              <a:t> = </a:t>
-            </a:r>
-            <a:r>
-              <a:rPr lang="es-CO" sz="900" i="1" dirty="0" smtClean="0">
-                <a:solidFill>
-                  <a:schemeClr val="tx1"/>
-                </a:solidFill>
-                <a:latin typeface="Arial" panose="020B0604020202020204" pitchFamily="34" charset="0"/>
-                <a:cs typeface="Arial" panose="020B0604020202020204" pitchFamily="34" charset="0"/>
-              </a:rPr>
-              <a:t>x</a:t>
-            </a:r>
-            <a:r>
-              <a:rPr lang="es-CO" sz="900" baseline="30000" dirty="0" smtClean="0">
-                <a:solidFill>
-                  <a:schemeClr val="tx1"/>
-                </a:solidFill>
-                <a:latin typeface="Arial" panose="020B0604020202020204" pitchFamily="34" charset="0"/>
-                <a:cs typeface="Arial" panose="020B0604020202020204" pitchFamily="34" charset="0"/>
-              </a:rPr>
-              <a:t>2</a:t>
-            </a:r>
-            <a:r>
-              <a:rPr lang="es-CO" sz="900" dirty="0" smtClean="0">
-                <a:solidFill>
-                  <a:schemeClr val="tx1"/>
-                </a:solidFill>
-                <a:latin typeface="Arial" panose="020B0604020202020204" pitchFamily="34" charset="0"/>
-                <a:cs typeface="Arial" panose="020B0604020202020204" pitchFamily="34" charset="0"/>
-              </a:rPr>
-              <a:t>    </a:t>
-            </a:r>
+              <a:rPr lang="es-CO" sz="900" dirty="0" smtClean="0">
+                <a:solidFill>
+                  <a:schemeClr val="tx1"/>
+                </a:solidFill>
+                <a:latin typeface="Arial" panose="020B0604020202020204" pitchFamily="34" charset="0"/>
+                <a:cs typeface="Arial" panose="020B0604020202020204" pitchFamily="34" charset="0"/>
+              </a:rPr>
+              <a:t>como</a:t>
+            </a:r>
+            <a:endParaRPr lang="es-CO" sz="900" dirty="0" smtClean="0">
+              <a:solidFill>
+                <a:schemeClr val="tx1"/>
+              </a:solidFill>
+              <a:latin typeface="Arial" panose="020B0604020202020204" pitchFamily="34" charset="0"/>
+              <a:cs typeface="Arial" panose="020B0604020202020204" pitchFamily="34" charset="0"/>
+            </a:endParaRPr>
           </a:p>
         </p:txBody>
       </p:sp>
@@ -9430,69 +8806,6 @@
                 <a:cs typeface="Arial" panose="020B0604020202020204" pitchFamily="34" charset="0"/>
               </a:rPr>
               <a:t> vertical</a:t>
-            </a:r>
-          </a:p>
-          <a:p>
-            <a:pPr algn="ctr"/>
-            <a:r>
-              <a:rPr lang="es-CO" sz="900" i="1" dirty="0">
-                <a:solidFill>
-                  <a:schemeClr val="tx1"/>
-                </a:solidFill>
-                <a:latin typeface="Arial" panose="020B0604020202020204" pitchFamily="34" charset="0"/>
-                <a:cs typeface="Arial" panose="020B0604020202020204" pitchFamily="34" charset="0"/>
-              </a:rPr>
-              <a:t>y</a:t>
-            </a:r>
-            <a:r>
-              <a:rPr lang="es-CO" sz="900" dirty="0" smtClean="0">
-                <a:solidFill>
-                  <a:schemeClr val="tx1"/>
-                </a:solidFill>
-                <a:latin typeface="Arial" panose="020B0604020202020204" pitchFamily="34" charset="0"/>
-                <a:cs typeface="Arial" panose="020B0604020202020204" pitchFamily="34" charset="0"/>
-              </a:rPr>
-              <a:t> =  </a:t>
-            </a:r>
-            <a:r>
-              <a:rPr lang="es-CO" sz="900" i="1" dirty="0" smtClean="0">
-                <a:solidFill>
-                  <a:schemeClr val="tx1"/>
-                </a:solidFill>
-                <a:latin typeface="Arial" panose="020B0604020202020204" pitchFamily="34" charset="0"/>
-                <a:cs typeface="Arial" panose="020B0604020202020204" pitchFamily="34" charset="0"/>
-              </a:rPr>
-              <a:t>x</a:t>
-            </a:r>
-            <a:r>
-              <a:rPr lang="es-CO" sz="900" baseline="30000" dirty="0" smtClean="0">
-                <a:solidFill>
-                  <a:schemeClr val="tx1"/>
-                </a:solidFill>
-                <a:latin typeface="Arial" panose="020B0604020202020204" pitchFamily="34" charset="0"/>
-                <a:cs typeface="Arial" panose="020B0604020202020204" pitchFamily="34" charset="0"/>
-              </a:rPr>
-              <a:t>2</a:t>
-            </a:r>
-            <a:r>
-              <a:rPr lang="es-CO" sz="900" dirty="0" smtClean="0">
-                <a:solidFill>
-                  <a:schemeClr val="tx1"/>
-                </a:solidFill>
-                <a:latin typeface="Arial" panose="020B0604020202020204" pitchFamily="34" charset="0"/>
-                <a:cs typeface="Arial" panose="020B0604020202020204" pitchFamily="34" charset="0"/>
-              </a:rPr>
-              <a:t> + </a:t>
-            </a:r>
-            <a:r>
-              <a:rPr lang="es-CO" sz="900" i="1" dirty="0" smtClean="0">
-                <a:solidFill>
-                  <a:schemeClr val="tx1"/>
-                </a:solidFill>
-                <a:latin typeface="Arial" panose="020B0604020202020204" pitchFamily="34" charset="0"/>
-                <a:cs typeface="Arial" panose="020B0604020202020204" pitchFamily="34" charset="0"/>
-              </a:rPr>
-              <a:t>k</a:t>
             </a:r>
           </a:p>
           <a:p>
@@ -9567,66 +8880,6 @@
           </a:p>
           <a:p>
             <a:pPr algn="ctr"/>
-            <a:r>
-              <a:rPr lang="es-CO" sz="900" i="1" dirty="0">
-                <a:solidFill>
-                  <a:schemeClr val="tx1"/>
-                </a:solidFill>
-                <a:latin typeface="Arial" panose="020B0604020202020204" pitchFamily="34" charset="0"/>
-                <a:cs typeface="Arial" panose="020B0604020202020204" pitchFamily="34" charset="0"/>
-              </a:rPr>
-              <a:t>y</a:t>
-            </a:r>
-            <a:r>
-              <a:rPr lang="es-CO" sz="900" dirty="0" smtClean="0">
-                <a:solidFill>
-                  <a:schemeClr val="tx1"/>
-                </a:solidFill>
-                <a:latin typeface="Arial" panose="020B0604020202020204" pitchFamily="34" charset="0"/>
-                <a:cs typeface="Arial" panose="020B0604020202020204" pitchFamily="34" charset="0"/>
-              </a:rPr>
-              <a:t> = (</a:t>
-            </a:r>
-            <a:r>
-              <a:rPr lang="es-CO" sz="900" i="1" dirty="0" smtClean="0">
-                <a:solidFill>
-                  <a:schemeClr val="tx1"/>
-                </a:solidFill>
-                <a:latin typeface="Arial" panose="020B0604020202020204" pitchFamily="34" charset="0"/>
-                <a:cs typeface="Arial" panose="020B0604020202020204" pitchFamily="34" charset="0"/>
-              </a:rPr>
-              <a:t>x + h)</a:t>
-            </a:r>
-            <a:r>
-              <a:rPr lang="es-CO" sz="900" baseline="30000" dirty="0" smtClean="0">
-                <a:solidFill>
-                  <a:schemeClr val="tx1"/>
-                </a:solidFill>
-                <a:latin typeface="Arial" panose="020B0604020202020204" pitchFamily="34" charset="0"/>
-                <a:cs typeface="Arial" panose="020B0604020202020204" pitchFamily="34" charset="0"/>
-              </a:rPr>
-              <a:t>2</a:t>
-            </a:r>
-            <a:endParaRPr lang="es-CO" sz="900" i="1" dirty="0" smtClean="0">
-              <a:solidFill>
-                <a:schemeClr val="tx1"/>
-              </a:solidFill>
-              <a:latin typeface="Arial" panose="020B0604020202020204" pitchFamily="34" charset="0"/>
-              <a:cs typeface="Arial" panose="020B0604020202020204" pitchFamily="34" charset="0"/>
-            </a:endParaRPr>
-          </a:p>
-          <a:p>
-            <a:pPr algn="ctr"/>
-            <a:r>
-              <a:rPr lang="es-CO" sz="900" dirty="0" smtClean="0">
-                <a:solidFill>
-                  <a:schemeClr val="tx1"/>
-                </a:solidFill>
-                <a:latin typeface="Arial" panose="020B0604020202020204" pitchFamily="34" charset="0"/>
-                <a:cs typeface="Arial" panose="020B0604020202020204" pitchFamily="34" charset="0"/>
-              </a:rPr>
-              <a:t> </a:t>
-            </a:r>
             <a:endParaRPr lang="es-CO" sz="900" dirty="0">
               <a:solidFill>
                 <a:srgbClr val="FF0000"/>
@@ -9683,69 +8936,6 @@
                 <a:cs typeface="Arial" panose="020B0604020202020204" pitchFamily="34" charset="0"/>
               </a:rPr>
               <a:t>oblicua</a:t>
-            </a:r>
-          </a:p>
-          <a:p>
-            <a:pPr algn="ctr"/>
-            <a:r>
-              <a:rPr lang="es-CO" sz="900" i="1" dirty="0">
-                <a:solidFill>
-                  <a:schemeClr val="tx1"/>
-                </a:solidFill>
-                <a:latin typeface="Arial" panose="020B0604020202020204" pitchFamily="34" charset="0"/>
-                <a:cs typeface="Arial" panose="020B0604020202020204" pitchFamily="34" charset="0"/>
-              </a:rPr>
-              <a:t>y</a:t>
-            </a:r>
-            <a:r>
-              <a:rPr lang="es-CO" sz="900" dirty="0" smtClean="0">
-                <a:solidFill>
-                  <a:schemeClr val="tx1"/>
-                </a:solidFill>
-                <a:latin typeface="Arial" panose="020B0604020202020204" pitchFamily="34" charset="0"/>
-                <a:cs typeface="Arial" panose="020B0604020202020204" pitchFamily="34" charset="0"/>
-              </a:rPr>
-              <a:t> = (</a:t>
-            </a:r>
-            <a:r>
-              <a:rPr lang="es-CO" sz="900" i="1" dirty="0" smtClean="0">
-                <a:solidFill>
-                  <a:schemeClr val="tx1"/>
-                </a:solidFill>
-                <a:latin typeface="Arial" panose="020B0604020202020204" pitchFamily="34" charset="0"/>
-                <a:cs typeface="Arial" panose="020B0604020202020204" pitchFamily="34" charset="0"/>
-              </a:rPr>
-              <a:t>x + h)</a:t>
-            </a:r>
-            <a:r>
-              <a:rPr lang="es-CO" sz="900" baseline="30000" dirty="0" smtClean="0">
-                <a:solidFill>
-                  <a:schemeClr val="tx1"/>
-                </a:solidFill>
-                <a:latin typeface="Arial" panose="020B0604020202020204" pitchFamily="34" charset="0"/>
-                <a:cs typeface="Arial" panose="020B0604020202020204" pitchFamily="34" charset="0"/>
-              </a:rPr>
-              <a:t>2</a:t>
-            </a:r>
-            <a:r>
-              <a:rPr lang="es-CO" sz="900" dirty="0" smtClean="0">
-                <a:solidFill>
-                  <a:schemeClr val="tx1"/>
-                </a:solidFill>
-                <a:latin typeface="Arial" panose="020B0604020202020204" pitchFamily="34" charset="0"/>
-                <a:cs typeface="Arial" panose="020B0604020202020204" pitchFamily="34" charset="0"/>
-              </a:rPr>
-              <a:t> + </a:t>
-            </a:r>
-            <a:r>
-              <a:rPr lang="es-CO" sz="900" i="1" dirty="0" smtClean="0">
-                <a:solidFill>
-                  <a:schemeClr val="tx1"/>
-                </a:solidFill>
-                <a:latin typeface="Arial" panose="020B0604020202020204" pitchFamily="34" charset="0"/>
-                <a:cs typeface="Arial" panose="020B0604020202020204" pitchFamily="34" charset="0"/>
-              </a:rPr>
-              <a:t>k</a:t>
             </a:r>
           </a:p>
           <a:p>
@@ -10113,6 +9303,530 @@
           <a:xfrm>
             <a:off x="8545663" y="8752861"/>
             <a:ext cx="441325" cy="333392"/>
+          </a:xfrm>
+          <a:prstGeom prst="rect">
+            <a:avLst/>
+          </a:prstGeom>
+          <a:noFill/>
+          <a:extLst>
+            <a:ext uri="{909E8E84-426E-40DD-AFC4-6F175D3DCCD1}">
+              <a14:hiddenFill xmlns:a14="http://schemas.microsoft.com/office/drawing/2010/main">
+                <a:solidFill>
+                  <a:srgbClr val="FFFFFF"/>
+                </a:solidFill>
+              </a14:hiddenFill>
+            </a:ext>
+          </a:extLst>
+        </p:spPr>
+      </p:pic>
+      <p:pic>
+        <p:nvPicPr>
+          <p:cNvPr id="2" name="Imagen 1"/>
+          <p:cNvPicPr>
+            <a:picLocks noChangeAspect="1"/>
+          </p:cNvPicPr>
+          <p:nvPr/>
+        </p:nvPicPr>
+        <p:blipFill>
+          <a:blip r:embed="rId9" cstate="print">
+            <a:extLst>
+              <a:ext uri="{28A0092B-C50C-407E-A947-70E740481C1C}">
+                <a14:useLocalDpi xmlns:a14="http://schemas.microsoft.com/office/drawing/2010/main" val="0"/>
+              </a:ext>
+            </a:extLst>
+          </a:blip>
+          <a:stretch>
+            <a:fillRect/>
+          </a:stretch>
+        </p:blipFill>
+        <p:spPr>
+          <a:xfrm>
+            <a:off x="2740330" y="7455721"/>
+            <a:ext cx="439034" cy="165914"/>
+          </a:xfrm>
+          <a:prstGeom prst="rect">
+            <a:avLst/>
+          </a:prstGeom>
+        </p:spPr>
+      </p:pic>
+      <p:pic>
+        <p:nvPicPr>
+          <p:cNvPr id="4" name="Imagen 3"/>
+          <p:cNvPicPr>
+            <a:picLocks noChangeAspect="1"/>
+          </p:cNvPicPr>
+          <p:nvPr/>
+        </p:nvPicPr>
+        <p:blipFill>
+          <a:blip r:embed="rId10" cstate="print">
+            <a:extLst>
+              <a:ext uri="{28A0092B-C50C-407E-A947-70E740481C1C}">
+                <a14:useLocalDpi xmlns:a14="http://schemas.microsoft.com/office/drawing/2010/main" val="0"/>
+              </a:ext>
+            </a:extLst>
+          </a:blip>
+          <a:stretch>
+            <a:fillRect/>
+          </a:stretch>
+        </p:blipFill>
+        <p:spPr>
+          <a:xfrm>
+            <a:off x="3879939" y="5868564"/>
+            <a:ext cx="534294" cy="141280"/>
+          </a:xfrm>
+          <a:prstGeom prst="rect">
+            <a:avLst/>
+          </a:prstGeom>
+        </p:spPr>
+      </p:pic>
+      <p:pic>
+        <p:nvPicPr>
+          <p:cNvPr id="8" name="Imagen 7"/>
+          <p:cNvPicPr>
+            <a:picLocks noChangeAspect="1"/>
+          </p:cNvPicPr>
+          <p:nvPr/>
+        </p:nvPicPr>
+        <p:blipFill>
+          <a:blip r:embed="rId11" cstate="print">
+            <a:extLst>
+              <a:ext uri="{28A0092B-C50C-407E-A947-70E740481C1C}">
+                <a14:useLocalDpi xmlns:a14="http://schemas.microsoft.com/office/drawing/2010/main" val="0"/>
+              </a:ext>
+            </a:extLst>
+          </a:blip>
+          <a:stretch>
+            <a:fillRect/>
+          </a:stretch>
+        </p:blipFill>
+        <p:spPr>
+          <a:xfrm>
+            <a:off x="5327366" y="5861436"/>
+            <a:ext cx="834816" cy="130440"/>
+          </a:xfrm>
+          <a:prstGeom prst="rect">
+            <a:avLst/>
+          </a:prstGeom>
+        </p:spPr>
+      </p:pic>
+      <p:pic>
+        <p:nvPicPr>
+          <p:cNvPr id="9" name="Imagen 8"/>
+          <p:cNvPicPr>
+            <a:picLocks noChangeAspect="1"/>
+          </p:cNvPicPr>
+          <p:nvPr/>
+        </p:nvPicPr>
+        <p:blipFill>
+          <a:blip r:embed="rId12" cstate="print">
+            <a:extLst>
+              <a:ext uri="{28A0092B-C50C-407E-A947-70E740481C1C}">
+                <a14:useLocalDpi xmlns:a14="http://schemas.microsoft.com/office/drawing/2010/main" val="0"/>
+              </a:ext>
+            </a:extLst>
+          </a:blip>
+          <a:stretch>
+            <a:fillRect/>
+          </a:stretch>
+        </p:blipFill>
+        <p:spPr>
+          <a:xfrm>
+            <a:off x="7348649" y="5879819"/>
+            <a:ext cx="844989" cy="149435"/>
+          </a:xfrm>
+          <a:prstGeom prst="rect">
+            <a:avLst/>
+          </a:prstGeom>
+        </p:spPr>
+      </p:pic>
+      <p:pic>
+        <p:nvPicPr>
+          <p:cNvPr id="10" name="Imagen 9"/>
+          <p:cNvPicPr>
+            <a:picLocks noChangeAspect="1"/>
+          </p:cNvPicPr>
+          <p:nvPr/>
+        </p:nvPicPr>
+        <p:blipFill>
+          <a:blip r:embed="rId13" cstate="print">
+            <a:extLst>
+              <a:ext uri="{28A0092B-C50C-407E-A947-70E740481C1C}">
+                <a14:useLocalDpi xmlns:a14="http://schemas.microsoft.com/office/drawing/2010/main" val="0"/>
+              </a:ext>
+            </a:extLst>
+          </a:blip>
+          <a:stretch>
+            <a:fillRect/>
+          </a:stretch>
+        </p:blipFill>
+        <p:spPr>
+          <a:xfrm>
+            <a:off x="10565447" y="5818824"/>
+            <a:ext cx="1234889" cy="149273"/>
+          </a:xfrm>
+          <a:prstGeom prst="rect">
+            <a:avLst/>
+          </a:prstGeom>
+        </p:spPr>
+      </p:pic>
+      <p:pic>
+        <p:nvPicPr>
+          <p:cNvPr id="11" name="Imagen 10"/>
+          <p:cNvPicPr>
+            <a:picLocks noChangeAspect="1"/>
+          </p:cNvPicPr>
+          <p:nvPr/>
+        </p:nvPicPr>
+        <p:blipFill>
+          <a:blip r:embed="rId14" cstate="print">
+            <a:extLst>
+              <a:ext uri="{28A0092B-C50C-407E-A947-70E740481C1C}">
+                <a14:useLocalDpi xmlns:a14="http://schemas.microsoft.com/office/drawing/2010/main" val="0"/>
+              </a:ext>
+            </a:extLst>
+          </a:blip>
+          <a:stretch>
+            <a:fillRect/>
+          </a:stretch>
+        </p:blipFill>
+        <p:spPr>
+          <a:xfrm>
+            <a:off x="372297" y="6602449"/>
+            <a:ext cx="1115879" cy="158367"/>
+          </a:xfrm>
+          <a:prstGeom prst="rect">
+            <a:avLst/>
+          </a:prstGeom>
+        </p:spPr>
+      </p:pic>
+      <p:pic>
+        <p:nvPicPr>
+          <p:cNvPr id="12" name="Imagen 11"/>
+          <p:cNvPicPr>
+            <a:picLocks noChangeAspect="1"/>
+          </p:cNvPicPr>
+          <p:nvPr/>
+        </p:nvPicPr>
+        <p:blipFill>
+          <a:blip r:embed="rId15" cstate="print">
+            <a:extLst>
+              <a:ext uri="{28A0092B-C50C-407E-A947-70E740481C1C}">
+                <a14:useLocalDpi xmlns:a14="http://schemas.microsoft.com/office/drawing/2010/main" val="0"/>
+              </a:ext>
+            </a:extLst>
+          </a:blip>
+          <a:stretch>
+            <a:fillRect/>
+          </a:stretch>
+        </p:blipFill>
+        <p:spPr>
+          <a:xfrm>
+            <a:off x="11317914" y="7777315"/>
+            <a:ext cx="790052" cy="125950"/>
+          </a:xfrm>
+          <a:prstGeom prst="rect">
+            <a:avLst/>
+          </a:prstGeom>
+        </p:spPr>
+      </p:pic>
+      <p:pic>
+        <p:nvPicPr>
+          <p:cNvPr id="13" name="Imagen 12"/>
+          <p:cNvPicPr>
+            <a:picLocks noChangeAspect="1"/>
+          </p:cNvPicPr>
+          <p:nvPr/>
+        </p:nvPicPr>
+        <p:blipFill>
+          <a:blip r:embed="rId16" cstate="print">
+            <a:extLst>
+              <a:ext uri="{28A0092B-C50C-407E-A947-70E740481C1C}">
+                <a14:useLocalDpi xmlns:a14="http://schemas.microsoft.com/office/drawing/2010/main" val="0"/>
+              </a:ext>
+            </a:extLst>
+          </a:blip>
+          <a:stretch>
+            <a:fillRect/>
+          </a:stretch>
+        </p:blipFill>
+        <p:spPr>
+          <a:xfrm>
+            <a:off x="10289188" y="8270964"/>
+            <a:ext cx="862962" cy="141304"/>
+          </a:xfrm>
+          <a:prstGeom prst="rect">
+            <a:avLst/>
+          </a:prstGeom>
+        </p:spPr>
+      </p:pic>
+      <p:pic>
+        <p:nvPicPr>
+          <p:cNvPr id="15" name="Imagen 14"/>
+          <p:cNvPicPr>
+            <a:picLocks noChangeAspect="1"/>
+          </p:cNvPicPr>
+          <p:nvPr/>
+        </p:nvPicPr>
+        <p:blipFill>
+          <a:blip r:embed="rId17" cstate="print">
+            <a:extLst>
+              <a:ext uri="{28A0092B-C50C-407E-A947-70E740481C1C}">
+                <a14:useLocalDpi xmlns:a14="http://schemas.microsoft.com/office/drawing/2010/main" val="0"/>
+              </a:ext>
+            </a:extLst>
+          </a:blip>
+          <a:stretch>
+            <a:fillRect/>
+          </a:stretch>
+        </p:blipFill>
+        <p:spPr>
+          <a:xfrm>
+            <a:off x="9330273" y="7773915"/>
+            <a:ext cx="852830" cy="139644"/>
+          </a:xfrm>
+          <a:prstGeom prst="rect">
+            <a:avLst/>
+          </a:prstGeom>
+        </p:spPr>
+      </p:pic>
+      <p:pic>
+        <p:nvPicPr>
+          <p:cNvPr id="16" name="Imagen 15"/>
+          <p:cNvPicPr>
+            <a:picLocks noChangeAspect="1"/>
+          </p:cNvPicPr>
+          <p:nvPr/>
+        </p:nvPicPr>
+        <p:blipFill>
+          <a:blip r:embed="rId18" cstate="print">
+            <a:extLst>
+              <a:ext uri="{28A0092B-C50C-407E-A947-70E740481C1C}">
+                <a14:useLocalDpi xmlns:a14="http://schemas.microsoft.com/office/drawing/2010/main" val="0"/>
+              </a:ext>
+            </a:extLst>
+          </a:blip>
+          <a:stretch>
+            <a:fillRect/>
+          </a:stretch>
+        </p:blipFill>
+        <p:spPr>
+          <a:xfrm>
+            <a:off x="2145764" y="8908059"/>
+            <a:ext cx="659370" cy="150913"/>
+          </a:xfrm>
+          <a:prstGeom prst="rect">
+            <a:avLst/>
+          </a:prstGeom>
+        </p:spPr>
+      </p:pic>
+      <p:pic>
+        <p:nvPicPr>
+          <p:cNvPr id="18" name="Imagen 17"/>
+          <p:cNvPicPr>
+            <a:picLocks noChangeAspect="1"/>
+          </p:cNvPicPr>
+          <p:nvPr/>
+        </p:nvPicPr>
+        <p:blipFill>
+          <a:blip r:embed="rId19" cstate="print">
+            <a:extLst>
+              <a:ext uri="{28A0092B-C50C-407E-A947-70E740481C1C}">
+                <a14:useLocalDpi xmlns:a14="http://schemas.microsoft.com/office/drawing/2010/main" val="0"/>
+              </a:ext>
+            </a:extLst>
+          </a:blip>
+          <a:stretch>
+            <a:fillRect/>
+          </a:stretch>
+        </p:blipFill>
+        <p:spPr>
+          <a:xfrm>
+            <a:off x="3245168" y="8904157"/>
+            <a:ext cx="776696" cy="152064"/>
+          </a:xfrm>
+          <a:prstGeom prst="rect">
+            <a:avLst/>
+          </a:prstGeom>
+        </p:spPr>
+      </p:pic>
+      <p:pic>
+        <p:nvPicPr>
+          <p:cNvPr id="19" name="Imagen 18"/>
+          <p:cNvPicPr>
+            <a:picLocks noChangeAspect="1"/>
+          </p:cNvPicPr>
+          <p:nvPr/>
+        </p:nvPicPr>
+        <p:blipFill>
+          <a:blip r:embed="rId20" cstate="print">
+            <a:extLst>
+              <a:ext uri="{28A0092B-C50C-407E-A947-70E740481C1C}">
+                <a14:useLocalDpi xmlns:a14="http://schemas.microsoft.com/office/drawing/2010/main" val="0"/>
+              </a:ext>
+            </a:extLst>
+          </a:blip>
+          <a:stretch>
+            <a:fillRect/>
+          </a:stretch>
+        </p:blipFill>
+        <p:spPr>
+          <a:xfrm>
+            <a:off x="4229762" y="8934406"/>
+            <a:ext cx="833966" cy="121815"/>
+          </a:xfrm>
+          <a:prstGeom prst="rect">
+            <a:avLst/>
+          </a:prstGeom>
+        </p:spPr>
+      </p:pic>
+      <p:pic>
+        <p:nvPicPr>
+          <p:cNvPr id="22" name="Picture 6" descr="https://latex.codecogs.com/png.latex?%5Cdpi%7B200%7D%20%5Cfn_jvn%20%5CLARGE%204x%5E%7B4%7D&amp;plus;7x%5E%7B2%7D&amp;plus;9%3D0"/>
+          <p:cNvPicPr>
+            <a:picLocks noChangeAspect="1" noChangeArrowheads="1"/>
+          </p:cNvPicPr>
+          <p:nvPr/>
+        </p:nvPicPr>
+        <p:blipFill>
+          <a:blip r:embed="rId21" cstate="print">
+            <a:extLst>
+              <a:ext uri="{28A0092B-C50C-407E-A947-70E740481C1C}">
+                <a14:useLocalDpi xmlns:a14="http://schemas.microsoft.com/office/drawing/2010/main" val="0"/>
+              </a:ext>
+            </a:extLst>
+          </a:blip>
+          <a:srcRect/>
+          <a:stretch>
+            <a:fillRect/>
+          </a:stretch>
+        </p:blipFill>
+        <p:spPr bwMode="auto">
+          <a:xfrm>
+            <a:off x="10688761" y="3955651"/>
+            <a:ext cx="1274314" cy="143327"/>
+          </a:xfrm>
+          <a:prstGeom prst="rect">
+            <a:avLst/>
+          </a:prstGeom>
+          <a:noFill/>
+          <a:extLst>
+            <a:ext uri="{909E8E84-426E-40DD-AFC4-6F175D3DCCD1}">
+              <a14:hiddenFill xmlns:a14="http://schemas.microsoft.com/office/drawing/2010/main">
+                <a:solidFill>
+                  <a:srgbClr val="FFFFFF"/>
+                </a:solidFill>
+              </a14:hiddenFill>
+            </a:ext>
+          </a:extLst>
+        </p:spPr>
+      </p:pic>
+      <p:pic>
+        <p:nvPicPr>
+          <p:cNvPr id="26" name="Picture 12" descr="https://latex.codecogs.com/png.latex?%5Cdpi%7B200%7D%20%5Cfn_jvn%20%5CLARGE%20x%5E%7B2%7D-7ax&amp;plus;12a%5E%7B2%7D%3D0"/>
+          <p:cNvPicPr>
+            <a:picLocks noChangeAspect="1" noChangeArrowheads="1"/>
+          </p:cNvPicPr>
+          <p:nvPr/>
+        </p:nvPicPr>
+        <p:blipFill>
+          <a:blip r:embed="rId22" cstate="print">
+            <a:extLst>
+              <a:ext uri="{28A0092B-C50C-407E-A947-70E740481C1C}">
+                <a14:useLocalDpi xmlns:a14="http://schemas.microsoft.com/office/drawing/2010/main" val="0"/>
+              </a:ext>
+            </a:extLst>
+          </a:blip>
+          <a:srcRect/>
+          <a:stretch>
+            <a:fillRect/>
+          </a:stretch>
+        </p:blipFill>
+        <p:spPr bwMode="auto">
+          <a:xfrm>
+            <a:off x="12273545" y="3985244"/>
+            <a:ext cx="1202987" cy="118151"/>
+          </a:xfrm>
+          <a:prstGeom prst="rect">
+            <a:avLst/>
+          </a:prstGeom>
+          <a:noFill/>
+          <a:extLst>
+            <a:ext uri="{909E8E84-426E-40DD-AFC4-6F175D3DCCD1}">
+              <a14:hiddenFill xmlns:a14="http://schemas.microsoft.com/office/drawing/2010/main">
+                <a:solidFill>
+                  <a:srgbClr val="FFFFFF"/>
+                </a:solidFill>
+              </a14:hiddenFill>
+            </a:ext>
+          </a:extLst>
+        </p:spPr>
+      </p:pic>
+      <p:pic>
+        <p:nvPicPr>
+          <p:cNvPr id="1040" name="Picture 16" descr="https://latex.codecogs.com/png.latex?%5Cdpi%7B200%7D%20%5Cfn_jvn%20%5CLARGE%20f%28x%29%3Dax%5E%7B2%7D&amp;plus;bx&amp;plus;c%2C"/>
+          <p:cNvPicPr>
+            <a:picLocks noChangeAspect="1" noChangeArrowheads="1"/>
+          </p:cNvPicPr>
+          <p:nvPr/>
+        </p:nvPicPr>
+        <p:blipFill>
+          <a:blip r:embed="rId23" cstate="print">
+            <a:extLst>
+              <a:ext uri="{28A0092B-C50C-407E-A947-70E740481C1C}">
+                <a14:useLocalDpi xmlns:a14="http://schemas.microsoft.com/office/drawing/2010/main" val="0"/>
+              </a:ext>
+            </a:extLst>
+          </a:blip>
+          <a:srcRect/>
+          <a:stretch>
+            <a:fillRect/>
+          </a:stretch>
+        </p:blipFill>
+        <p:spPr bwMode="auto">
+          <a:xfrm>
+            <a:off x="1047445" y="3221904"/>
+            <a:ext cx="1526831" cy="178818"/>
+          </a:xfrm>
+          <a:prstGeom prst="rect">
+            <a:avLst/>
+          </a:prstGeom>
+          <a:noFill/>
+          <a:extLst>
+            <a:ext uri="{909E8E84-426E-40DD-AFC4-6F175D3DCCD1}">
+              <a14:hiddenFill xmlns:a14="http://schemas.microsoft.com/office/drawing/2010/main">
+                <a:solidFill>
+                  <a:srgbClr val="FFFFFF"/>
+                </a:solidFill>
+              </a14:hiddenFill>
+            </a:ext>
+          </a:extLst>
+        </p:spPr>
+      </p:pic>
+      <p:pic>
+        <p:nvPicPr>
+          <p:cNvPr id="1042" name="Picture 18" descr="https://latex.codecogs.com/png.latex?%5Cdpi%7B200%7D%20%5Cfn_jvn%20%5CLARGE%20ax%5E%7B2%7D&amp;plus;bx&amp;plus;c%3D0%2C"/>
+          <p:cNvPicPr>
+            <a:picLocks noChangeAspect="1" noChangeArrowheads="1"/>
+          </p:cNvPicPr>
+          <p:nvPr/>
+        </p:nvPicPr>
+        <p:blipFill>
+          <a:blip r:embed="rId24" cstate="print">
+            <a:extLst>
+              <a:ext uri="{28A0092B-C50C-407E-A947-70E740481C1C}">
+                <a14:useLocalDpi xmlns:a14="http://schemas.microsoft.com/office/drawing/2010/main" val="0"/>
+              </a:ext>
+            </a:extLst>
+          </a:blip>
+          <a:srcRect/>
+          <a:stretch>
+            <a:fillRect/>
+          </a:stretch>
+        </p:blipFill>
+        <p:spPr bwMode="auto">
+          <a:xfrm>
+            <a:off x="6162182" y="3252100"/>
+            <a:ext cx="1452006" cy="195228"/>
           </a:xfrm>
           <a:prstGeom prst="rect">
             <a:avLst/>

--- a/fuentes/contenidos/grado09/guion06/MapaConceptual_MA_09_06_CO.pptx
+++ b/fuentes/contenidos/grado09/guion06/MapaConceptual_MA_09_06_CO.pptx
@@ -150,13 +150,6 @@
   <p:clrMapOvr>
     <a:masterClrMapping/>
   </p:clrMapOvr>
-  <p:timing>
-    <p:tnLst>
-      <p:par>
-        <p:cTn id="1" dur="indefinite" restart="never" nodeType="tmRoot"/>
-      </p:par>
-    </p:tnLst>
-  </p:timing>
 </p:sldLayout>
 </file>
 
@@ -187,13 +180,6 @@
   <p:clrMapOvr>
     <a:masterClrMapping/>
   </p:clrMapOvr>
-  <p:timing>
-    <p:tnLst>
-      <p:par>
-        <p:cTn id="1" dur="indefinite" restart="never" nodeType="tmRoot"/>
-      </p:par>
-    </p:tnLst>
-  </p:timing>
 </p:sldLayout>
 </file>
 
@@ -224,13 +210,6 @@
   <p:clrMapOvr>
     <a:masterClrMapping/>
   </p:clrMapOvr>
-  <p:timing>
-    <p:tnLst>
-      <p:par>
-        <p:cTn id="1" dur="indefinite" restart="never" nodeType="tmRoot"/>
-      </p:par>
-    </p:tnLst>
-  </p:timing>
 </p:sldLayout>
 </file>
 
@@ -261,13 +240,6 @@
   <p:clrMapOvr>
     <a:masterClrMapping/>
   </p:clrMapOvr>
-  <p:timing>
-    <p:tnLst>
-      <p:par>
-        <p:cTn id="1" dur="indefinite" restart="never" nodeType="tmRoot"/>
-      </p:par>
-    </p:tnLst>
-  </p:timing>
 </p:sldLayout>
 </file>
 
@@ -298,13 +270,6 @@
   <p:clrMapOvr>
     <a:masterClrMapping/>
   </p:clrMapOvr>
-  <p:timing>
-    <p:tnLst>
-      <p:par>
-        <p:cTn id="1" dur="indefinite" restart="never" nodeType="tmRoot"/>
-      </p:par>
-    </p:tnLst>
-  </p:timing>
 </p:sldLayout>
 </file>
 
@@ -335,13 +300,6 @@
   <p:clrMapOvr>
     <a:masterClrMapping/>
   </p:clrMapOvr>
-  <p:timing>
-    <p:tnLst>
-      <p:par>
-        <p:cTn id="1" dur="indefinite" restart="never" nodeType="tmRoot"/>
-      </p:par>
-    </p:tnLst>
-  </p:timing>
 </p:sldLayout>
 </file>
 
@@ -372,13 +330,6 @@
   <p:clrMapOvr>
     <a:masterClrMapping/>
   </p:clrMapOvr>
-  <p:timing>
-    <p:tnLst>
-      <p:par>
-        <p:cTn id="1" dur="indefinite" restart="never" nodeType="tmRoot"/>
-      </p:par>
-    </p:tnLst>
-  </p:timing>
 </p:sldLayout>
 </file>
 
@@ -409,13 +360,6 @@
   <p:clrMapOvr>
     <a:masterClrMapping/>
   </p:clrMapOvr>
-  <p:timing>
-    <p:tnLst>
-      <p:par>
-        <p:cTn id="1" dur="indefinite" restart="never" nodeType="tmRoot"/>
-      </p:par>
-    </p:tnLst>
-  </p:timing>
 </p:sldLayout>
 </file>
 
@@ -462,7 +406,7 @@
             <a:fld id="{5001C876-01F7-4317-94B9-1AE222133113}" type="datetimeFigureOut">
               <a:rPr lang="es-ES" smtClean="0"/>
               <a:pPr/>
-              <a:t>16/12/2015</a:t>
+              <a:t>17/12/2015</a:t>
             </a:fld>
             <a:endParaRPr lang="es-ES"/>
           </a:p>
@@ -537,13 +481,6 @@
   <p:clrMapOvr>
     <a:masterClrMapping/>
   </p:clrMapOvr>
-  <p:timing>
-    <p:tnLst>
-      <p:par>
-        <p:cTn id="1" dur="indefinite" restart="never" nodeType="tmRoot"/>
-      </p:par>
-    </p:tnLst>
-  </p:timing>
 </p:sldLayout>
 </file>
 
@@ -574,13 +511,6 @@
   <p:clrMapOvr>
     <a:masterClrMapping/>
   </p:clrMapOvr>
-  <p:timing>
-    <p:tnLst>
-      <p:par>
-        <p:cTn id="1" dur="indefinite" restart="never" nodeType="tmRoot"/>
-      </p:par>
-    </p:tnLst>
-  </p:timing>
 </p:sldLayout>
 </file>
 
@@ -611,13 +541,6 @@
   <p:clrMapOvr>
     <a:masterClrMapping/>
   </p:clrMapOvr>
-  <p:timing>
-    <p:tnLst>
-      <p:par>
-        <p:cTn id="1" dur="indefinite" restart="never" nodeType="tmRoot"/>
-      </p:par>
-    </p:tnLst>
-  </p:timing>
 </p:sldLayout>
 </file>
 
@@ -671,7 +594,14 @@
                 <a:latin typeface="Arial" panose="020B0604020202020204" pitchFamily="34" charset="0"/>
                 <a:cs typeface="Arial" panose="020B0604020202020204" pitchFamily="34" charset="0"/>
               </a:rPr>
-              <a:t>© Editorial Planeta Colombiana S.A., 2015.</a:t>
+              <a:t>© Editorial Planeta Colombiana S.A., </a:t>
+            </a:r>
+            <a:r>
+              <a:rPr lang="es-ES" sz="1400" dirty="0" smtClean="0">
+                <a:latin typeface="Arial" panose="020B0604020202020204" pitchFamily="34" charset="0"/>
+                <a:cs typeface="Arial" panose="020B0604020202020204" pitchFamily="34" charset="0"/>
+              </a:rPr>
+              <a:t>2016.</a:t>
             </a:r>
             <a:endParaRPr lang="es-ES" sz="1400" dirty="0">
               <a:latin typeface="Arial" panose="020B0604020202020204" pitchFamily="34" charset="0"/>
@@ -731,13 +661,6 @@
     <p:sldLayoutId id="2147483670" r:id="rId10"/>
     <p:sldLayoutId id="2147483671" r:id="rId11"/>
   </p:sldLayoutIdLst>
-  <p:timing>
-    <p:tnLst>
-      <p:par>
-        <p:cTn id="1" dur="indefinite" restart="never" nodeType="tmRoot"/>
-      </p:par>
-    </p:tnLst>
-  </p:timing>
   <p:txStyles>
     <p:titleStyle>
       <a:lvl1pPr algn="l" defTabSz="1056822" rtl="0" eaLnBrk="1" latinLnBrk="0" hangingPunct="1">
@@ -1345,13 +1268,6 @@
               </a:rPr>
               <a:t>  </a:t>
             </a:r>
-            <a:endParaRPr lang="es-CO" sz="1200" i="1" dirty="0" smtClean="0">
-              <a:solidFill>
-                <a:schemeClr val="bg1"/>
-              </a:solidFill>
-              <a:latin typeface="Arial" panose="020B0604020202020204" pitchFamily="34" charset="0"/>
-              <a:cs typeface="Arial" panose="020B0604020202020204" pitchFamily="34" charset="0"/>
-            </a:endParaRPr>
           </a:p>
           <a:p>
             <a:pPr algn="ctr"/>
@@ -1784,14 +1700,34 @@
           <a:p>
             <a:pPr algn="ctr"/>
             <a:r>
-              <a:rPr lang="es-CO" sz="900" dirty="0" smtClean="0">
-                <a:solidFill>
-                  <a:schemeClr val="tx1"/>
-                </a:solidFill>
-                <a:latin typeface="Arial" panose="020B0604020202020204" pitchFamily="34" charset="0"/>
-                <a:cs typeface="Arial" panose="020B0604020202020204" pitchFamily="34" charset="0"/>
-              </a:rPr>
-              <a:t>Ecuaciones  incompletas  </a:t>
+              <a:rPr lang="es-CO" sz="900" dirty="0">
+                <a:solidFill>
+                  <a:schemeClr val="tx1"/>
+                </a:solidFill>
+                <a:latin typeface="Arial" panose="020B0604020202020204" pitchFamily="34" charset="0"/>
+                <a:cs typeface="Arial" panose="020B0604020202020204" pitchFamily="34" charset="0"/>
+              </a:rPr>
+              <a:t>e</a:t>
+            </a:r>
+            <a:r>
+              <a:rPr lang="es-CO" sz="900" dirty="0" smtClean="0">
+                <a:solidFill>
+                  <a:schemeClr val="tx1"/>
+                </a:solidFill>
+                <a:latin typeface="Arial" panose="020B0604020202020204" pitchFamily="34" charset="0"/>
+                <a:cs typeface="Arial" panose="020B0604020202020204" pitchFamily="34" charset="0"/>
+              </a:rPr>
+              <a:t>cuaciones  </a:t>
+            </a:r>
+            <a:r>
+              <a:rPr lang="es-CO" sz="900" dirty="0" smtClean="0">
+                <a:solidFill>
+                  <a:schemeClr val="tx1"/>
+                </a:solidFill>
+                <a:latin typeface="Arial" panose="020B0604020202020204" pitchFamily="34" charset="0"/>
+                <a:cs typeface="Arial" panose="020B0604020202020204" pitchFamily="34" charset="0"/>
+              </a:rPr>
+              <a:t>incompletas  </a:t>
             </a:r>
           </a:p>
         </p:txBody>
@@ -2240,25 +2176,8 @@
                 <a:latin typeface="Arial" panose="020B0604020202020204" pitchFamily="34" charset="0"/>
                 <a:cs typeface="Arial" panose="020B0604020202020204" pitchFamily="34" charset="0"/>
               </a:rPr>
-              <a:t>cuación de segundo </a:t>
-            </a:r>
-            <a:r>
-              <a:rPr lang="es-CO" sz="900" dirty="0" smtClean="0">
-                <a:solidFill>
-                  <a:schemeClr val="tx1"/>
-                </a:solidFill>
-                <a:latin typeface="Arial" panose="020B0604020202020204" pitchFamily="34" charset="0"/>
-                <a:cs typeface="Arial" panose="020B0604020202020204" pitchFamily="34" charset="0"/>
-              </a:rPr>
-              <a:t>grado</a:t>
-            </a:r>
-            <a:endParaRPr lang="es-CO" sz="900" dirty="0" smtClean="0">
-              <a:solidFill>
-                <a:schemeClr val="tx1"/>
-              </a:solidFill>
-              <a:latin typeface="Arial" panose="020B0604020202020204" pitchFamily="34" charset="0"/>
-              <a:cs typeface="Arial" panose="020B0604020202020204" pitchFamily="34" charset="0"/>
-            </a:endParaRPr>
+              <a:t>cuación de segundo grado</a:t>
+            </a:r>
           </a:p>
         </p:txBody>
       </p:sp>
@@ -7697,13 +7616,6 @@
               </a:rPr>
               <a:t>  </a:t>
             </a:r>
-            <a:endParaRPr lang="es-CO" sz="900" dirty="0" smtClean="0">
-              <a:solidFill>
-                <a:schemeClr val="tx1"/>
-              </a:solidFill>
-              <a:latin typeface="Arial" panose="020B0604020202020204" pitchFamily="34" charset="0"/>
-              <a:cs typeface="Arial" panose="020B0604020202020204" pitchFamily="34" charset="0"/>
-            </a:endParaRPr>
           </a:p>
         </p:txBody>
       </p:sp>
@@ -8715,13 +8627,6 @@
               </a:rPr>
               <a:t>como</a:t>
             </a:r>
-            <a:endParaRPr lang="es-CO" sz="900" dirty="0" smtClean="0">
-              <a:solidFill>
-                <a:schemeClr val="tx1"/>
-              </a:solidFill>
-              <a:latin typeface="Arial" panose="020B0604020202020204" pitchFamily="34" charset="0"/>
-              <a:cs typeface="Arial" panose="020B0604020202020204" pitchFamily="34" charset="0"/>
-            </a:endParaRPr>
           </a:p>
         </p:txBody>
       </p:sp>
@@ -9853,13 +9758,6 @@
   <p:clrMapOvr>
     <a:masterClrMapping/>
   </p:clrMapOvr>
-  <p:timing>
-    <p:tnLst>
-      <p:par>
-        <p:cTn id="1" dur="indefinite" restart="never" nodeType="tmRoot"/>
-      </p:par>
-    </p:tnLst>
-  </p:timing>
 </p:sld>
 </file>
 

--- a/fuentes/contenidos/grado09/guion06/MapaConceptual_MA_09_06_CO.pptx
+++ b/fuentes/contenidos/grado09/guion06/MapaConceptual_MA_09_06_CO.pptx
@@ -406,7 +406,7 @@
             <a:fld id="{5001C876-01F7-4317-94B9-1AE222133113}" type="datetimeFigureOut">
               <a:rPr lang="es-ES" smtClean="0"/>
               <a:pPr/>
-              <a:t>17/12/2015</a:t>
+              <a:t>19/04/2016</a:t>
             </a:fld>
             <a:endParaRPr lang="es-ES"/>
           </a:p>
@@ -590,23 +590,12 @@
           <a:p>
             <a:pPr algn="ctr"/>
             <a:r>
-              <a:rPr lang="es-ES" sz="1400" dirty="0" smtClean="0">
+              <a:rPr lang="es-ES" sz="1400" dirty="0">
                 <a:latin typeface="Arial" panose="020B0604020202020204" pitchFamily="34" charset="0"/>
                 <a:cs typeface="Arial" panose="020B0604020202020204" pitchFamily="34" charset="0"/>
               </a:rPr>
-              <a:t>© Editorial Planeta Colombiana S.A., </a:t>
-            </a:r>
-            <a:r>
-              <a:rPr lang="es-ES" sz="1400" dirty="0" smtClean="0">
-                <a:latin typeface="Arial" panose="020B0604020202020204" pitchFamily="34" charset="0"/>
-                <a:cs typeface="Arial" panose="020B0604020202020204" pitchFamily="34" charset="0"/>
-              </a:rPr>
-              <a:t>2016.</a:t>
-            </a:r>
-            <a:endParaRPr lang="es-ES" sz="1400" dirty="0">
-              <a:latin typeface="Arial" panose="020B0604020202020204" pitchFamily="34" charset="0"/>
-              <a:cs typeface="Arial" panose="020B0604020202020204" pitchFamily="34" charset="0"/>
-            </a:endParaRPr>
+              <a:t>© Editorial Planeta Colombiana S.A., 2016.</a:t>
+            </a:r>
           </a:p>
         </p:txBody>
       </p:sp>
@@ -996,7 +985,7 @@
           <a:p>
             <a:pPr algn="ctr"/>
             <a:r>
-              <a:rPr lang="es-CO" sz="1900" b="1" dirty="0" smtClean="0">
+              <a:rPr lang="es-CO" sz="1900" b="1" dirty="0">
                 <a:solidFill>
                   <a:schemeClr val="tx1"/>
                 </a:solidFill>
@@ -1004,12 +993,6 @@
               </a:rPr>
               <a:t>Función y ecuación cuadrática  </a:t>
             </a:r>
-            <a:endParaRPr lang="es-CO" sz="1900" b="1" dirty="0">
-              <a:solidFill>
-                <a:schemeClr val="tx1"/>
-              </a:solidFill>
-              <a:cs typeface="Arial" pitchFamily="34" charset="0"/>
-            </a:endParaRPr>
           </a:p>
         </p:txBody>
       </p:sp>
@@ -1051,7 +1034,7 @@
           <a:p>
             <a:pPr algn="ctr"/>
             <a:r>
-              <a:rPr lang="es-CO" sz="1200" b="1" dirty="0" smtClean="0">
+              <a:rPr lang="es-CO" sz="1200" b="1" dirty="0">
                 <a:solidFill>
                   <a:schemeClr val="tx1"/>
                 </a:solidFill>
@@ -1060,13 +1043,6 @@
               </a:rPr>
               <a:t>Función cuadrática </a:t>
             </a:r>
-            <a:endParaRPr lang="es-CO" sz="1200" b="1" dirty="0">
-              <a:solidFill>
-                <a:schemeClr val="tx1"/>
-              </a:solidFill>
-              <a:latin typeface="Arial" panose="020B0604020202020204" pitchFamily="34" charset="0"/>
-              <a:cs typeface="Arial" panose="020B0604020202020204" pitchFamily="34" charset="0"/>
-            </a:endParaRPr>
           </a:p>
         </p:txBody>
       </p:sp>
@@ -1108,7 +1084,7 @@
           <a:p>
             <a:pPr algn="ctr"/>
             <a:r>
-              <a:rPr lang="es-CO" sz="900" dirty="0" smtClean="0">
+              <a:rPr lang="es-CO" sz="900" dirty="0">
                 <a:solidFill>
                   <a:schemeClr val="tx1"/>
                 </a:solidFill>
@@ -1117,13 +1093,6 @@
               </a:rPr>
               <a:t>se define como   </a:t>
             </a:r>
-            <a:endParaRPr lang="es-CO" sz="900" dirty="0">
-              <a:solidFill>
-                <a:schemeClr val="tx1"/>
-              </a:solidFill>
-              <a:latin typeface="Arial" panose="020B0604020202020204" pitchFamily="34" charset="0"/>
-              <a:cs typeface="Arial" panose="020B0604020202020204" pitchFamily="34" charset="0"/>
-            </a:endParaRPr>
           </a:p>
         </p:txBody>
       </p:sp>
@@ -1166,174 +1135,19 @@
           </a:fontRef>
         </p:style>
       </p:cxnSp>
-      <p:sp>
-        <p:nvSpPr>
-          <p:cNvPr id="330" name="Rectángulo 33"/>
-          <p:cNvSpPr/>
-          <p:nvPr/>
-        </p:nvSpPr>
-        <p:spPr>
-          <a:xfrm>
-            <a:off x="978976" y="2778092"/>
-            <a:ext cx="1678709" cy="1044706"/>
-          </a:xfrm>
-          <a:prstGeom prst="rect">
-            <a:avLst/>
-          </a:prstGeom>
-          <a:solidFill>
-            <a:schemeClr val="bg2">
-              <a:lumMod val="50000"/>
-            </a:schemeClr>
-          </a:solidFill>
-        </p:spPr>
-        <p:style>
-          <a:lnRef idx="2">
-            <a:schemeClr val="dk1"/>
-          </a:lnRef>
-          <a:fillRef idx="1">
-            <a:schemeClr val="lt1"/>
-          </a:fillRef>
-          <a:effectRef idx="0">
-            <a:schemeClr val="dk1"/>
-          </a:effectRef>
-          <a:fontRef idx="minor">
-            <a:schemeClr val="dk1"/>
-          </a:fontRef>
-        </p:style>
-        <p:txBody>
-          <a:bodyPr lIns="105683" tIns="52841" rIns="105683" bIns="52841" rtlCol="0" anchor="ctr"/>
-          <a:lstStyle/>
-          <a:p>
-            <a:pPr algn="ctr"/>
-            <a:r>
-              <a:rPr lang="es-ES_tradnl" sz="1200" i="1" dirty="0">
-                <a:solidFill>
-                  <a:schemeClr val="bg1"/>
-                </a:solidFill>
-                <a:latin typeface="Arial" panose="020B0604020202020204" pitchFamily="34" charset="0"/>
-                <a:cs typeface="Arial" panose="020B0604020202020204" pitchFamily="34" charset="0"/>
-              </a:rPr>
-              <a:t>f</a:t>
-            </a:r>
-            <a:r>
-              <a:rPr lang="es-ES_tradnl" sz="1200" i="1" dirty="0" smtClean="0">
-                <a:solidFill>
-                  <a:schemeClr val="bg1"/>
-                </a:solidFill>
-                <a:latin typeface="Arial" panose="020B0604020202020204" pitchFamily="34" charset="0"/>
-                <a:cs typeface="Arial" panose="020B0604020202020204" pitchFamily="34" charset="0"/>
-              </a:rPr>
-              <a:t> : </a:t>
-            </a:r>
-            <a:r>
-              <a:rPr lang="es-ES_tradnl" sz="1200" dirty="0" smtClean="0">
-                <a:solidFill>
-                  <a:schemeClr val="bg1"/>
-                </a:solidFill>
-                <a:latin typeface="Arial" panose="020B0604020202020204" pitchFamily="34" charset="0"/>
-                <a:cs typeface="Arial" panose="020B0604020202020204" pitchFamily="34" charset="0"/>
-              </a:rPr>
-              <a:t>ℝ</a:t>
-            </a:r>
-            <a:r>
-              <a:rPr lang="es-ES_tradnl" sz="1200" i="1" dirty="0" smtClean="0">
-                <a:solidFill>
-                  <a:schemeClr val="bg1"/>
-                </a:solidFill>
-                <a:latin typeface="Arial" panose="020B0604020202020204" pitchFamily="34" charset="0"/>
-                <a:cs typeface="Arial" panose="020B0604020202020204" pitchFamily="34" charset="0"/>
-              </a:rPr>
-              <a:t> → </a:t>
-            </a:r>
-            <a:r>
-              <a:rPr lang="es-ES_tradnl" sz="1200" dirty="0">
-                <a:solidFill>
-                  <a:schemeClr val="bg1"/>
-                </a:solidFill>
-                <a:latin typeface="Arial" panose="020B0604020202020204" pitchFamily="34" charset="0"/>
-                <a:cs typeface="Arial" panose="020B0604020202020204" pitchFamily="34" charset="0"/>
-              </a:rPr>
-              <a:t>ℝ</a:t>
-            </a:r>
-          </a:p>
-          <a:p>
-            <a:pPr algn="ctr"/>
-            <a:r>
-              <a:rPr lang="es-CO" sz="1200" i="1" dirty="0" smtClean="0">
-                <a:solidFill>
-                  <a:schemeClr val="bg1"/>
-                </a:solidFill>
-                <a:latin typeface="Arial" panose="020B0604020202020204" pitchFamily="34" charset="0"/>
-                <a:cs typeface="Arial" panose="020B0604020202020204" pitchFamily="34" charset="0"/>
-              </a:rPr>
-              <a:t>  </a:t>
-            </a:r>
-          </a:p>
-          <a:p>
-            <a:pPr algn="ctr"/>
-            <a:r>
-              <a:rPr lang="es-CO" sz="1200" i="1" dirty="0" smtClean="0">
-                <a:solidFill>
-                  <a:schemeClr val="bg1"/>
-                </a:solidFill>
-                <a:latin typeface="Arial" panose="020B0604020202020204" pitchFamily="34" charset="0"/>
-                <a:cs typeface="Arial" panose="020B0604020202020204" pitchFamily="34" charset="0"/>
-              </a:rPr>
-              <a:t>    a, b, c ∈ </a:t>
-            </a:r>
-            <a:r>
-              <a:rPr lang="es-ES_tradnl" sz="1200" dirty="0">
-                <a:solidFill>
-                  <a:schemeClr val="bg1"/>
-                </a:solidFill>
-                <a:latin typeface="Arial" panose="020B0604020202020204" pitchFamily="34" charset="0"/>
-                <a:cs typeface="Arial" panose="020B0604020202020204" pitchFamily="34" charset="0"/>
-              </a:rPr>
-              <a:t>ℝ</a:t>
-            </a:r>
-            <a:r>
-              <a:rPr lang="es-CO" sz="1200" dirty="0">
-                <a:solidFill>
-                  <a:schemeClr val="bg1"/>
-                </a:solidFill>
-                <a:latin typeface="Arial" panose="020B0604020202020204" pitchFamily="34" charset="0"/>
-                <a:cs typeface="Arial" panose="020B0604020202020204" pitchFamily="34" charset="0"/>
-              </a:rPr>
-              <a:t> </a:t>
-            </a:r>
-            <a:r>
-              <a:rPr lang="es-CO" sz="1200" i="1" dirty="0" smtClean="0">
-                <a:solidFill>
-                  <a:schemeClr val="bg1"/>
-                </a:solidFill>
-                <a:latin typeface="Arial" panose="020B0604020202020204" pitchFamily="34" charset="0"/>
-                <a:cs typeface="Arial" panose="020B0604020202020204" pitchFamily="34" charset="0"/>
-              </a:rPr>
-              <a:t>y a ≠ 0</a:t>
-            </a:r>
-            <a:endParaRPr lang="es-CO" sz="1200" i="1" dirty="0">
-              <a:solidFill>
-                <a:schemeClr val="bg1"/>
-              </a:solidFill>
-              <a:latin typeface="Arial" panose="020B0604020202020204" pitchFamily="34" charset="0"/>
-              <a:cs typeface="Arial" panose="020B0604020202020204" pitchFamily="34" charset="0"/>
-            </a:endParaRPr>
-          </a:p>
-        </p:txBody>
-      </p:sp>
       <p:cxnSp>
         <p:nvCxnSpPr>
           <p:cNvPr id="332" name="331 Conector recto de flecha"/>
           <p:cNvCxnSpPr>
             <a:stCxn id="328" idx="2"/>
-            <a:endCxn id="330" idx="0"/>
+            <a:endCxn id="1040" idx="0"/>
           </p:cNvCxnSpPr>
           <p:nvPr/>
         </p:nvCxnSpPr>
         <p:spPr>
           <a:xfrm>
             <a:off x="1817527" y="2620237"/>
-            <a:ext cx="804" cy="157855"/>
+            <a:ext cx="0" cy="102199"/>
           </a:xfrm>
           <a:prstGeom prst="straightConnector1">
             <a:avLst/>
@@ -1405,17 +1219,7 @@
                 <a:latin typeface="Arial" panose="020B0604020202020204" pitchFamily="34" charset="0"/>
                 <a:cs typeface="Arial" panose="020B0604020202020204" pitchFamily="34" charset="0"/>
               </a:rPr>
-              <a:t>s</a:t>
-            </a:r>
-            <a:r>
-              <a:rPr lang="es-CO" sz="900" dirty="0" smtClean="0">
-                <a:solidFill>
-                  <a:schemeClr val="tx1"/>
-                </a:solidFill>
-                <a:latin typeface="Arial" panose="020B0604020202020204" pitchFamily="34" charset="0"/>
-                <a:cs typeface="Arial" panose="020B0604020202020204" pitchFamily="34" charset="0"/>
-              </a:rPr>
-              <a:t>e destacan las formas de representar</a:t>
+              <a:t>se destacan las formas de representar</a:t>
             </a:r>
             <a:endParaRPr lang="es-CO" sz="900" dirty="0">
               <a:solidFill>
@@ -1431,15 +1235,15 @@
         <p:nvCxnSpPr>
           <p:cNvPr id="369" name="368 Conector recto de flecha"/>
           <p:cNvCxnSpPr>
-            <a:stCxn id="330" idx="2"/>
+            <a:stCxn id="1040" idx="2"/>
             <a:endCxn id="363" idx="0"/>
           </p:cNvCxnSpPr>
           <p:nvPr/>
         </p:nvCxnSpPr>
         <p:spPr>
           <a:xfrm>
-            <a:off x="1818331" y="3822798"/>
-            <a:ext cx="453" cy="159378"/>
+            <a:off x="1817527" y="3777135"/>
+            <a:ext cx="1257" cy="205041"/>
           </a:xfrm>
           <a:prstGeom prst="straightConnector1">
             <a:avLst/>
@@ -1504,7 +1308,7 @@
           <a:p>
             <a:pPr algn="ctr"/>
             <a:r>
-              <a:rPr lang="es-CO" sz="1400" b="1" dirty="0" smtClean="0">
+              <a:rPr lang="es-CO" sz="1400" b="1" dirty="0">
                 <a:solidFill>
                   <a:schemeClr val="tx1"/>
                 </a:solidFill>
@@ -1512,12 +1316,6 @@
               </a:rPr>
               <a:t>Ecuación  cuadrática  </a:t>
             </a:r>
-            <a:endParaRPr lang="es-CO" sz="1400" b="1" dirty="0">
-              <a:solidFill>
-                <a:schemeClr val="tx1"/>
-              </a:solidFill>
-              <a:cs typeface="Arial" pitchFamily="34" charset="0"/>
-            </a:endParaRPr>
           </a:p>
         </p:txBody>
       </p:sp>
@@ -1559,7 +1357,7 @@
           <a:p>
             <a:pPr algn="ctr"/>
             <a:r>
-              <a:rPr lang="es-CO" sz="900" dirty="0" smtClean="0">
+              <a:rPr lang="es-CO" sz="900" dirty="0">
                 <a:solidFill>
                   <a:schemeClr val="tx1"/>
                 </a:solidFill>
@@ -1568,13 +1366,6 @@
               </a:rPr>
               <a:t>determina una   </a:t>
             </a:r>
-            <a:endParaRPr lang="es-CO" sz="900" dirty="0">
-              <a:solidFill>
-                <a:schemeClr val="tx1"/>
-              </a:solidFill>
-              <a:latin typeface="Arial" panose="020B0604020202020204" pitchFamily="34" charset="0"/>
-              <a:cs typeface="Arial" panose="020B0604020202020204" pitchFamily="34" charset="0"/>
-            </a:endParaRPr>
           </a:p>
         </p:txBody>
       </p:sp>
@@ -1618,7 +1409,7 @@
           <a:p>
             <a:pPr algn="ctr"/>
             <a:r>
-              <a:rPr lang="es-CO" sz="900" dirty="0" smtClean="0">
+              <a:rPr lang="es-CO" sz="900" dirty="0">
                 <a:solidFill>
                   <a:schemeClr val="tx1"/>
                 </a:solidFill>
@@ -1628,7 +1419,7 @@
               <a:t>ecuaciones</a:t>
             </a:r>
             <a:r>
-              <a:rPr lang="es-CO" sz="900" dirty="0" smtClean="0">
+              <a:rPr lang="es-CO" sz="900" dirty="0">
                 <a:solidFill>
                   <a:srgbClr val="FF0000"/>
                 </a:solidFill>
@@ -1638,7 +1429,7 @@
               <a:t>  </a:t>
             </a:r>
             <a:r>
-              <a:rPr lang="es-CO" sz="900" dirty="0" smtClean="0">
+              <a:rPr lang="es-CO" sz="900" dirty="0">
                 <a:solidFill>
                   <a:schemeClr val="tx1"/>
                 </a:solidFill>
@@ -1648,7 +1439,7 @@
               <a:t>completas</a:t>
             </a:r>
             <a:r>
-              <a:rPr lang="es-CO" sz="900" dirty="0" smtClean="0">
+              <a:rPr lang="es-CO" sz="900" dirty="0">
                 <a:solidFill>
                   <a:srgbClr val="FF0000"/>
                 </a:solidFill>
@@ -1668,7 +1459,7 @@
         </p:nvSpPr>
         <p:spPr>
           <a:xfrm>
-            <a:off x="4660069" y="4542617"/>
+            <a:off x="5066469" y="4542617"/>
             <a:ext cx="1334594" cy="699698"/>
           </a:xfrm>
           <a:prstGeom prst="rect">
@@ -1707,27 +1498,7 @@
                 <a:latin typeface="Arial" panose="020B0604020202020204" pitchFamily="34" charset="0"/>
                 <a:cs typeface="Arial" panose="020B0604020202020204" pitchFamily="34" charset="0"/>
               </a:rPr>
-              <a:t>e</a:t>
-            </a:r>
-            <a:r>
-              <a:rPr lang="es-CO" sz="900" dirty="0" smtClean="0">
-                <a:solidFill>
-                  <a:schemeClr val="tx1"/>
-                </a:solidFill>
-                <a:latin typeface="Arial" panose="020B0604020202020204" pitchFamily="34" charset="0"/>
-                <a:cs typeface="Arial" panose="020B0604020202020204" pitchFamily="34" charset="0"/>
-              </a:rPr>
-              <a:t>cuaciones  </a:t>
-            </a:r>
-            <a:r>
-              <a:rPr lang="es-CO" sz="900" dirty="0" smtClean="0">
-                <a:solidFill>
-                  <a:schemeClr val="tx1"/>
-                </a:solidFill>
-                <a:latin typeface="Arial" panose="020B0604020202020204" pitchFamily="34" charset="0"/>
-                <a:cs typeface="Arial" panose="020B0604020202020204" pitchFamily="34" charset="0"/>
-              </a:rPr>
-              <a:t>incompletas  </a:t>
+              <a:t>ecuaciones  incompletas  </a:t>
             </a:r>
           </a:p>
         </p:txBody>
@@ -1852,7 +1623,7 @@
           <a:p>
             <a:pPr algn="ctr"/>
             <a:r>
-              <a:rPr lang="es-CO" sz="900" dirty="0" smtClean="0">
+              <a:rPr lang="es-CO" sz="900" dirty="0">
                 <a:solidFill>
                   <a:schemeClr val="tx1"/>
                 </a:solidFill>
@@ -2064,7 +1835,7 @@
           <a:p>
             <a:pPr algn="ctr"/>
             <a:r>
-              <a:rPr lang="es-CO" sz="900" dirty="0" smtClean="0">
+              <a:rPr lang="es-CO" sz="900" dirty="0">
                 <a:solidFill>
                   <a:schemeClr val="tx1"/>
                 </a:solidFill>
@@ -2073,13 +1844,6 @@
               </a:rPr>
               <a:t>determina una   </a:t>
             </a:r>
-            <a:endParaRPr lang="es-CO" sz="900" dirty="0">
-              <a:solidFill>
-                <a:schemeClr val="tx1"/>
-              </a:solidFill>
-              <a:latin typeface="Arial" panose="020B0604020202020204" pitchFamily="34" charset="0"/>
-              <a:cs typeface="Arial" panose="020B0604020202020204" pitchFamily="34" charset="0"/>
-            </a:endParaRPr>
           </a:p>
         </p:txBody>
       </p:sp>
@@ -2121,72 +1885,11 @@
           </a:fontRef>
         </p:style>
       </p:cxnSp>
-      <p:sp>
-        <p:nvSpPr>
-          <p:cNvPr id="117" name="Rectángulo 33"/>
-          <p:cNvSpPr/>
-          <p:nvPr/>
-        </p:nvSpPr>
-        <p:spPr>
-          <a:xfrm>
-            <a:off x="149466" y="6093995"/>
-            <a:ext cx="1535872" cy="715539"/>
-          </a:xfrm>
-          <a:prstGeom prst="rect">
-            <a:avLst/>
-          </a:prstGeom>
-          <a:solidFill>
-            <a:schemeClr val="bg1"/>
-          </a:solidFill>
-        </p:spPr>
-        <p:style>
-          <a:lnRef idx="2">
-            <a:schemeClr val="dk1"/>
-          </a:lnRef>
-          <a:fillRef idx="1">
-            <a:schemeClr val="lt1"/>
-          </a:fillRef>
-          <a:effectRef idx="0">
-            <a:schemeClr val="dk1"/>
-          </a:effectRef>
-          <a:fontRef idx="minor">
-            <a:schemeClr val="dk1"/>
-          </a:fontRef>
-        </p:style>
-        <p:txBody>
-          <a:bodyPr lIns="105683" tIns="52841" rIns="105683" bIns="52841" rtlCol="0" anchor="ctr"/>
-          <a:lstStyle/>
-          <a:p>
-            <a:pPr algn="ctr"/>
-            <a:r>
-              <a:rPr lang="es-CO" sz="900" dirty="0">
-                <a:solidFill>
-                  <a:schemeClr val="tx1"/>
-                </a:solidFill>
-                <a:latin typeface="Arial" panose="020B0604020202020204" pitchFamily="34" charset="0"/>
-                <a:cs typeface="Arial" panose="020B0604020202020204" pitchFamily="34" charset="0"/>
-              </a:rPr>
-              <a:t>e</a:t>
-            </a:r>
-            <a:r>
-              <a:rPr lang="es-CO" sz="900" dirty="0" smtClean="0">
-                <a:solidFill>
-                  <a:schemeClr val="tx1"/>
-                </a:solidFill>
-                <a:latin typeface="Arial" panose="020B0604020202020204" pitchFamily="34" charset="0"/>
-                <a:cs typeface="Arial" panose="020B0604020202020204" pitchFamily="34" charset="0"/>
-              </a:rPr>
-              <a:t>cuación de segundo grado</a:t>
-            </a:r>
-          </a:p>
-        </p:txBody>
-      </p:sp>
       <p:cxnSp>
         <p:nvCxnSpPr>
           <p:cNvPr id="20" name="19 Conector recto"/>
           <p:cNvCxnSpPr>
             <a:stCxn id="113" idx="2"/>
-            <a:endCxn id="117" idx="0"/>
           </p:cNvCxnSpPr>
           <p:nvPr/>
         </p:nvCxnSpPr>
@@ -2257,7 +1960,7 @@
           <a:p>
             <a:pPr algn="ctr"/>
             <a:r>
-              <a:rPr lang="es-CO" sz="900" dirty="0" smtClean="0">
+              <a:rPr lang="es-CO" sz="900" dirty="0">
                 <a:solidFill>
                   <a:schemeClr val="tx1"/>
                 </a:solidFill>
@@ -2266,13 +1969,6 @@
               </a:rPr>
               <a:t>se define como   </a:t>
             </a:r>
-            <a:endParaRPr lang="es-CO" sz="900" dirty="0">
-              <a:solidFill>
-                <a:schemeClr val="tx1"/>
-              </a:solidFill>
-              <a:latin typeface="Arial" panose="020B0604020202020204" pitchFamily="34" charset="0"/>
-              <a:cs typeface="Arial" panose="020B0604020202020204" pitchFamily="34" charset="0"/>
-            </a:endParaRPr>
           </a:p>
         </p:txBody>
       </p:sp>
@@ -2352,7 +2048,7 @@
           <a:p>
             <a:pPr algn="ctr"/>
             <a:r>
-              <a:rPr lang="es-CO" sz="1400" b="1" dirty="0" smtClean="0">
+              <a:rPr lang="es-CO" sz="1400" b="1" dirty="0">
                 <a:solidFill>
                   <a:schemeClr val="tx1"/>
                 </a:solidFill>
@@ -2360,12 +2056,6 @@
               </a:rPr>
               <a:t>Ecuaciones reducibles a cuadráticas</a:t>
             </a:r>
-            <a:endParaRPr lang="es-CO" sz="1400" b="1" dirty="0">
-              <a:solidFill>
-                <a:schemeClr val="tx1"/>
-              </a:solidFill>
-              <a:cs typeface="Arial" pitchFamily="34" charset="0"/>
-            </a:endParaRPr>
           </a:p>
         </p:txBody>
       </p:sp>
@@ -2414,14 +2104,14 @@
           <p:cNvPr id="99" name="98 Conector recto"/>
           <p:cNvCxnSpPr>
             <a:stCxn id="122" idx="2"/>
-            <a:endCxn id="114" idx="0"/>
+            <a:endCxn id="1042" idx="0"/>
           </p:cNvCxnSpPr>
           <p:nvPr/>
         </p:nvCxnSpPr>
         <p:spPr>
-          <a:xfrm flipH="1">
-            <a:off x="6828968" y="2621774"/>
-            <a:ext cx="267" cy="116309"/>
+          <a:xfrm>
+            <a:off x="6829230" y="2621773"/>
+            <a:ext cx="2861" cy="112485"/>
           </a:xfrm>
           <a:prstGeom prst="line">
             <a:avLst/>
@@ -2455,8 +2145,8 @@
         </p:nvSpPr>
         <p:spPr>
           <a:xfrm>
-            <a:off x="6093256" y="3930316"/>
-            <a:ext cx="1460081" cy="352989"/>
+            <a:off x="6226053" y="3930316"/>
+            <a:ext cx="1206678" cy="352989"/>
           </a:xfrm>
           <a:prstGeom prst="rect">
             <a:avLst/>
@@ -2492,17 +2182,7 @@
                 <a:latin typeface="Arial" panose="020B0604020202020204" pitchFamily="34" charset="0"/>
                 <a:cs typeface="Arial" panose="020B0604020202020204" pitchFamily="34" charset="0"/>
               </a:rPr>
-              <a:t>s</a:t>
-            </a:r>
-            <a:r>
-              <a:rPr lang="es-CO" sz="900" dirty="0" smtClean="0">
-                <a:solidFill>
-                  <a:schemeClr val="tx1"/>
-                </a:solidFill>
-                <a:latin typeface="Arial" panose="020B0604020202020204" pitchFamily="34" charset="0"/>
-                <a:cs typeface="Arial" panose="020B0604020202020204" pitchFamily="34" charset="0"/>
-              </a:rPr>
-              <a:t>e dividen en </a:t>
+              <a:t>se dividen en </a:t>
             </a:r>
           </a:p>
         </p:txBody>
@@ -2511,15 +2191,15 @@
         <p:nvCxnSpPr>
           <p:cNvPr id="103" name="102 Conector recto"/>
           <p:cNvCxnSpPr>
-            <a:stCxn id="114" idx="2"/>
+            <a:stCxn id="1042" idx="2"/>
             <a:endCxn id="140" idx="0"/>
           </p:cNvCxnSpPr>
           <p:nvPr/>
         </p:nvCxnSpPr>
         <p:spPr>
           <a:xfrm flipH="1">
-            <a:off x="6823297" y="3782787"/>
-            <a:ext cx="5669" cy="147529"/>
+            <a:off x="6829392" y="3788957"/>
+            <a:ext cx="2699" cy="141359"/>
           </a:xfrm>
           <a:prstGeom prst="line">
             <a:avLst/>
@@ -2556,8 +2236,8 @@
         </p:nvCxnSpPr>
         <p:spPr>
           <a:xfrm rot="16200000" flipH="1">
-            <a:off x="8896290" y="2210311"/>
-            <a:ext cx="258123" cy="4404109"/>
+            <a:off x="8899338" y="2213359"/>
+            <a:ext cx="258123" cy="4398014"/>
           </a:xfrm>
           <a:prstGeom prst="bentConnector3">
             <a:avLst>
@@ -2596,8 +2276,8 @@
         </p:nvCxnSpPr>
         <p:spPr>
           <a:xfrm rot="5400000">
-            <a:off x="5945676" y="3664996"/>
-            <a:ext cx="259312" cy="1495931"/>
+            <a:off x="6151923" y="3865148"/>
+            <a:ext cx="259312" cy="1095626"/>
           </a:xfrm>
           <a:prstGeom prst="bentConnector3">
             <a:avLst>
@@ -2672,17 +2352,7 @@
                 <a:latin typeface="Arial" panose="020B0604020202020204" pitchFamily="34" charset="0"/>
                 <a:cs typeface="Arial" panose="020B0604020202020204" pitchFamily="34" charset="0"/>
               </a:rPr>
-              <a:t>g</a:t>
-            </a:r>
-            <a:r>
-              <a:rPr lang="es-CO" sz="900" dirty="0" smtClean="0">
-                <a:solidFill>
-                  <a:schemeClr val="tx1"/>
-                </a:solidFill>
-                <a:latin typeface="Arial" panose="020B0604020202020204" pitchFamily="34" charset="0"/>
-                <a:cs typeface="Arial" panose="020B0604020202020204" pitchFamily="34" charset="0"/>
-              </a:rPr>
-              <a:t>ráfica  </a:t>
+              <a:t>gráfica  </a:t>
             </a:r>
             <a:endParaRPr lang="es-CO" sz="900" b="1" dirty="0">
               <a:solidFill>
@@ -2732,7 +2402,7 @@
           <a:p>
             <a:pPr algn="ctr"/>
             <a:r>
-              <a:rPr lang="es-CO" sz="900" dirty="0" smtClean="0">
+              <a:rPr lang="es-CO" sz="900" dirty="0">
                 <a:solidFill>
                   <a:schemeClr val="tx1"/>
                 </a:solidFill>
@@ -2753,23 +2423,21 @@
       </p:sp>
       <p:sp>
         <p:nvSpPr>
-          <p:cNvPr id="114" name="Rectángulo 33"/>
+          <p:cNvPr id="146" name="Rectángulo 161"/>
           <p:cNvSpPr/>
           <p:nvPr/>
         </p:nvSpPr>
         <p:spPr>
           <a:xfrm>
-            <a:off x="5886156" y="2738081"/>
-            <a:ext cx="1885619" cy="1044706"/>
+            <a:off x="5158038" y="5351806"/>
+            <a:ext cx="1149669" cy="184136"/>
           </a:xfrm>
           <a:prstGeom prst="rect">
             <a:avLst/>
           </a:prstGeom>
-          <a:solidFill>
-            <a:schemeClr val="bg2">
-              <a:lumMod val="50000"/>
-            </a:schemeClr>
-          </a:solidFill>
+          <a:ln>
+            <a:noFill/>
+          </a:ln>
         </p:spPr>
         <p:style>
           <a:lnRef idx="2">
@@ -2791,147 +2459,7 @@
           <a:p>
             <a:pPr algn="ctr"/>
             <a:r>
-              <a:rPr lang="es-ES_tradnl" sz="1050" dirty="0">
-                <a:solidFill>
-                  <a:schemeClr val="bg1"/>
-                </a:solidFill>
-                <a:latin typeface="Arial" panose="020B0604020202020204" pitchFamily="34" charset="0"/>
-                <a:cs typeface="Arial" panose="020B0604020202020204" pitchFamily="34" charset="0"/>
-              </a:rPr>
-              <a:t>e</a:t>
-            </a:r>
-            <a:r>
-              <a:rPr lang="es-ES_tradnl" sz="1050" dirty="0" smtClean="0">
-                <a:solidFill>
-                  <a:schemeClr val="bg1"/>
-                </a:solidFill>
-                <a:latin typeface="Arial" panose="020B0604020202020204" pitchFamily="34" charset="0"/>
-                <a:cs typeface="Arial" panose="020B0604020202020204" pitchFamily="34" charset="0"/>
-              </a:rPr>
-              <a:t>cuación que se puede expresar de la forma </a:t>
-            </a:r>
-          </a:p>
-          <a:p>
-            <a:pPr algn="ctr"/>
-            <a:endParaRPr lang="es-ES_tradnl" sz="1050" dirty="0" smtClean="0">
-              <a:solidFill>
-                <a:schemeClr val="bg1"/>
-              </a:solidFill>
-              <a:latin typeface="Arial" panose="020B0604020202020204" pitchFamily="34" charset="0"/>
-              <a:cs typeface="Arial" panose="020B0604020202020204" pitchFamily="34" charset="0"/>
-            </a:endParaRPr>
-          </a:p>
-          <a:p>
-            <a:pPr algn="ctr"/>
-            <a:r>
-              <a:rPr lang="es-ES_tradnl" sz="1050" dirty="0" smtClean="0">
-                <a:solidFill>
-                  <a:schemeClr val="bg1"/>
-                </a:solidFill>
-                <a:latin typeface="Arial" panose="020B0604020202020204" pitchFamily="34" charset="0"/>
-                <a:cs typeface="Arial" panose="020B0604020202020204" pitchFamily="34" charset="0"/>
-              </a:rPr>
-              <a:t>con</a:t>
-            </a:r>
-            <a:r>
-              <a:rPr lang="es-ES_tradnl" sz="1050" i="1" dirty="0" smtClean="0">
-                <a:solidFill>
-                  <a:schemeClr val="bg1"/>
-                </a:solidFill>
-                <a:latin typeface="Arial" panose="020B0604020202020204" pitchFamily="34" charset="0"/>
-                <a:cs typeface="Arial" panose="020B0604020202020204" pitchFamily="34" charset="0"/>
-              </a:rPr>
-              <a:t>  </a:t>
-            </a:r>
-            <a:r>
-              <a:rPr lang="es-CO" sz="1050" i="1" dirty="0" smtClean="0">
-                <a:solidFill>
-                  <a:schemeClr val="bg1"/>
-                </a:solidFill>
-                <a:latin typeface="Arial" panose="020B0604020202020204" pitchFamily="34" charset="0"/>
-                <a:cs typeface="Arial" panose="020B0604020202020204" pitchFamily="34" charset="0"/>
-              </a:rPr>
-              <a:t>a, b, c ∈ </a:t>
-            </a:r>
-            <a:r>
-              <a:rPr lang="es-ES_tradnl" sz="1200" dirty="0">
-                <a:solidFill>
-                  <a:schemeClr val="bg1"/>
-                </a:solidFill>
-                <a:latin typeface="Arial" panose="020B0604020202020204" pitchFamily="34" charset="0"/>
-                <a:cs typeface="Arial" panose="020B0604020202020204" pitchFamily="34" charset="0"/>
-              </a:rPr>
-              <a:t>ℝ</a:t>
-            </a:r>
-            <a:r>
-              <a:rPr lang="es-CO" sz="1200" dirty="0">
-                <a:solidFill>
-                  <a:schemeClr val="bg1"/>
-                </a:solidFill>
-                <a:latin typeface="Arial" panose="020B0604020202020204" pitchFamily="34" charset="0"/>
-                <a:cs typeface="Arial" panose="020B0604020202020204" pitchFamily="34" charset="0"/>
-              </a:rPr>
-              <a:t> </a:t>
-            </a:r>
-            <a:r>
-              <a:rPr lang="es-CO" sz="1050" i="1" dirty="0" smtClean="0">
-                <a:solidFill>
-                  <a:schemeClr val="bg1"/>
-                </a:solidFill>
-                <a:latin typeface="Arial" panose="020B0604020202020204" pitchFamily="34" charset="0"/>
-                <a:cs typeface="Arial" panose="020B0604020202020204" pitchFamily="34" charset="0"/>
-              </a:rPr>
-              <a:t>y a ≠ 0</a:t>
-            </a:r>
-            <a:endParaRPr lang="es-ES_tradnl" sz="1050" i="1" dirty="0" smtClean="0">
-              <a:solidFill>
-                <a:schemeClr val="bg1"/>
-              </a:solidFill>
-              <a:latin typeface="Arial" panose="020B0604020202020204" pitchFamily="34" charset="0"/>
-              <a:cs typeface="Arial" panose="020B0604020202020204" pitchFamily="34" charset="0"/>
-            </a:endParaRPr>
-          </a:p>
-        </p:txBody>
-      </p:sp>
-      <p:sp>
-        <p:nvSpPr>
-          <p:cNvPr id="146" name="Rectángulo 161"/>
-          <p:cNvSpPr/>
-          <p:nvPr/>
-        </p:nvSpPr>
-        <p:spPr>
-          <a:xfrm>
-            <a:off x="4757734" y="5280771"/>
-            <a:ext cx="1149669" cy="326207"/>
-          </a:xfrm>
-          <a:prstGeom prst="rect">
-            <a:avLst/>
-          </a:prstGeom>
-          <a:ln>
-            <a:noFill/>
-          </a:ln>
-        </p:spPr>
-        <p:style>
-          <a:lnRef idx="2">
-            <a:schemeClr val="dk1"/>
-          </a:lnRef>
-          <a:fillRef idx="1">
-            <a:schemeClr val="lt1"/>
-          </a:fillRef>
-          <a:effectRef idx="0">
-            <a:schemeClr val="dk1"/>
-          </a:effectRef>
-          <a:fontRef idx="minor">
-            <a:schemeClr val="dk1"/>
-          </a:fontRef>
-        </p:style>
-        <p:txBody>
-          <a:bodyPr lIns="105683" tIns="52841" rIns="105683" bIns="52841" rtlCol="0" anchor="ctr"/>
-          <a:lstStyle/>
-          <a:p>
-            <a:pPr algn="ctr"/>
-            <a:r>
-              <a:rPr lang="es-CO" sz="900" dirty="0" smtClean="0">
+              <a:rPr lang="es-CO" sz="900" dirty="0">
                 <a:solidFill>
                   <a:schemeClr val="tx1"/>
                 </a:solidFill>
@@ -2947,14 +2475,15 @@
         <p:nvCxnSpPr>
           <p:cNvPr id="148" name="147 Conector recto"/>
           <p:cNvCxnSpPr>
+            <a:stCxn id="146" idx="0"/>
             <a:endCxn id="568" idx="2"/>
           </p:cNvCxnSpPr>
           <p:nvPr/>
         </p:nvCxnSpPr>
         <p:spPr>
-          <a:xfrm flipH="1" flipV="1">
-            <a:off x="5327366" y="5242311"/>
-            <a:ext cx="5198" cy="140696"/>
+          <a:xfrm flipV="1">
+            <a:off x="5732873" y="5242315"/>
+            <a:ext cx="893" cy="109491"/>
           </a:xfrm>
           <a:prstGeom prst="line">
             <a:avLst/>
@@ -2988,8 +2517,8 @@
         </p:nvSpPr>
         <p:spPr>
           <a:xfrm>
-            <a:off x="10655044" y="5367737"/>
-            <a:ext cx="1149669" cy="210679"/>
+            <a:off x="9975830" y="5405837"/>
+            <a:ext cx="785240" cy="210679"/>
           </a:xfrm>
           <a:prstGeom prst="rect">
             <a:avLst/>
@@ -3018,7 +2547,7 @@
           <a:p>
             <a:pPr algn="ctr"/>
             <a:r>
-              <a:rPr lang="es-CO" sz="900" dirty="0" smtClean="0">
+              <a:rPr lang="es-CO" sz="900" dirty="0">
                 <a:solidFill>
                   <a:schemeClr val="tx1"/>
                 </a:solidFill>
@@ -3030,126 +2559,18 @@
           </a:p>
         </p:txBody>
       </p:sp>
-      <p:sp>
-        <p:nvSpPr>
-          <p:cNvPr id="156" name="Rectángulo 33"/>
-          <p:cNvSpPr/>
-          <p:nvPr/>
-        </p:nvSpPr>
-        <p:spPr>
-          <a:xfrm>
-            <a:off x="10468610" y="5716958"/>
-            <a:ext cx="1529634" cy="370896"/>
-          </a:xfrm>
-          <a:prstGeom prst="rect">
-            <a:avLst/>
-          </a:prstGeom>
-          <a:solidFill>
-            <a:schemeClr val="bg1"/>
-          </a:solidFill>
-        </p:spPr>
-        <p:style>
-          <a:lnRef idx="2">
-            <a:schemeClr val="dk1"/>
-          </a:lnRef>
-          <a:fillRef idx="1">
-            <a:schemeClr val="lt1"/>
-          </a:fillRef>
-          <a:effectRef idx="0">
-            <a:schemeClr val="dk1"/>
-          </a:effectRef>
-          <a:fontRef idx="minor">
-            <a:schemeClr val="dk1"/>
-          </a:fontRef>
-        </p:style>
-        <p:txBody>
-          <a:bodyPr lIns="105683" tIns="52841" rIns="105683" bIns="52841" rtlCol="0" anchor="ctr"/>
-          <a:lstStyle/>
-          <a:p>
-            <a:r>
-              <a:rPr lang="es-CO" sz="900" dirty="0" smtClean="0">
-                <a:solidFill>
-                  <a:schemeClr val="tx1"/>
-                </a:solidFill>
-                <a:latin typeface="Arial" panose="020B0604020202020204" pitchFamily="34" charset="0"/>
-                <a:cs typeface="Arial" panose="020B0604020202020204" pitchFamily="34" charset="0"/>
-              </a:rPr>
-              <a:t> </a:t>
-            </a:r>
-          </a:p>
-          <a:p>
-            <a:pPr algn="ctr"/>
-            <a:r>
-              <a:rPr lang="es-CO" sz="900" dirty="0" smtClean="0">
-                <a:solidFill>
-                  <a:schemeClr val="tx1"/>
-                </a:solidFill>
-                <a:latin typeface="Arial" panose="020B0604020202020204" pitchFamily="34" charset="0"/>
-                <a:cs typeface="Arial" panose="020B0604020202020204" pitchFamily="34" charset="0"/>
-              </a:rPr>
-              <a:t> </a:t>
-            </a:r>
-            <a:endParaRPr lang="es-CO" sz="900" dirty="0">
-              <a:solidFill>
-                <a:srgbClr val="FF0000"/>
-              </a:solidFill>
-              <a:latin typeface="Arial" panose="020B0604020202020204" pitchFamily="34" charset="0"/>
-              <a:cs typeface="Arial" panose="020B0604020202020204" pitchFamily="34" charset="0"/>
-            </a:endParaRPr>
-          </a:p>
-        </p:txBody>
-      </p:sp>
-      <p:cxnSp>
-        <p:nvCxnSpPr>
-          <p:cNvPr id="157" name="156 Conector recto"/>
-          <p:cNvCxnSpPr>
-            <a:stCxn id="155" idx="0"/>
-            <a:endCxn id="566" idx="2"/>
-          </p:cNvCxnSpPr>
-          <p:nvPr/>
-        </p:nvCxnSpPr>
-        <p:spPr>
-          <a:xfrm flipH="1" flipV="1">
-            <a:off x="11227406" y="5241126"/>
-            <a:ext cx="2473" cy="126611"/>
-          </a:xfrm>
-          <a:prstGeom prst="line">
-            <a:avLst/>
-          </a:prstGeom>
-          <a:ln w="12700">
-            <a:solidFill>
-              <a:schemeClr val="tx1"/>
-            </a:solidFill>
-          </a:ln>
-        </p:spPr>
-        <p:style>
-          <a:lnRef idx="1">
-            <a:schemeClr val="accent1"/>
-          </a:lnRef>
-          <a:fillRef idx="0">
-            <a:schemeClr val="accent1"/>
-          </a:fillRef>
-          <a:effectRef idx="0">
-            <a:schemeClr val="accent1"/>
-          </a:effectRef>
-          <a:fontRef idx="minor">
-            <a:schemeClr val="tx1"/>
-          </a:fontRef>
-        </p:style>
-      </p:cxnSp>
       <p:cxnSp>
         <p:nvCxnSpPr>
           <p:cNvPr id="158" name="157 Conector recto"/>
           <p:cNvCxnSpPr>
             <a:stCxn id="155" idx="2"/>
-            <a:endCxn id="156" idx="0"/>
           </p:cNvCxnSpPr>
           <p:nvPr/>
         </p:nvCxnSpPr>
         <p:spPr>
           <a:xfrm>
-            <a:off x="11229879" y="5578416"/>
-            <a:ext cx="3548" cy="138542"/>
+            <a:off x="10368450" y="5616516"/>
+            <a:ext cx="3549" cy="138542"/>
           </a:xfrm>
           <a:prstGeom prst="line">
             <a:avLst/>
@@ -3175,214 +2596,19 @@
           </a:fontRef>
         </p:style>
       </p:cxnSp>
-      <p:sp>
-        <p:nvSpPr>
-          <p:cNvPr id="163" name="Rectángulo 33"/>
-          <p:cNvSpPr/>
-          <p:nvPr/>
-        </p:nvSpPr>
-        <p:spPr>
-          <a:xfrm>
-            <a:off x="5269332" y="5761983"/>
-            <a:ext cx="935057" cy="370896"/>
-          </a:xfrm>
-          <a:prstGeom prst="rect">
-            <a:avLst/>
-          </a:prstGeom>
-          <a:solidFill>
-            <a:schemeClr val="bg1"/>
-          </a:solidFill>
-        </p:spPr>
-        <p:style>
-          <a:lnRef idx="2">
-            <a:schemeClr val="dk1"/>
-          </a:lnRef>
-          <a:fillRef idx="1">
-            <a:schemeClr val="lt1"/>
-          </a:fillRef>
-          <a:effectRef idx="0">
-            <a:schemeClr val="dk1"/>
-          </a:effectRef>
-          <a:fontRef idx="minor">
-            <a:schemeClr val="dk1"/>
-          </a:fontRef>
-        </p:style>
-        <p:txBody>
-          <a:bodyPr lIns="105683" tIns="52841" rIns="105683" bIns="52841" rtlCol="0" anchor="ctr"/>
-          <a:lstStyle/>
-          <a:p>
-            <a:pPr algn="ctr"/>
-            <a:endParaRPr lang="es-CO" sz="900" dirty="0" smtClean="0">
-              <a:solidFill>
-                <a:schemeClr val="tx1"/>
-              </a:solidFill>
-              <a:latin typeface="Arial" panose="020B0604020202020204" pitchFamily="34" charset="0"/>
-              <a:cs typeface="Arial" panose="020B0604020202020204" pitchFamily="34" charset="0"/>
-            </a:endParaRPr>
-          </a:p>
-        </p:txBody>
-      </p:sp>
-      <p:sp>
-        <p:nvSpPr>
-          <p:cNvPr id="164" name="Rectángulo 33"/>
-          <p:cNvSpPr/>
-          <p:nvPr/>
-        </p:nvSpPr>
-        <p:spPr>
-          <a:xfrm>
-            <a:off x="3727231" y="5771377"/>
-            <a:ext cx="801753" cy="370896"/>
-          </a:xfrm>
-          <a:prstGeom prst="rect">
-            <a:avLst/>
-          </a:prstGeom>
-          <a:solidFill>
-            <a:schemeClr val="bg1"/>
-          </a:solidFill>
-        </p:spPr>
-        <p:style>
-          <a:lnRef idx="2">
-            <a:schemeClr val="dk1"/>
-          </a:lnRef>
-          <a:fillRef idx="1">
-            <a:schemeClr val="lt1"/>
-          </a:fillRef>
-          <a:effectRef idx="0">
-            <a:schemeClr val="dk1"/>
-          </a:effectRef>
-          <a:fontRef idx="minor">
-            <a:schemeClr val="dk1"/>
-          </a:fontRef>
-        </p:style>
-        <p:txBody>
-          <a:bodyPr lIns="105683" tIns="52841" rIns="105683" bIns="52841" rtlCol="0" anchor="ctr"/>
-          <a:lstStyle/>
-          <a:p>
-            <a:r>
-              <a:rPr lang="es-CO" sz="900" dirty="0" smtClean="0">
-                <a:solidFill>
-                  <a:schemeClr val="tx1"/>
-                </a:solidFill>
-                <a:latin typeface="Arial" panose="020B0604020202020204" pitchFamily="34" charset="0"/>
-                <a:cs typeface="Arial" panose="020B0604020202020204" pitchFamily="34" charset="0"/>
-              </a:rPr>
-              <a:t> </a:t>
-            </a:r>
-          </a:p>
-          <a:p>
-            <a:pPr algn="ctr"/>
-            <a:endParaRPr lang="es-CO" sz="900" dirty="0" smtClean="0">
-              <a:solidFill>
-                <a:schemeClr val="tx1"/>
-              </a:solidFill>
-              <a:latin typeface="Arial" panose="020B0604020202020204" pitchFamily="34" charset="0"/>
-              <a:cs typeface="Arial" panose="020B0604020202020204" pitchFamily="34" charset="0"/>
-            </a:endParaRPr>
-          </a:p>
-          <a:p>
-            <a:pPr algn="ctr"/>
-            <a:r>
-              <a:rPr lang="es-CO" sz="900" dirty="0" smtClean="0">
-                <a:solidFill>
-                  <a:schemeClr val="tx1"/>
-                </a:solidFill>
-                <a:latin typeface="Arial" panose="020B0604020202020204" pitchFamily="34" charset="0"/>
-                <a:cs typeface="Arial" panose="020B0604020202020204" pitchFamily="34" charset="0"/>
-              </a:rPr>
-              <a:t> </a:t>
-            </a:r>
-            <a:endParaRPr lang="es-CO" sz="900" dirty="0">
-              <a:solidFill>
-                <a:srgbClr val="FF0000"/>
-              </a:solidFill>
-              <a:latin typeface="Arial" panose="020B0604020202020204" pitchFamily="34" charset="0"/>
-              <a:cs typeface="Arial" panose="020B0604020202020204" pitchFamily="34" charset="0"/>
-            </a:endParaRPr>
-          </a:p>
-        </p:txBody>
-      </p:sp>
-      <p:sp>
-        <p:nvSpPr>
-          <p:cNvPr id="165" name="Rectángulo 33"/>
-          <p:cNvSpPr/>
-          <p:nvPr/>
-        </p:nvSpPr>
-        <p:spPr>
-          <a:xfrm>
-            <a:off x="7241286" y="5760201"/>
-            <a:ext cx="1026497" cy="370896"/>
-          </a:xfrm>
-          <a:prstGeom prst="rect">
-            <a:avLst/>
-          </a:prstGeom>
-          <a:solidFill>
-            <a:schemeClr val="bg1"/>
-          </a:solidFill>
-        </p:spPr>
-        <p:style>
-          <a:lnRef idx="2">
-            <a:schemeClr val="dk1"/>
-          </a:lnRef>
-          <a:fillRef idx="1">
-            <a:schemeClr val="lt1"/>
-          </a:fillRef>
-          <a:effectRef idx="0">
-            <a:schemeClr val="dk1"/>
-          </a:effectRef>
-          <a:fontRef idx="minor">
-            <a:schemeClr val="dk1"/>
-          </a:fontRef>
-        </p:style>
-        <p:txBody>
-          <a:bodyPr lIns="105683" tIns="52841" rIns="105683" bIns="52841" rtlCol="0" anchor="ctr"/>
-          <a:lstStyle/>
-          <a:p>
-            <a:r>
-              <a:rPr lang="es-CO" sz="900" dirty="0" smtClean="0">
-                <a:solidFill>
-                  <a:schemeClr val="tx1"/>
-                </a:solidFill>
-                <a:latin typeface="Arial" panose="020B0604020202020204" pitchFamily="34" charset="0"/>
-                <a:cs typeface="Arial" panose="020B0604020202020204" pitchFamily="34" charset="0"/>
-              </a:rPr>
-              <a:t> </a:t>
-            </a:r>
-          </a:p>
-          <a:p>
-            <a:pPr algn="ctr"/>
-            <a:r>
-              <a:rPr lang="es-CO" sz="900" dirty="0" smtClean="0">
-                <a:solidFill>
-                  <a:schemeClr val="tx1"/>
-                </a:solidFill>
-                <a:latin typeface="Arial" panose="020B0604020202020204" pitchFamily="34" charset="0"/>
-                <a:cs typeface="Arial" panose="020B0604020202020204" pitchFamily="34" charset="0"/>
-              </a:rPr>
-              <a:t> </a:t>
-            </a:r>
-            <a:endParaRPr lang="es-CO" sz="900" dirty="0">
-              <a:solidFill>
-                <a:srgbClr val="FF0000"/>
-              </a:solidFill>
-              <a:latin typeface="Arial" panose="020B0604020202020204" pitchFamily="34" charset="0"/>
-              <a:cs typeface="Arial" panose="020B0604020202020204" pitchFamily="34" charset="0"/>
-            </a:endParaRPr>
-          </a:p>
-        </p:txBody>
-      </p:sp>
       <p:cxnSp>
         <p:nvCxnSpPr>
           <p:cNvPr id="167" name="166 Conector angular"/>
           <p:cNvCxnSpPr>
             <a:stCxn id="146" idx="2"/>
-            <a:endCxn id="165" idx="0"/>
+            <a:endCxn id="9" idx="0"/>
           </p:cNvCxnSpPr>
           <p:nvPr/>
         </p:nvCxnSpPr>
         <p:spPr>
           <a:xfrm rot="16200000" flipH="1">
-            <a:off x="6466941" y="4472606"/>
-            <a:ext cx="153223" cy="2421966"/>
+            <a:off x="6588063" y="4680751"/>
+            <a:ext cx="222383" cy="1932763"/>
           </a:xfrm>
           <a:prstGeom prst="bentConnector3">
             <a:avLst>
@@ -3415,14 +2641,13 @@
           <p:cNvPr id="170" name="169 Conector angular"/>
           <p:cNvCxnSpPr>
             <a:stCxn id="146" idx="2"/>
-            <a:endCxn id="163" idx="0"/>
           </p:cNvCxnSpPr>
           <p:nvPr/>
         </p:nvCxnSpPr>
         <p:spPr>
           <a:xfrm rot="16200000" flipH="1">
-            <a:off x="5457213" y="5482334"/>
-            <a:ext cx="155005" cy="404292"/>
+            <a:off x="5621847" y="5646968"/>
+            <a:ext cx="226041" cy="3988"/>
           </a:xfrm>
           <a:prstGeom prst="bentConnector3">
             <a:avLst>
@@ -3454,17 +2679,19 @@
         <p:nvCxnSpPr>
           <p:cNvPr id="173" name="172 Conector angular"/>
           <p:cNvCxnSpPr>
-            <a:endCxn id="164" idx="0"/>
+            <a:stCxn id="146" idx="2"/>
           </p:cNvCxnSpPr>
           <p:nvPr/>
         </p:nvCxnSpPr>
         <p:spPr>
-          <a:xfrm rot="10800000" flipV="1">
-            <a:off x="4128108" y="5596839"/>
-            <a:ext cx="1204458" cy="174538"/>
-          </a:xfrm>
-          <a:prstGeom prst="bentConnector2">
-            <a:avLst/>
+          <a:xfrm rot="5400000">
+            <a:off x="4993622" y="5026029"/>
+            <a:ext cx="229339" cy="1249165"/>
+          </a:xfrm>
+          <a:prstGeom prst="bentConnector3">
+            <a:avLst>
+              <a:gd name="adj1" fmla="val 50000"/>
+            </a:avLst>
           </a:prstGeom>
           <a:ln w="12700">
             <a:solidFill>
@@ -3495,7 +2722,7 @@
         </p:nvSpPr>
         <p:spPr>
           <a:xfrm>
-            <a:off x="3661718" y="6291395"/>
+            <a:off x="4017318" y="6291395"/>
             <a:ext cx="925474" cy="207171"/>
           </a:xfrm>
           <a:prstGeom prst="rect">
@@ -3525,7 +2752,7 @@
           <a:p>
             <a:pPr algn="ctr"/>
             <a:r>
-              <a:rPr lang="es-CO" sz="900" dirty="0" smtClean="0">
+              <a:rPr lang="es-CO" sz="900" dirty="0">
                 <a:solidFill>
                   <a:schemeClr val="tx1"/>
                 </a:solidFill>
@@ -3541,15 +2768,14 @@
         <p:nvCxnSpPr>
           <p:cNvPr id="181" name="180 Conector recto"/>
           <p:cNvCxnSpPr>
-            <a:stCxn id="164" idx="2"/>
             <a:endCxn id="179" idx="0"/>
           </p:cNvCxnSpPr>
           <p:nvPr/>
         </p:nvCxnSpPr>
         <p:spPr>
           <a:xfrm flipH="1">
-            <a:off x="4124455" y="6142273"/>
-            <a:ext cx="3653" cy="149122"/>
+            <a:off x="4480055" y="6136177"/>
+            <a:ext cx="3653" cy="155218"/>
           </a:xfrm>
           <a:prstGeom prst="line">
             <a:avLst/>
@@ -3583,8 +2809,8 @@
         </p:nvSpPr>
         <p:spPr>
           <a:xfrm>
-            <a:off x="3456106" y="6640087"/>
-            <a:ext cx="1349517" cy="462705"/>
+            <a:off x="3979508" y="6696199"/>
+            <a:ext cx="1013913" cy="472352"/>
           </a:xfrm>
           <a:prstGeom prst="rect">
             <a:avLst/>
@@ -3612,7 +2838,7 @@
           <a:lstStyle/>
           <a:p>
             <a:r>
-              <a:rPr lang="es-CO" sz="900" dirty="0" smtClean="0">
+              <a:rPr lang="es-CO" sz="900" dirty="0">
                 <a:solidFill>
                   <a:schemeClr val="tx1"/>
                 </a:solidFill>
@@ -3625,7 +2851,7 @@
           <a:p>
             <a:pPr algn="ctr"/>
             <a:r>
-              <a:rPr lang="es-CO" sz="900" dirty="0" smtClean="0">
+              <a:rPr lang="es-CO" sz="900" dirty="0">
                 <a:solidFill>
                   <a:schemeClr val="tx1"/>
                 </a:solidFill>
@@ -3638,7 +2864,7 @@
           <a:p>
             <a:pPr algn="ctr"/>
             <a:r>
-              <a:rPr lang="es-CO" sz="900" dirty="0" smtClean="0">
+              <a:rPr lang="es-CO" sz="900" dirty="0">
                 <a:solidFill>
                   <a:schemeClr val="tx1"/>
                 </a:solidFill>
@@ -3668,8 +2894,8 @@
         </p:nvCxnSpPr>
         <p:spPr>
           <a:xfrm>
-            <a:off x="4124455" y="6498566"/>
-            <a:ext cx="6410" cy="141521"/>
+            <a:off x="4480055" y="6498566"/>
+            <a:ext cx="6410" cy="197633"/>
           </a:xfrm>
           <a:prstGeom prst="line">
             <a:avLst/>
@@ -3703,7 +2929,7 @@
         </p:nvSpPr>
         <p:spPr>
           <a:xfrm>
-            <a:off x="5269333" y="6268514"/>
+            <a:off x="5275429" y="6268514"/>
             <a:ext cx="925474" cy="201297"/>
           </a:xfrm>
           <a:prstGeom prst="rect">
@@ -3733,7 +2959,7 @@
           <a:p>
             <a:pPr algn="ctr"/>
             <a:r>
-              <a:rPr lang="es-CO" sz="900" dirty="0" smtClean="0">
+              <a:rPr lang="es-CO" sz="900" dirty="0">
                 <a:solidFill>
                   <a:schemeClr val="tx1"/>
                 </a:solidFill>
@@ -3756,8 +2982,8 @@
         </p:nvCxnSpPr>
         <p:spPr>
           <a:xfrm>
-            <a:off x="5732070" y="6469811"/>
-            <a:ext cx="6417" cy="149376"/>
+            <a:off x="5738166" y="6469811"/>
+            <a:ext cx="321" cy="219690"/>
           </a:xfrm>
           <a:prstGeom prst="line">
             <a:avLst/>
@@ -3787,15 +3013,14 @@
         <p:nvCxnSpPr>
           <p:cNvPr id="212" name="211 Conector recto"/>
           <p:cNvCxnSpPr>
-            <a:stCxn id="163" idx="2"/>
             <a:endCxn id="202" idx="0"/>
           </p:cNvCxnSpPr>
           <p:nvPr/>
         </p:nvCxnSpPr>
         <p:spPr>
-          <a:xfrm flipH="1">
-            <a:off x="5732070" y="6132879"/>
-            <a:ext cx="4791" cy="135635"/>
+          <a:xfrm>
+            <a:off x="5736861" y="6132879"/>
+            <a:ext cx="1305" cy="135635"/>
           </a:xfrm>
           <a:prstGeom prst="line">
             <a:avLst/>
@@ -3829,7 +3054,7 @@
         </p:nvSpPr>
         <p:spPr>
           <a:xfrm>
-            <a:off x="3671297" y="7242874"/>
+            <a:off x="4026897" y="7285406"/>
             <a:ext cx="925474" cy="227601"/>
           </a:xfrm>
           <a:prstGeom prst="rect">
@@ -3859,7 +3084,7 @@
           <a:p>
             <a:pPr algn="ctr"/>
             <a:r>
-              <a:rPr lang="es-CO" sz="900" dirty="0" smtClean="0">
+              <a:rPr lang="es-CO" sz="900" dirty="0">
                 <a:solidFill>
                   <a:schemeClr val="tx1"/>
                 </a:solidFill>
@@ -3882,8 +3107,8 @@
         </p:nvCxnSpPr>
         <p:spPr>
           <a:xfrm>
-            <a:off x="4130865" y="7102792"/>
-            <a:ext cx="3169" cy="140082"/>
+            <a:off x="4486465" y="7168551"/>
+            <a:ext cx="3169" cy="116855"/>
           </a:xfrm>
           <a:prstGeom prst="line">
             <a:avLst/>
@@ -3917,7 +3142,7 @@
         </p:nvSpPr>
         <p:spPr>
           <a:xfrm>
-            <a:off x="3741614" y="7633308"/>
+            <a:off x="4097214" y="7633308"/>
             <a:ext cx="788093" cy="397129"/>
           </a:xfrm>
           <a:prstGeom prst="rect">
@@ -3946,7 +3171,7 @@
           <a:lstStyle/>
           <a:p>
             <a:r>
-              <a:rPr lang="es-CO" sz="900" dirty="0" smtClean="0">
+              <a:rPr lang="es-CO" sz="900" dirty="0">
                 <a:solidFill>
                   <a:schemeClr val="tx1"/>
                 </a:solidFill>
@@ -3958,7 +3183,7 @@
           <a:p>
             <a:pPr algn="ctr"/>
             <a:r>
-              <a:rPr lang="es-CO" sz="900" i="1" dirty="0" smtClean="0">
+              <a:rPr lang="es-CO" sz="900" i="1" dirty="0">
                 <a:solidFill>
                   <a:schemeClr val="tx1"/>
                 </a:solidFill>
@@ -3967,7 +3192,7 @@
               <a:t>x</a:t>
             </a:r>
             <a:r>
-              <a:rPr lang="es-CO" sz="900" dirty="0" smtClean="0">
+              <a:rPr lang="es-CO" sz="900" dirty="0">
                 <a:solidFill>
                   <a:schemeClr val="tx1"/>
                 </a:solidFill>
@@ -3979,7 +3204,7 @@
           <a:p>
             <a:pPr algn="ctr"/>
             <a:r>
-              <a:rPr lang="es-CO" sz="900" dirty="0" smtClean="0">
+              <a:rPr lang="es-CO" sz="900" dirty="0">
                 <a:solidFill>
                   <a:schemeClr val="tx1"/>
                 </a:solidFill>
@@ -4007,8 +3232,8 @@
         </p:nvCxnSpPr>
         <p:spPr>
           <a:xfrm>
-            <a:off x="4134034" y="7470475"/>
-            <a:ext cx="1627" cy="162833"/>
+            <a:off x="4489634" y="7513007"/>
+            <a:ext cx="1627" cy="120301"/>
           </a:xfrm>
           <a:prstGeom prst="line">
             <a:avLst/>
@@ -4072,7 +3297,7 @@
           <a:p>
             <a:pPr algn="ctr"/>
             <a:r>
-              <a:rPr lang="es-CO" sz="900" dirty="0" smtClean="0">
+              <a:rPr lang="es-CO" sz="900" dirty="0">
                 <a:solidFill>
                   <a:schemeClr val="tx1"/>
                 </a:solidFill>
@@ -4095,8 +3320,8 @@
         </p:nvCxnSpPr>
         <p:spPr>
           <a:xfrm>
-            <a:off x="5738487" y="7081892"/>
-            <a:ext cx="3165" cy="154782"/>
+            <a:off x="5738487" y="7158248"/>
+            <a:ext cx="3165" cy="78426"/>
           </a:xfrm>
           <a:prstGeom prst="line">
             <a:avLst/>
@@ -4130,8 +3355,8 @@
         </p:nvSpPr>
         <p:spPr>
           <a:xfrm>
-            <a:off x="5947067" y="7633585"/>
-            <a:ext cx="788093" cy="397129"/>
+            <a:off x="5811886" y="7633585"/>
+            <a:ext cx="651316" cy="397129"/>
           </a:xfrm>
           <a:prstGeom prst="rect">
             <a:avLst/>
@@ -4159,7 +3384,7 @@
           <a:lstStyle/>
           <a:p>
             <a:r>
-              <a:rPr lang="es-CO" sz="900" dirty="0" smtClean="0">
+              <a:rPr lang="es-CO" sz="900" dirty="0">
                 <a:solidFill>
                   <a:schemeClr val="tx1"/>
                 </a:solidFill>
@@ -4172,7 +3397,7 @@
           <a:p>
             <a:pPr algn="ctr"/>
             <a:r>
-              <a:rPr lang="es-CO" sz="900" i="1" dirty="0" smtClean="0">
+              <a:rPr lang="es-CO" sz="900" i="1" dirty="0">
                 <a:solidFill>
                   <a:schemeClr val="tx1"/>
                 </a:solidFill>
@@ -4182,7 +3407,7 @@
               <a:t>x</a:t>
             </a:r>
             <a:r>
-              <a:rPr lang="es-CO" sz="900" dirty="0" smtClean="0">
+              <a:rPr lang="es-CO" sz="900" dirty="0">
                 <a:solidFill>
                   <a:schemeClr val="tx1"/>
                 </a:solidFill>
@@ -4195,7 +3420,7 @@
           <a:p>
             <a:pPr algn="ctr"/>
             <a:r>
-              <a:rPr lang="es-CO" sz="900" dirty="0" smtClean="0">
+              <a:rPr lang="es-CO" sz="900" dirty="0">
                 <a:solidFill>
                   <a:schemeClr val="tx1"/>
                 </a:solidFill>
@@ -4225,8 +3450,8 @@
         </p:nvCxnSpPr>
         <p:spPr>
           <a:xfrm rot="16200000" flipH="1">
-            <a:off x="5933949" y="7226420"/>
-            <a:ext cx="214868" cy="599462"/>
+            <a:off x="5832164" y="7328205"/>
+            <a:ext cx="214868" cy="395892"/>
           </a:xfrm>
           <a:prstGeom prst="bentConnector3">
             <a:avLst>
@@ -4259,14 +3484,13 @@
           <p:cNvPr id="236" name="235 Conector angular"/>
           <p:cNvCxnSpPr>
             <a:stCxn id="226" idx="2"/>
-            <a:endCxn id="574" idx="0"/>
           </p:cNvCxnSpPr>
           <p:nvPr/>
         </p:nvCxnSpPr>
         <p:spPr>
           <a:xfrm rot="5400000">
-            <a:off x="5305814" y="7200345"/>
-            <a:ext cx="217466" cy="654210"/>
+            <a:off x="5443460" y="7337991"/>
+            <a:ext cx="217466" cy="378918"/>
           </a:xfrm>
           <a:prstGeom prst="bentConnector3">
             <a:avLst>
@@ -4302,7 +3526,7 @@
         </p:nvSpPr>
         <p:spPr>
           <a:xfrm>
-            <a:off x="7495860" y="6261605"/>
+            <a:off x="7406961" y="6261605"/>
             <a:ext cx="517350" cy="144946"/>
           </a:xfrm>
           <a:prstGeom prst="rect">
@@ -4332,7 +3556,7 @@
           <a:p>
             <a:pPr algn="ctr"/>
             <a:r>
-              <a:rPr lang="es-CO" sz="900" dirty="0" smtClean="0">
+              <a:rPr lang="es-CO" sz="900" dirty="0">
                 <a:solidFill>
                   <a:schemeClr val="tx1"/>
                 </a:solidFill>
@@ -4348,15 +3572,15 @@
         <p:nvCxnSpPr>
           <p:cNvPr id="243" name="242 Conector recto"/>
           <p:cNvCxnSpPr>
-            <a:stCxn id="165" idx="2"/>
+            <a:stCxn id="9" idx="2"/>
             <a:endCxn id="241" idx="0"/>
           </p:cNvCxnSpPr>
           <p:nvPr/>
         </p:nvCxnSpPr>
         <p:spPr>
           <a:xfrm>
-            <a:off x="7754535" y="6131097"/>
-            <a:ext cx="0" cy="130508"/>
+            <a:off x="7665636" y="6142406"/>
+            <a:ext cx="0" cy="119199"/>
           </a:xfrm>
           <a:prstGeom prst="line">
             <a:avLst/>
@@ -4382,101 +3606,18 @@
           </a:fontRef>
         </p:style>
       </p:cxnSp>
-      <p:sp>
-        <p:nvSpPr>
-          <p:cNvPr id="245" name="Rectángulo 33"/>
-          <p:cNvSpPr/>
-          <p:nvPr/>
-        </p:nvSpPr>
-        <p:spPr>
-          <a:xfrm>
-            <a:off x="6901272" y="6684508"/>
-            <a:ext cx="1004617" cy="486918"/>
-          </a:xfrm>
-          <a:prstGeom prst="rect">
-            <a:avLst/>
-          </a:prstGeom>
-          <a:solidFill>
-            <a:schemeClr val="bg1"/>
-          </a:solidFill>
-        </p:spPr>
-        <p:style>
-          <a:lnRef idx="2">
-            <a:schemeClr val="dk1"/>
-          </a:lnRef>
-          <a:fillRef idx="1">
-            <a:schemeClr val="lt1"/>
-          </a:fillRef>
-          <a:effectRef idx="0">
-            <a:schemeClr val="dk1"/>
-          </a:effectRef>
-          <a:fontRef idx="minor">
-            <a:schemeClr val="dk1"/>
-          </a:fontRef>
-        </p:style>
-        <p:txBody>
-          <a:bodyPr lIns="105683" tIns="52841" rIns="105683" bIns="52841" rtlCol="0" anchor="ctr"/>
-          <a:lstStyle/>
-          <a:p>
-            <a:r>
-              <a:rPr lang="es-CO" sz="1000" dirty="0" smtClean="0">
-                <a:solidFill>
-                  <a:schemeClr val="tx1"/>
-                </a:solidFill>
-                <a:latin typeface="Arial" panose="020B0604020202020204" pitchFamily="34" charset="0"/>
-                <a:cs typeface="Arial" panose="020B0604020202020204" pitchFamily="34" charset="0"/>
-              </a:rPr>
-              <a:t> </a:t>
-            </a:r>
-          </a:p>
-          <a:p>
-            <a:pPr algn="ctr"/>
-            <a:r>
-              <a:rPr lang="es-CO" sz="1000" dirty="0" smtClean="0">
-                <a:solidFill>
-                  <a:schemeClr val="tx1"/>
-                </a:solidFill>
-                <a:latin typeface="Arial" panose="020B0604020202020204" pitchFamily="34" charset="0"/>
-                <a:cs typeface="Arial" panose="020B0604020202020204" pitchFamily="34" charset="0"/>
-              </a:rPr>
-              <a:t> </a:t>
-            </a:r>
-          </a:p>
-          <a:p>
-            <a:pPr algn="ctr"/>
-            <a:r>
-              <a:rPr lang="es-CO" sz="1000" dirty="0" smtClean="0">
-                <a:solidFill>
-                  <a:schemeClr val="tx1"/>
-                </a:solidFill>
-                <a:latin typeface="Arial" panose="020B0604020202020204" pitchFamily="34" charset="0"/>
-                <a:cs typeface="Arial" panose="020B0604020202020204" pitchFamily="34" charset="0"/>
-              </a:rPr>
-              <a:t> </a:t>
-            </a:r>
-            <a:endParaRPr lang="es-CO" sz="1000" dirty="0">
-              <a:solidFill>
-                <a:srgbClr val="FF0000"/>
-              </a:solidFill>
-              <a:latin typeface="Arial" panose="020B0604020202020204" pitchFamily="34" charset="0"/>
-              <a:cs typeface="Arial" panose="020B0604020202020204" pitchFamily="34" charset="0"/>
-            </a:endParaRPr>
-          </a:p>
-        </p:txBody>
-      </p:sp>
       <p:cxnSp>
         <p:nvCxnSpPr>
           <p:cNvPr id="250" name="249 Conector angular"/>
           <p:cNvCxnSpPr>
             <a:stCxn id="241" idx="2"/>
-            <a:endCxn id="245" idx="0"/>
           </p:cNvCxnSpPr>
           <p:nvPr/>
         </p:nvCxnSpPr>
         <p:spPr>
           <a:xfrm rot="5400000">
-            <a:off x="7440080" y="6370052"/>
-            <a:ext cx="277957" cy="350954"/>
+            <a:off x="7248311" y="6267182"/>
+            <a:ext cx="277957" cy="556695"/>
           </a:xfrm>
           <a:prstGeom prst="bentConnector3">
             <a:avLst>
@@ -4512,7 +3653,7 @@
         </p:nvSpPr>
         <p:spPr>
           <a:xfrm>
-            <a:off x="6940180" y="7316159"/>
+            <a:off x="6645540" y="7316159"/>
             <a:ext cx="925474" cy="188822"/>
           </a:xfrm>
           <a:prstGeom prst="rect">
@@ -4542,7 +3683,7 @@
           <a:p>
             <a:pPr algn="ctr"/>
             <a:r>
-              <a:rPr lang="es-CO" sz="900" dirty="0" smtClean="0">
+              <a:rPr lang="es-CO" sz="900" dirty="0">
                 <a:solidFill>
                   <a:schemeClr val="tx1"/>
                 </a:solidFill>
@@ -4565,8 +3706,8 @@
         </p:nvCxnSpPr>
         <p:spPr>
           <a:xfrm>
-            <a:off x="7402917" y="7504981"/>
-            <a:ext cx="658" cy="146248"/>
+            <a:off x="7108277" y="7504981"/>
+            <a:ext cx="658" cy="151597"/>
           </a:xfrm>
           <a:prstGeom prst="line">
             <a:avLst/>
@@ -4600,8 +3741,8 @@
         </p:nvSpPr>
         <p:spPr>
           <a:xfrm>
-            <a:off x="6901266" y="7651229"/>
-            <a:ext cx="1004617" cy="605158"/>
+            <a:off x="6606626" y="7656578"/>
+            <a:ext cx="1004617" cy="402380"/>
           </a:xfrm>
           <a:prstGeom prst="rect">
             <a:avLst/>
@@ -4629,7 +3770,7 @@
           <a:lstStyle/>
           <a:p>
             <a:r>
-              <a:rPr lang="es-CO" sz="900" dirty="0" smtClean="0">
+              <a:rPr lang="es-CO" sz="900" dirty="0">
                 <a:solidFill>
                   <a:schemeClr val="tx1"/>
                 </a:solidFill>
@@ -4642,7 +3783,7 @@
           <a:p>
             <a:pPr algn="ctr"/>
             <a:r>
-              <a:rPr lang="es-CO" sz="900" dirty="0" smtClean="0">
+              <a:rPr lang="es-CO" sz="900" dirty="0">
                 <a:solidFill>
                   <a:schemeClr val="tx1"/>
                 </a:solidFill>
@@ -4655,7 +3796,7 @@
           <a:p>
             <a:pPr algn="ctr"/>
             <a:r>
-              <a:rPr lang="es-CO" sz="900" dirty="0" smtClean="0">
+              <a:rPr lang="es-CO" sz="900" dirty="0">
                 <a:solidFill>
                   <a:schemeClr val="tx1"/>
                 </a:solidFill>
@@ -4682,7 +3823,7 @@
         </p:nvSpPr>
         <p:spPr>
           <a:xfrm>
-            <a:off x="7019365" y="8390949"/>
+            <a:off x="6726038" y="8138074"/>
             <a:ext cx="755865" cy="177955"/>
           </a:xfrm>
           <a:prstGeom prst="rect">
@@ -4712,7 +3853,7 @@
           <a:p>
             <a:pPr algn="ctr"/>
             <a:r>
-              <a:rPr lang="es-CO" sz="900" dirty="0" smtClean="0">
+              <a:rPr lang="es-CO" sz="900" dirty="0">
                 <a:solidFill>
                   <a:schemeClr val="tx1"/>
                 </a:solidFill>
@@ -4735,8 +3876,8 @@
         </p:nvCxnSpPr>
         <p:spPr>
           <a:xfrm flipH="1">
-            <a:off x="7397298" y="8256387"/>
-            <a:ext cx="6277" cy="134562"/>
+            <a:off x="7103971" y="8058958"/>
+            <a:ext cx="4964" cy="79116"/>
           </a:xfrm>
           <a:prstGeom prst="line">
             <a:avLst/>
@@ -4766,14 +3907,13 @@
         <p:nvCxnSpPr>
           <p:cNvPr id="267" name="266 Conector recto"/>
           <p:cNvCxnSpPr>
-            <a:stCxn id="245" idx="2"/>
             <a:endCxn id="257" idx="0"/>
           </p:cNvCxnSpPr>
           <p:nvPr/>
         </p:nvCxnSpPr>
         <p:spPr>
           <a:xfrm flipH="1">
-            <a:off x="7402917" y="7171426"/>
+            <a:off x="7108277" y="7171426"/>
             <a:ext cx="664" cy="144733"/>
           </a:xfrm>
           <a:prstGeom prst="line">
@@ -4805,18 +3945,17 @@
           <p:cNvPr id="282" name="281 Conector angular"/>
           <p:cNvCxnSpPr>
             <a:stCxn id="241" idx="2"/>
-            <a:endCxn id="608" idx="0"/>
           </p:cNvCxnSpPr>
           <p:nvPr/>
         </p:nvCxnSpPr>
         <p:spPr>
           <a:xfrm rot="16200000" flipH="1">
-            <a:off x="8043928" y="6117158"/>
-            <a:ext cx="275082" cy="853868"/>
+            <a:off x="7800686" y="6271500"/>
+            <a:ext cx="275082" cy="545183"/>
           </a:xfrm>
           <a:prstGeom prst="bentConnector3">
             <a:avLst>
-              <a:gd name="adj1" fmla="val 52770"/>
+              <a:gd name="adj1" fmla="val 50000"/>
             </a:avLst>
           </a:prstGeom>
           <a:ln w="12700">
@@ -4848,8 +3987,8 @@
         </p:nvSpPr>
         <p:spPr>
           <a:xfrm>
-            <a:off x="5063728" y="6619187"/>
-            <a:ext cx="1349517" cy="462705"/>
+            <a:off x="5063728" y="6689501"/>
+            <a:ext cx="1349517" cy="468747"/>
           </a:xfrm>
           <a:prstGeom prst="rect">
             <a:avLst/>
@@ -4877,7 +4016,7 @@
           <a:lstStyle/>
           <a:p>
             <a:r>
-              <a:rPr lang="es-CO" sz="900" dirty="0" smtClean="0">
+              <a:rPr lang="es-CO" sz="900" dirty="0">
                 <a:solidFill>
                   <a:schemeClr val="tx1"/>
                 </a:solidFill>
@@ -4897,23 +4036,13 @@
                 <a:latin typeface="Arial" panose="020B0604020202020204" pitchFamily="34" charset="0"/>
                 <a:cs typeface="Arial" panose="020B0604020202020204" pitchFamily="34" charset="0"/>
               </a:rPr>
-              <a:t>d</a:t>
-            </a:r>
-            <a:r>
-              <a:rPr lang="es-CO" sz="900" dirty="0" smtClean="0">
-                <a:solidFill>
-                  <a:schemeClr val="tx1"/>
-                </a:solidFill>
-                <a:latin typeface="Arial" panose="020B0604020202020204" pitchFamily="34" charset="0"/>
-                <a:cs typeface="Arial" panose="020B0604020202020204" pitchFamily="34" charset="0"/>
-              </a:rPr>
-              <a:t>os soluciones </a:t>
+              <a:t>dos soluciones </a:t>
             </a:r>
           </a:p>
           <a:p>
             <a:pPr algn="ctr"/>
             <a:r>
-              <a:rPr lang="es-CO" sz="900" dirty="0" smtClean="0">
+              <a:rPr lang="es-CO" sz="900" dirty="0">
                 <a:solidFill>
                   <a:schemeClr val="tx1"/>
                 </a:solidFill>
@@ -4934,21 +4063,21 @@
       </p:sp>
       <p:sp>
         <p:nvSpPr>
-          <p:cNvPr id="327" name="Rectángulo 33"/>
+          <p:cNvPr id="337" name="Rectángulo 161"/>
           <p:cNvSpPr/>
           <p:nvPr/>
         </p:nvSpPr>
         <p:spPr>
           <a:xfrm>
-            <a:off x="8373374" y="8643990"/>
-            <a:ext cx="851230" cy="459753"/>
+            <a:off x="7950922" y="7319561"/>
+            <a:ext cx="517350" cy="156664"/>
           </a:xfrm>
           <a:prstGeom prst="rect">
             <a:avLst/>
           </a:prstGeom>
-          <a:solidFill>
-            <a:schemeClr val="bg1"/>
-          </a:solidFill>
+          <a:ln>
+            <a:noFill/>
+          </a:ln>
         </p:spPr>
         <p:style>
           <a:lnRef idx="2">
@@ -4968,87 +4097,9 @@
           <a:bodyPr lIns="105683" tIns="52841" rIns="105683" bIns="52841" rtlCol="0" anchor="ctr"/>
           <a:lstStyle/>
           <a:p>
-            <a:r>
-              <a:rPr lang="es-CO" sz="1000" dirty="0" smtClean="0">
-                <a:solidFill>
-                  <a:schemeClr val="tx1"/>
-                </a:solidFill>
-                <a:cs typeface="Arial" pitchFamily="34" charset="0"/>
-              </a:rPr>
-              <a:t> </a:t>
-            </a:r>
-          </a:p>
-          <a:p>
             <a:pPr algn="ctr"/>
             <a:r>
-              <a:rPr lang="es-CO" sz="1000" dirty="0" smtClean="0">
-                <a:solidFill>
-                  <a:schemeClr val="tx1"/>
-                </a:solidFill>
-                <a:cs typeface="Arial" pitchFamily="34" charset="0"/>
-              </a:rPr>
-              <a:t>  </a:t>
-            </a:r>
-          </a:p>
-          <a:p>
-            <a:pPr algn="ctr"/>
-            <a:r>
-              <a:rPr lang="es-CO" sz="1000" dirty="0" smtClean="0">
-                <a:solidFill>
-                  <a:schemeClr val="tx1"/>
-                </a:solidFill>
-                <a:cs typeface="Arial" pitchFamily="34" charset="0"/>
-              </a:rPr>
-              <a:t> </a:t>
-            </a:r>
-            <a:endParaRPr lang="es-CO" sz="1000" dirty="0">
-              <a:solidFill>
-                <a:srgbClr val="FF0000"/>
-              </a:solidFill>
-              <a:cs typeface="Arial" pitchFamily="34" charset="0"/>
-            </a:endParaRPr>
-          </a:p>
-        </p:txBody>
-      </p:sp>
-      <p:sp>
-        <p:nvSpPr>
-          <p:cNvPr id="337" name="Rectángulo 161"/>
-          <p:cNvSpPr/>
-          <p:nvPr/>
-        </p:nvSpPr>
-        <p:spPr>
-          <a:xfrm>
-            <a:off x="8348506" y="7319561"/>
-            <a:ext cx="517350" cy="156664"/>
-          </a:xfrm>
-          <a:prstGeom prst="rect">
-            <a:avLst/>
-          </a:prstGeom>
-          <a:ln>
-            <a:noFill/>
-          </a:ln>
-        </p:spPr>
-        <p:style>
-          <a:lnRef idx="2">
-            <a:schemeClr val="dk1"/>
-          </a:lnRef>
-          <a:fillRef idx="1">
-            <a:schemeClr val="lt1"/>
-          </a:fillRef>
-          <a:effectRef idx="0">
-            <a:schemeClr val="dk1"/>
-          </a:effectRef>
-          <a:fontRef idx="minor">
-            <a:schemeClr val="dk1"/>
-          </a:fontRef>
-        </p:style>
-        <p:txBody>
-          <a:bodyPr lIns="105683" tIns="52841" rIns="105683" bIns="52841" rtlCol="0" anchor="ctr"/>
-          <a:lstStyle/>
-          <a:p>
-            <a:pPr algn="ctr"/>
-            <a:r>
-              <a:rPr lang="es-CO" sz="900" dirty="0" smtClean="0">
+              <a:rPr lang="es-CO" sz="900" dirty="0">
                 <a:solidFill>
                   <a:schemeClr val="tx1"/>
                 </a:solidFill>
@@ -5068,8 +4119,8 @@
         </p:nvSpPr>
         <p:spPr>
           <a:xfrm>
-            <a:off x="8106485" y="7628542"/>
-            <a:ext cx="1004617" cy="605158"/>
+            <a:off x="7708901" y="7657009"/>
+            <a:ext cx="1004617" cy="401948"/>
           </a:xfrm>
           <a:prstGeom prst="rect">
             <a:avLst/>
@@ -5097,7 +4148,7 @@
           <a:lstStyle/>
           <a:p>
             <a:r>
-              <a:rPr lang="es-CO" sz="900" dirty="0" smtClean="0">
+              <a:rPr lang="es-CO" sz="900" dirty="0">
                 <a:solidFill>
                   <a:schemeClr val="tx1"/>
                 </a:solidFill>
@@ -5110,7 +4161,7 @@
           <a:p>
             <a:pPr algn="ctr"/>
             <a:r>
-              <a:rPr lang="es-CO" sz="900" dirty="0" smtClean="0">
+              <a:rPr lang="es-CO" sz="900" dirty="0">
                 <a:solidFill>
                   <a:schemeClr val="tx1"/>
                 </a:solidFill>
@@ -5123,7 +4174,7 @@
           <a:p>
             <a:pPr algn="ctr"/>
             <a:r>
-              <a:rPr lang="es-CO" sz="900" dirty="0" smtClean="0">
+              <a:rPr lang="es-CO" sz="900" dirty="0">
                 <a:solidFill>
                   <a:schemeClr val="tx1"/>
                 </a:solidFill>
@@ -5146,14 +4197,13 @@
         <p:nvCxnSpPr>
           <p:cNvPr id="340" name="339 Conector recto"/>
           <p:cNvCxnSpPr>
-            <a:stCxn id="608" idx="2"/>
             <a:endCxn id="337" idx="0"/>
           </p:cNvCxnSpPr>
           <p:nvPr/>
         </p:nvCxnSpPr>
         <p:spPr>
           <a:xfrm flipH="1">
-            <a:off x="8607181" y="7168551"/>
+            <a:off x="8209597" y="7168551"/>
             <a:ext cx="1222" cy="151010"/>
           </a:xfrm>
           <a:prstGeom prst="line">
@@ -5191,8 +4241,8 @@
         </p:nvCxnSpPr>
         <p:spPr>
           <a:xfrm>
-            <a:off x="8607181" y="7476225"/>
-            <a:ext cx="1613" cy="152317"/>
+            <a:off x="8209597" y="7476225"/>
+            <a:ext cx="1613" cy="180784"/>
           </a:xfrm>
           <a:prstGeom prst="line">
             <a:avLst/>
@@ -5226,7 +4276,7 @@
         </p:nvSpPr>
         <p:spPr>
           <a:xfrm>
-            <a:off x="10657695" y="6215593"/>
+            <a:off x="9796267" y="6215593"/>
             <a:ext cx="1156146" cy="219712"/>
           </a:xfrm>
           <a:prstGeom prst="rect">
@@ -5256,7 +4306,7 @@
           <a:p>
             <a:pPr algn="ctr"/>
             <a:r>
-              <a:rPr lang="es-CO" sz="900" dirty="0" smtClean="0">
+              <a:rPr lang="es-CO" sz="900" dirty="0">
                 <a:solidFill>
                   <a:schemeClr val="tx1"/>
                 </a:solidFill>
@@ -5272,17 +4322,19 @@
         <p:nvCxnSpPr>
           <p:cNvPr id="354" name="353 Conector angular"/>
           <p:cNvCxnSpPr>
-            <a:endCxn id="327" idx="0"/>
+            <a:stCxn id="260" idx="2"/>
           </p:cNvCxnSpPr>
           <p:nvPr/>
         </p:nvCxnSpPr>
         <p:spPr>
-          <a:xfrm>
-            <a:off x="7645267" y="8479926"/>
-            <a:ext cx="1153722" cy="164064"/>
-          </a:xfrm>
-          <a:prstGeom prst="bentConnector2">
-            <a:avLst/>
+          <a:xfrm rot="16200000" flipH="1">
+            <a:off x="7182348" y="8237651"/>
+            <a:ext cx="327961" cy="484715"/>
+          </a:xfrm>
+          <a:prstGeom prst="bentConnector3">
+            <a:avLst>
+              <a:gd name="adj1" fmla="val 50000"/>
+            </a:avLst>
           </a:prstGeom>
           <a:ln w="12700">
             <a:solidFill>
@@ -5309,18 +4361,19 @@
         <p:nvCxnSpPr>
           <p:cNvPr id="357" name="356 Conector angular"/>
           <p:cNvCxnSpPr>
-            <a:stCxn id="260" idx="1"/>
-            <a:endCxn id="603" idx="0"/>
+            <a:stCxn id="260" idx="2"/>
           </p:cNvCxnSpPr>
           <p:nvPr/>
         </p:nvCxnSpPr>
         <p:spPr>
-          <a:xfrm rot="10800000" flipV="1">
-            <a:off x="6162183" y="8479927"/>
-            <a:ext cx="857183" cy="155436"/>
-          </a:xfrm>
-          <a:prstGeom prst="bentConnector2">
-            <a:avLst/>
+          <a:xfrm rot="5400000">
+            <a:off x="6699855" y="8231247"/>
+            <a:ext cx="319334" cy="488899"/>
+          </a:xfrm>
+          <a:prstGeom prst="bentConnector3">
+            <a:avLst>
+              <a:gd name="adj1" fmla="val 50000"/>
+            </a:avLst>
           </a:prstGeom>
           <a:ln w="12700">
             <a:solidFill>
@@ -5348,13 +4401,12 @@
           <p:cNvPr id="360" name="359 Conector recto"/>
           <p:cNvCxnSpPr>
             <a:stCxn id="346" idx="0"/>
-            <a:endCxn id="156" idx="2"/>
           </p:cNvCxnSpPr>
           <p:nvPr/>
         </p:nvCxnSpPr>
         <p:spPr>
           <a:xfrm flipH="1" flipV="1">
-            <a:off x="11233427" y="6087854"/>
+            <a:off x="10371999" y="6087854"/>
             <a:ext cx="2341" cy="127739"/>
           </a:xfrm>
           <a:prstGeom prst="line">
@@ -5389,8 +4441,8 @@
         </p:nvSpPr>
         <p:spPr>
           <a:xfrm>
-            <a:off x="9328640" y="6700269"/>
-            <a:ext cx="1349517" cy="462705"/>
+            <a:off x="9913369" y="6700269"/>
+            <a:ext cx="921739" cy="520232"/>
           </a:xfrm>
           <a:prstGeom prst="rect">
             <a:avLst/>
@@ -5418,7 +4470,7 @@
           <a:lstStyle/>
           <a:p>
             <a:r>
-              <a:rPr lang="es-CO" sz="900" dirty="0" smtClean="0">
+              <a:rPr lang="es-CO" sz="900" dirty="0">
                 <a:solidFill>
                   <a:schemeClr val="tx1"/>
                 </a:solidFill>
@@ -5431,7 +4483,7 @@
           <a:p>
             <a:pPr algn="ctr"/>
             <a:r>
-              <a:rPr lang="es-CO" sz="900" dirty="0" smtClean="0">
+              <a:rPr lang="es-CO" sz="900" dirty="0">
                 <a:solidFill>
                   <a:schemeClr val="tx1"/>
                 </a:solidFill>
@@ -5444,7 +4496,7 @@
           <a:p>
             <a:pPr algn="ctr"/>
             <a:r>
-              <a:rPr lang="es-CO" sz="900" dirty="0" smtClean="0">
+              <a:rPr lang="es-CO" sz="900" dirty="0">
                 <a:solidFill>
                   <a:schemeClr val="tx1"/>
                 </a:solidFill>
@@ -5471,8 +4523,8 @@
         </p:nvSpPr>
         <p:spPr>
           <a:xfrm>
-            <a:off x="11800336" y="6151723"/>
-            <a:ext cx="1349517" cy="462705"/>
+            <a:off x="11404096" y="5718071"/>
+            <a:ext cx="1349517" cy="369784"/>
           </a:xfrm>
           <a:prstGeom prst="rect">
             <a:avLst/>
@@ -5500,7 +4552,7 @@
           <a:lstStyle/>
           <a:p>
             <a:r>
-              <a:rPr lang="es-CO" sz="900" dirty="0" smtClean="0">
+              <a:rPr lang="es-CO" sz="900" dirty="0">
                 <a:solidFill>
                   <a:schemeClr val="tx1"/>
                 </a:solidFill>
@@ -5513,7 +4565,7 @@
           <a:p>
             <a:pPr algn="ctr"/>
             <a:r>
-              <a:rPr lang="es-CO" sz="900" dirty="0" smtClean="0">
+              <a:rPr lang="es-CO" sz="900" dirty="0">
                 <a:solidFill>
                   <a:schemeClr val="tx1"/>
                 </a:solidFill>
@@ -5526,7 +4578,7 @@
           <a:p>
             <a:pPr algn="ctr"/>
             <a:r>
-              <a:rPr lang="es-CO" sz="900" dirty="0" smtClean="0">
+              <a:rPr lang="es-CO" sz="900" dirty="0">
                 <a:solidFill>
                   <a:schemeClr val="tx1"/>
                 </a:solidFill>
@@ -5553,8 +4605,8 @@
         </p:nvSpPr>
         <p:spPr>
           <a:xfrm>
-            <a:off x="9746997" y="7299309"/>
-            <a:ext cx="517350" cy="165416"/>
+            <a:off x="10112757" y="7313664"/>
+            <a:ext cx="517350" cy="136707"/>
           </a:xfrm>
           <a:prstGeom prst="rect">
             <a:avLst/>
@@ -5583,7 +4635,7 @@
           <a:p>
             <a:pPr algn="ctr"/>
             <a:r>
-              <a:rPr lang="es-CO" sz="900" dirty="0" smtClean="0">
+              <a:rPr lang="es-CO" sz="900" dirty="0">
                 <a:solidFill>
                   <a:schemeClr val="tx1"/>
                 </a:solidFill>
@@ -5592,212 +4644,6 @@
               </a:rPr>
               <a:t>si      </a:t>
             </a:r>
-          </a:p>
-        </p:txBody>
-      </p:sp>
-      <p:sp>
-        <p:nvSpPr>
-          <p:cNvPr id="383" name="Rectángulo 33"/>
-          <p:cNvSpPr/>
-          <p:nvPr/>
-        </p:nvSpPr>
-        <p:spPr>
-          <a:xfrm>
-            <a:off x="9242694" y="7661828"/>
-            <a:ext cx="1002877" cy="397129"/>
-          </a:xfrm>
-          <a:prstGeom prst="rect">
-            <a:avLst/>
-          </a:prstGeom>
-          <a:solidFill>
-            <a:schemeClr val="bg1"/>
-          </a:solidFill>
-        </p:spPr>
-        <p:style>
-          <a:lnRef idx="2">
-            <a:schemeClr val="dk1"/>
-          </a:lnRef>
-          <a:fillRef idx="1">
-            <a:schemeClr val="lt1"/>
-          </a:fillRef>
-          <a:effectRef idx="0">
-            <a:schemeClr val="dk1"/>
-          </a:effectRef>
-          <a:fontRef idx="minor">
-            <a:schemeClr val="dk1"/>
-          </a:fontRef>
-        </p:style>
-        <p:txBody>
-          <a:bodyPr lIns="105683" tIns="52841" rIns="105683" bIns="52841" rtlCol="0" anchor="ctr"/>
-          <a:lstStyle/>
-          <a:p>
-            <a:pPr algn="ctr"/>
-            <a:r>
-              <a:rPr lang="es-CO" sz="900" dirty="0" smtClean="0">
-                <a:solidFill>
-                  <a:schemeClr val="tx1"/>
-                </a:solidFill>
-                <a:latin typeface="Arial" panose="020B0604020202020204" pitchFamily="34" charset="0"/>
-                <a:cs typeface="Arial" panose="020B0604020202020204" pitchFamily="34" charset="0"/>
-              </a:rPr>
-              <a:t> </a:t>
-            </a:r>
-          </a:p>
-          <a:p>
-            <a:pPr algn="ctr"/>
-            <a:r>
-              <a:rPr lang="es-CO" sz="900" dirty="0" smtClean="0">
-                <a:solidFill>
-                  <a:schemeClr val="tx1"/>
-                </a:solidFill>
-                <a:latin typeface="Arial" panose="020B0604020202020204" pitchFamily="34" charset="0"/>
-                <a:cs typeface="Arial" panose="020B0604020202020204" pitchFamily="34" charset="0"/>
-              </a:rPr>
-              <a:t> </a:t>
-            </a:r>
-            <a:endParaRPr lang="es-CO" sz="900" dirty="0">
-              <a:solidFill>
-                <a:srgbClr val="FF0000"/>
-              </a:solidFill>
-              <a:latin typeface="Arial" panose="020B0604020202020204" pitchFamily="34" charset="0"/>
-              <a:cs typeface="Arial" panose="020B0604020202020204" pitchFamily="34" charset="0"/>
-            </a:endParaRPr>
-          </a:p>
-        </p:txBody>
-      </p:sp>
-      <p:sp>
-        <p:nvSpPr>
-          <p:cNvPr id="384" name="Rectángulo 33"/>
-          <p:cNvSpPr/>
-          <p:nvPr/>
-        </p:nvSpPr>
-        <p:spPr>
-          <a:xfrm>
-            <a:off x="10221985" y="8152375"/>
-            <a:ext cx="1002877" cy="397129"/>
-          </a:xfrm>
-          <a:prstGeom prst="rect">
-            <a:avLst/>
-          </a:prstGeom>
-          <a:solidFill>
-            <a:schemeClr val="bg1"/>
-          </a:solidFill>
-        </p:spPr>
-        <p:style>
-          <a:lnRef idx="2">
-            <a:schemeClr val="dk1"/>
-          </a:lnRef>
-          <a:fillRef idx="1">
-            <a:schemeClr val="lt1"/>
-          </a:fillRef>
-          <a:effectRef idx="0">
-            <a:schemeClr val="dk1"/>
-          </a:effectRef>
-          <a:fontRef idx="minor">
-            <a:schemeClr val="dk1"/>
-          </a:fontRef>
-        </p:style>
-        <p:txBody>
-          <a:bodyPr lIns="105683" tIns="52841" rIns="105683" bIns="52841" rtlCol="0" anchor="ctr"/>
-          <a:lstStyle/>
-          <a:p>
-            <a:r>
-              <a:rPr lang="es-CO" sz="900" dirty="0" smtClean="0">
-                <a:solidFill>
-                  <a:schemeClr val="tx1"/>
-                </a:solidFill>
-                <a:latin typeface="Arial" panose="020B0604020202020204" pitchFamily="34" charset="0"/>
-                <a:cs typeface="Arial" panose="020B0604020202020204" pitchFamily="34" charset="0"/>
-              </a:rPr>
-              <a:t> </a:t>
-            </a:r>
-          </a:p>
-          <a:p>
-            <a:pPr algn="ctr"/>
-            <a:r>
-              <a:rPr lang="es-CO" sz="900" dirty="0" smtClean="0">
-                <a:solidFill>
-                  <a:schemeClr val="tx1"/>
-                </a:solidFill>
-                <a:latin typeface="Arial" panose="020B0604020202020204" pitchFamily="34" charset="0"/>
-                <a:cs typeface="Arial" panose="020B0604020202020204" pitchFamily="34" charset="0"/>
-              </a:rPr>
-              <a:t> </a:t>
-            </a:r>
-            <a:endParaRPr lang="es-CO" sz="900" dirty="0">
-              <a:solidFill>
-                <a:srgbClr val="FF0000"/>
-              </a:solidFill>
-              <a:latin typeface="Arial" panose="020B0604020202020204" pitchFamily="34" charset="0"/>
-              <a:cs typeface="Arial" panose="020B0604020202020204" pitchFamily="34" charset="0"/>
-            </a:endParaRPr>
-          </a:p>
-        </p:txBody>
-      </p:sp>
-      <p:sp>
-        <p:nvSpPr>
-          <p:cNvPr id="385" name="Rectángulo 33"/>
-          <p:cNvSpPr/>
-          <p:nvPr/>
-        </p:nvSpPr>
-        <p:spPr>
-          <a:xfrm>
-            <a:off x="11203197" y="7657009"/>
-            <a:ext cx="1002877" cy="397129"/>
-          </a:xfrm>
-          <a:prstGeom prst="rect">
-            <a:avLst/>
-          </a:prstGeom>
-          <a:solidFill>
-            <a:schemeClr val="bg1"/>
-          </a:solidFill>
-        </p:spPr>
-        <p:style>
-          <a:lnRef idx="2">
-            <a:schemeClr val="dk1"/>
-          </a:lnRef>
-          <a:fillRef idx="1">
-            <a:schemeClr val="lt1"/>
-          </a:fillRef>
-          <a:effectRef idx="0">
-            <a:schemeClr val="dk1"/>
-          </a:effectRef>
-          <a:fontRef idx="minor">
-            <a:schemeClr val="dk1"/>
-          </a:fontRef>
-        </p:style>
-        <p:txBody>
-          <a:bodyPr lIns="105683" tIns="52841" rIns="105683" bIns="52841" rtlCol="0" anchor="ctr"/>
-          <a:lstStyle/>
-          <a:p>
-            <a:pPr algn="ctr"/>
-            <a:endParaRPr lang="es-CO" sz="900" dirty="0" smtClean="0">
-              <a:solidFill>
-                <a:schemeClr val="tx1"/>
-              </a:solidFill>
-              <a:latin typeface="Arial" panose="020B0604020202020204" pitchFamily="34" charset="0"/>
-              <a:cs typeface="Arial" panose="020B0604020202020204" pitchFamily="34" charset="0"/>
-            </a:endParaRPr>
-          </a:p>
-          <a:p>
-            <a:pPr algn="ctr"/>
-            <a:r>
-              <a:rPr lang="es-CO" sz="900" dirty="0" smtClean="0">
-                <a:solidFill>
-                  <a:schemeClr val="tx1"/>
-                </a:solidFill>
-                <a:latin typeface="Arial" panose="020B0604020202020204" pitchFamily="34" charset="0"/>
-                <a:cs typeface="Arial" panose="020B0604020202020204" pitchFamily="34" charset="0"/>
-              </a:rPr>
-              <a:t> </a:t>
-            </a:r>
-            <a:endParaRPr lang="es-CO" sz="900" dirty="0">
-              <a:solidFill>
-                <a:srgbClr val="FF0000"/>
-              </a:solidFill>
-              <a:latin typeface="Arial" panose="020B0604020202020204" pitchFamily="34" charset="0"/>
-              <a:cs typeface="Arial" panose="020B0604020202020204" pitchFamily="34" charset="0"/>
-            </a:endParaRPr>
           </a:p>
         </p:txBody>
       </p:sp>
@@ -5809,7 +4655,7 @@
         </p:nvSpPr>
         <p:spPr>
           <a:xfrm>
-            <a:off x="9369215" y="8231753"/>
+            <a:off x="9099975" y="8330813"/>
             <a:ext cx="745808" cy="150873"/>
           </a:xfrm>
           <a:prstGeom prst="rect">
@@ -5839,7 +4685,7 @@
           <a:p>
             <a:pPr algn="ctr"/>
             <a:r>
-              <a:rPr lang="es-CO" sz="900" dirty="0" smtClean="0">
+              <a:rPr lang="es-CO" sz="900" dirty="0">
                 <a:solidFill>
                   <a:schemeClr val="tx1"/>
                 </a:solidFill>
@@ -5859,7 +4705,7 @@
         </p:nvSpPr>
         <p:spPr>
           <a:xfrm>
-            <a:off x="11336312" y="8283459"/>
+            <a:off x="11242332" y="8329179"/>
             <a:ext cx="745808" cy="150873"/>
           </a:xfrm>
           <a:prstGeom prst="rect">
@@ -5889,7 +4735,7 @@
           <a:p>
             <a:pPr algn="ctr"/>
             <a:r>
-              <a:rPr lang="es-CO" sz="900" dirty="0" smtClean="0">
+              <a:rPr lang="es-CO" sz="900" dirty="0">
                 <a:solidFill>
                   <a:schemeClr val="tx1"/>
                 </a:solidFill>
@@ -5909,7 +4755,7 @@
         </p:nvSpPr>
         <p:spPr>
           <a:xfrm>
-            <a:off x="10348875" y="8635270"/>
+            <a:off x="10171102" y="8363270"/>
             <a:ext cx="745808" cy="150873"/>
           </a:xfrm>
           <a:prstGeom prst="rect">
@@ -5939,7 +4785,7 @@
           <a:p>
             <a:pPr algn="ctr"/>
             <a:r>
-              <a:rPr lang="es-CO" sz="900" dirty="0" smtClean="0">
+              <a:rPr lang="es-CO" sz="900" dirty="0">
                 <a:solidFill>
                   <a:schemeClr val="tx1"/>
                 </a:solidFill>
@@ -5962,8 +4808,8 @@
         </p:nvCxnSpPr>
         <p:spPr>
           <a:xfrm rot="5400000">
-            <a:off x="10487102" y="5951603"/>
-            <a:ext cx="264964" cy="1232369"/>
+            <a:off x="10241808" y="6567737"/>
+            <a:ext cx="264964" cy="101"/>
           </a:xfrm>
           <a:prstGeom prst="bentConnector3">
             <a:avLst>
@@ -5995,18 +4841,20 @@
         <p:nvCxnSpPr>
           <p:cNvPr id="395" name="394 Conector angular"/>
           <p:cNvCxnSpPr>
-            <a:stCxn id="566" idx="3"/>
+            <a:stCxn id="566" idx="2"/>
             <a:endCxn id="380" idx="0"/>
           </p:cNvCxnSpPr>
           <p:nvPr/>
         </p:nvCxnSpPr>
         <p:spPr>
-          <a:xfrm>
-            <a:off x="11894703" y="4891277"/>
-            <a:ext cx="580392" cy="1260446"/>
-          </a:xfrm>
-          <a:prstGeom prst="bentConnector2">
-            <a:avLst/>
+          <a:xfrm rot="16200000" flipH="1">
+            <a:off x="11414658" y="5053873"/>
+            <a:ext cx="476945" cy="851449"/>
+          </a:xfrm>
+          <a:prstGeom prst="bentConnector3">
+            <a:avLst>
+              <a:gd name="adj1" fmla="val 16982"/>
+            </a:avLst>
           </a:prstGeom>
           <a:ln w="12700">
             <a:solidFill>
@@ -6034,14 +4882,13 @@
           <p:cNvPr id="399" name="398 Conector angular"/>
           <p:cNvCxnSpPr>
             <a:stCxn id="381" idx="2"/>
-            <a:endCxn id="383" idx="0"/>
           </p:cNvCxnSpPr>
           <p:nvPr/>
         </p:nvCxnSpPr>
         <p:spPr>
           <a:xfrm rot="5400000">
-            <a:off x="9776352" y="7432507"/>
-            <a:ext cx="197103" cy="261539"/>
+            <a:off x="9817435" y="7107830"/>
+            <a:ext cx="211457" cy="896539"/>
           </a:xfrm>
           <a:prstGeom prst="bentConnector3">
             <a:avLst>
@@ -6074,18 +4921,17 @@
           <p:cNvPr id="402" name="401 Conector angular"/>
           <p:cNvCxnSpPr>
             <a:stCxn id="381" idx="2"/>
-            <a:endCxn id="384" idx="0"/>
           </p:cNvCxnSpPr>
           <p:nvPr/>
         </p:nvCxnSpPr>
         <p:spPr>
           <a:xfrm rot="16200000" flipH="1">
-            <a:off x="10020723" y="7449674"/>
-            <a:ext cx="687650" cy="717752"/>
+            <a:off x="10350219" y="7471583"/>
+            <a:ext cx="216644" cy="174219"/>
           </a:xfrm>
           <a:prstGeom prst="bentConnector3">
             <a:avLst>
-              <a:gd name="adj1" fmla="val 14038"/>
+              <a:gd name="adj1" fmla="val 50000"/>
             </a:avLst>
           </a:prstGeom>
           <a:ln w="12700">
@@ -6114,14 +4960,13 @@
           <p:cNvPr id="405" name="404 Conector angular"/>
           <p:cNvCxnSpPr>
             <a:stCxn id="381" idx="2"/>
-            <a:endCxn id="385" idx="0"/>
           </p:cNvCxnSpPr>
           <p:nvPr/>
         </p:nvCxnSpPr>
         <p:spPr>
           <a:xfrm rot="16200000" flipH="1">
-            <a:off x="10759012" y="6711385"/>
-            <a:ext cx="192284" cy="1698964"/>
+            <a:off x="10882645" y="6939158"/>
+            <a:ext cx="216798" cy="1239224"/>
           </a:xfrm>
           <a:prstGeom prst="bentConnector3">
             <a:avLst>
@@ -6157,8 +5002,8 @@
         </p:nvSpPr>
         <p:spPr>
           <a:xfrm>
-            <a:off x="10808707" y="6949006"/>
-            <a:ext cx="895929" cy="397129"/>
+            <a:off x="11132557" y="6704783"/>
+            <a:ext cx="895929" cy="506714"/>
           </a:xfrm>
           <a:prstGeom prst="rect">
             <a:avLst/>
@@ -6186,7 +5031,7 @@
           <a:lstStyle/>
           <a:p>
             <a:pPr algn="ctr"/>
-            <a:endParaRPr lang="es-CO" sz="900" dirty="0" smtClean="0">
+            <a:endParaRPr lang="es-CO" sz="900" dirty="0">
               <a:solidFill>
                 <a:schemeClr val="tx1"/>
               </a:solidFill>
@@ -6197,7 +5042,7 @@
           <a:p>
             <a:pPr algn="ctr"/>
             <a:r>
-              <a:rPr lang="es-CO" sz="900" dirty="0" smtClean="0">
+              <a:rPr lang="es-CO" sz="900" dirty="0">
                 <a:solidFill>
                   <a:schemeClr val="tx1"/>
                 </a:solidFill>
@@ -6210,87 +5055,7 @@
           <a:p>
             <a:pPr algn="ctr"/>
             <a:r>
-              <a:rPr lang="es-CO" sz="900" dirty="0" smtClean="0">
-                <a:solidFill>
-                  <a:schemeClr val="tx1"/>
-                </a:solidFill>
-                <a:latin typeface="Arial" panose="020B0604020202020204" pitchFamily="34" charset="0"/>
-                <a:cs typeface="Arial" panose="020B0604020202020204" pitchFamily="34" charset="0"/>
-              </a:rPr>
-              <a:t> </a:t>
-            </a:r>
-            <a:endParaRPr lang="es-CO" sz="900" dirty="0">
-              <a:solidFill>
-                <a:srgbClr val="FF0000"/>
-              </a:solidFill>
-              <a:latin typeface="Arial" panose="020B0604020202020204" pitchFamily="34" charset="0"/>
-              <a:cs typeface="Arial" panose="020B0604020202020204" pitchFamily="34" charset="0"/>
-            </a:endParaRPr>
-          </a:p>
-        </p:txBody>
-      </p:sp>
-      <p:sp>
-        <p:nvSpPr>
-          <p:cNvPr id="411" name="Rectángulo 33"/>
-          <p:cNvSpPr/>
-          <p:nvPr/>
-        </p:nvSpPr>
-        <p:spPr>
-          <a:xfrm>
-            <a:off x="12217028" y="6949006"/>
-            <a:ext cx="1365658" cy="397130"/>
-          </a:xfrm>
-          <a:prstGeom prst="rect">
-            <a:avLst/>
-          </a:prstGeom>
-          <a:solidFill>
-            <a:schemeClr val="bg1"/>
-          </a:solidFill>
-        </p:spPr>
-        <p:style>
-          <a:lnRef idx="2">
-            <a:schemeClr val="dk1"/>
-          </a:lnRef>
-          <a:fillRef idx="1">
-            <a:schemeClr val="lt1"/>
-          </a:fillRef>
-          <a:effectRef idx="0">
-            <a:schemeClr val="dk1"/>
-          </a:effectRef>
-          <a:fontRef idx="minor">
-            <a:schemeClr val="dk1"/>
-          </a:fontRef>
-        </p:style>
-        <p:txBody>
-          <a:bodyPr lIns="105683" tIns="52841" rIns="105683" bIns="52841" rtlCol="0" anchor="ctr"/>
-          <a:lstStyle/>
-          <a:p>
-            <a:r>
-              <a:rPr lang="es-CO" sz="900" dirty="0" smtClean="0">
-                <a:solidFill>
-                  <a:schemeClr val="tx1"/>
-                </a:solidFill>
-                <a:latin typeface="Arial" panose="020B0604020202020204" pitchFamily="34" charset="0"/>
-                <a:cs typeface="Arial" panose="020B0604020202020204" pitchFamily="34" charset="0"/>
-              </a:rPr>
-              <a:t>la formula cuadrática:</a:t>
-            </a:r>
-          </a:p>
-          <a:p>
-            <a:r>
-              <a:rPr lang="es-CO" sz="900" dirty="0" smtClean="0">
-                <a:solidFill>
-                  <a:schemeClr val="tx1"/>
-                </a:solidFill>
-                <a:latin typeface="Arial" panose="020B0604020202020204" pitchFamily="34" charset="0"/>
-                <a:cs typeface="Arial" panose="020B0604020202020204" pitchFamily="34" charset="0"/>
-              </a:rPr>
-              <a:t>  </a:t>
-            </a:r>
-          </a:p>
-          <a:p>
-            <a:r>
-              <a:rPr lang="es-CO" sz="900" dirty="0" smtClean="0">
+              <a:rPr lang="es-CO" sz="900" dirty="0">
                 <a:solidFill>
                   <a:schemeClr val="tx1"/>
                 </a:solidFill>
@@ -6319,9 +5084,9 @@
           <p:nvPr/>
         </p:nvCxnSpPr>
         <p:spPr>
-          <a:xfrm>
-            <a:off x="10003399" y="7162974"/>
-            <a:ext cx="2273" cy="136335"/>
+          <a:xfrm flipH="1">
+            <a:off x="10371432" y="7220501"/>
+            <a:ext cx="2807" cy="93163"/>
           </a:xfrm>
           <a:prstGeom prst="line">
             <a:avLst/>
@@ -6351,15 +5116,14 @@
         <p:nvCxnSpPr>
           <p:cNvPr id="423" name="422 Conector recto"/>
           <p:cNvCxnSpPr>
-            <a:stCxn id="383" idx="2"/>
             <a:endCxn id="386" idx="0"/>
           </p:cNvCxnSpPr>
           <p:nvPr/>
         </p:nvCxnSpPr>
         <p:spPr>
           <a:xfrm flipH="1">
-            <a:off x="9742119" y="8058957"/>
-            <a:ext cx="2014" cy="172796"/>
+            <a:off x="9472879" y="8058957"/>
+            <a:ext cx="2014" cy="271856"/>
           </a:xfrm>
           <a:prstGeom prst="line">
             <a:avLst/>
@@ -6396,8 +5160,8 @@
         </p:nvCxnSpPr>
         <p:spPr>
           <a:xfrm flipH="1">
-            <a:off x="9737136" y="8382626"/>
-            <a:ext cx="4983" cy="256550"/>
+            <a:off x="9467896" y="8481686"/>
+            <a:ext cx="4983" cy="157490"/>
           </a:xfrm>
           <a:prstGeom prst="line">
             <a:avLst/>
@@ -6427,15 +5191,14 @@
         <p:nvCxnSpPr>
           <p:cNvPr id="429" name="428 Conector recto"/>
           <p:cNvCxnSpPr>
-            <a:stCxn id="384" idx="2"/>
             <a:endCxn id="389" idx="0"/>
           </p:cNvCxnSpPr>
           <p:nvPr/>
         </p:nvCxnSpPr>
         <p:spPr>
           <a:xfrm flipH="1">
-            <a:off x="10721779" y="8549504"/>
-            <a:ext cx="1645" cy="85766"/>
+            <a:off x="10544006" y="8064144"/>
+            <a:ext cx="1645" cy="299126"/>
           </a:xfrm>
           <a:prstGeom prst="line">
             <a:avLst/>
@@ -6471,9 +5234,9 @@
           <p:nvPr/>
         </p:nvCxnSpPr>
         <p:spPr>
-          <a:xfrm>
-            <a:off x="10721779" y="8786143"/>
-            <a:ext cx="1112" cy="98359"/>
+          <a:xfrm flipH="1">
+            <a:off x="10538262" y="8514143"/>
+            <a:ext cx="5744" cy="129847"/>
           </a:xfrm>
           <a:prstGeom prst="line">
             <a:avLst/>
@@ -6503,15 +5266,14 @@
         <p:nvCxnSpPr>
           <p:cNvPr id="445" name="444 Conector recto"/>
           <p:cNvCxnSpPr>
-            <a:stCxn id="385" idx="2"/>
             <a:endCxn id="387" idx="0"/>
           </p:cNvCxnSpPr>
           <p:nvPr/>
         </p:nvCxnSpPr>
         <p:spPr>
           <a:xfrm>
-            <a:off x="11704636" y="8054138"/>
-            <a:ext cx="4580" cy="229321"/>
+            <a:off x="11610656" y="8064298"/>
+            <a:ext cx="4580" cy="264881"/>
           </a:xfrm>
           <a:prstGeom prst="line">
             <a:avLst/>
@@ -6545,8 +5307,8 @@
         </p:nvSpPr>
         <p:spPr>
           <a:xfrm>
-            <a:off x="11332393" y="8558143"/>
-            <a:ext cx="751058" cy="389436"/>
+            <a:off x="11238413" y="8635363"/>
+            <a:ext cx="751058" cy="459752"/>
           </a:xfrm>
           <a:prstGeom prst="rect">
             <a:avLst/>
@@ -6574,7 +5336,7 @@
           <a:lstStyle/>
           <a:p>
             <a:r>
-              <a:rPr lang="es-CO" sz="900" dirty="0" smtClean="0">
+              <a:rPr lang="es-CO" sz="900" dirty="0">
                 <a:solidFill>
                   <a:schemeClr val="tx1"/>
                 </a:solidFill>
@@ -6587,7 +5349,7 @@
           <a:p>
             <a:pPr algn="ctr"/>
             <a:r>
-              <a:rPr lang="es-CO" sz="900" dirty="0" smtClean="0">
+              <a:rPr lang="es-CO" sz="900" dirty="0">
                 <a:solidFill>
                   <a:schemeClr val="tx1"/>
                 </a:solidFill>
@@ -6600,7 +5362,7 @@
           <a:p>
             <a:pPr algn="ctr"/>
             <a:r>
-              <a:rPr lang="es-CO" sz="900" dirty="0" smtClean="0">
+              <a:rPr lang="es-CO" sz="900" dirty="0">
                 <a:solidFill>
                   <a:schemeClr val="tx1"/>
                 </a:solidFill>
@@ -6613,7 +5375,7 @@
           <a:p>
             <a:pPr algn="ctr"/>
             <a:r>
-              <a:rPr lang="es-CO" sz="900" dirty="0" smtClean="0">
+              <a:rPr lang="es-CO" sz="900" dirty="0">
                 <a:solidFill>
                   <a:schemeClr val="tx1"/>
                 </a:solidFill>
@@ -6643,8 +5405,8 @@
         </p:nvCxnSpPr>
         <p:spPr>
           <a:xfrm flipH="1">
-            <a:off x="11707922" y="8434332"/>
-            <a:ext cx="1294" cy="123811"/>
+            <a:off x="11613942" y="8480052"/>
+            <a:ext cx="1294" cy="155311"/>
           </a:xfrm>
           <a:prstGeom prst="line">
             <a:avLst/>
@@ -6678,8 +5440,8 @@
         </p:nvSpPr>
         <p:spPr>
           <a:xfrm>
-            <a:off x="9361607" y="8639176"/>
-            <a:ext cx="751058" cy="389436"/>
+            <a:off x="9092367" y="8639176"/>
+            <a:ext cx="751058" cy="455940"/>
           </a:xfrm>
           <a:prstGeom prst="rect">
             <a:avLst/>
@@ -6707,7 +5469,7 @@
           <a:lstStyle/>
           <a:p>
             <a:r>
-              <a:rPr lang="es-CO" sz="900" dirty="0" smtClean="0">
+              <a:rPr lang="es-CO" sz="900" dirty="0">
                 <a:solidFill>
                   <a:schemeClr val="tx1"/>
                 </a:solidFill>
@@ -6719,7 +5481,7 @@
           <a:p>
             <a:pPr algn="ctr"/>
             <a:r>
-              <a:rPr lang="es-CO" sz="900" dirty="0" smtClean="0">
+              <a:rPr lang="es-CO" sz="900" dirty="0">
                 <a:solidFill>
                   <a:schemeClr val="tx1"/>
                 </a:solidFill>
@@ -6731,7 +5493,7 @@
           <a:p>
             <a:pPr algn="ctr"/>
             <a:r>
-              <a:rPr lang="es-CO" sz="900" dirty="0" smtClean="0">
+              <a:rPr lang="es-CO" sz="900" dirty="0">
                 <a:solidFill>
                   <a:schemeClr val="tx1"/>
                 </a:solidFill>
@@ -6743,7 +5505,7 @@
           <a:p>
             <a:pPr algn="ctr"/>
             <a:r>
-              <a:rPr lang="es-CO" sz="900" dirty="0" smtClean="0">
+              <a:rPr lang="es-CO" sz="900" dirty="0">
                 <a:solidFill>
                   <a:schemeClr val="tx1"/>
                 </a:solidFill>
@@ -6768,8 +5530,8 @@
         </p:nvSpPr>
         <p:spPr>
           <a:xfrm>
-            <a:off x="10347362" y="8884502"/>
-            <a:ext cx="751058" cy="389436"/>
+            <a:off x="10162733" y="8643990"/>
+            <a:ext cx="751058" cy="454885"/>
           </a:xfrm>
           <a:prstGeom prst="rect">
             <a:avLst/>
@@ -6797,7 +5559,7 @@
           <a:lstStyle/>
           <a:p>
             <a:r>
-              <a:rPr lang="es-CO" sz="900" dirty="0" smtClean="0">
+              <a:rPr lang="es-CO" sz="900" dirty="0">
                 <a:solidFill>
                   <a:schemeClr val="tx1"/>
                 </a:solidFill>
@@ -6810,7 +5572,7 @@
           <a:p>
             <a:pPr algn="ctr"/>
             <a:r>
-              <a:rPr lang="es-CO" sz="900" dirty="0" smtClean="0">
+              <a:rPr lang="es-CO" sz="900" dirty="0">
                 <a:solidFill>
                   <a:schemeClr val="tx1"/>
                 </a:solidFill>
@@ -6823,7 +5585,7 @@
           <a:p>
             <a:pPr algn="ctr"/>
             <a:r>
-              <a:rPr lang="es-CO" sz="900" dirty="0" smtClean="0">
+              <a:rPr lang="es-CO" sz="900" dirty="0">
                 <a:solidFill>
                   <a:schemeClr val="tx1"/>
                 </a:solidFill>
@@ -6836,7 +5598,7 @@
           <a:p>
             <a:pPr algn="ctr"/>
             <a:r>
-              <a:rPr lang="es-CO" sz="900" dirty="0" smtClean="0">
+              <a:rPr lang="es-CO" sz="900" dirty="0">
                 <a:solidFill>
                   <a:schemeClr val="tx1"/>
                 </a:solidFill>
@@ -6893,7 +5655,7 @@
           <a:p>
             <a:pPr algn="ctr"/>
             <a:r>
-              <a:rPr lang="es-CO" sz="900" dirty="0" smtClean="0">
+              <a:rPr lang="es-CO" sz="900" dirty="0">
                 <a:solidFill>
                   <a:schemeClr val="tx1"/>
                 </a:solidFill>
@@ -6901,12 +5663,6 @@
               </a:rPr>
               <a:t>se dividen en    </a:t>
             </a:r>
-            <a:endParaRPr lang="es-CO" sz="900" dirty="0">
-              <a:solidFill>
-                <a:schemeClr val="tx1"/>
-              </a:solidFill>
-              <a:cs typeface="Arial" pitchFamily="34" charset="0"/>
-            </a:endParaRPr>
           </a:p>
         </p:txBody>
       </p:sp>
@@ -6950,7 +5706,7 @@
           <a:p>
             <a:pPr algn="ctr"/>
             <a:r>
-              <a:rPr lang="es-ES_tradnl" sz="1050" dirty="0" smtClean="0">
+              <a:rPr lang="es-ES_tradnl" sz="1050" dirty="0">
                 <a:solidFill>
                   <a:schemeClr val="bg1"/>
                 </a:solidFill>
@@ -6959,7 +5715,7 @@
               </a:rPr>
               <a:t>ecuaciones con radicales </a:t>
             </a:r>
-            <a:endParaRPr lang="es-ES_tradnl" sz="1050" i="1" dirty="0" smtClean="0">
+            <a:endParaRPr lang="es-ES_tradnl" sz="1050" i="1" dirty="0">
               <a:solidFill>
                 <a:schemeClr val="bg1"/>
               </a:solidFill>
@@ -7009,7 +5765,7 @@
           <a:p>
             <a:pPr algn="ctr"/>
             <a:r>
-              <a:rPr lang="es-ES_tradnl" sz="1050" dirty="0" smtClean="0">
+              <a:rPr lang="es-ES_tradnl" sz="1050" dirty="0">
                 <a:solidFill>
                   <a:schemeClr val="bg1"/>
                 </a:solidFill>
@@ -7018,7 +5774,7 @@
               </a:rPr>
               <a:t>ecuaciones  bicuadraticas </a:t>
             </a:r>
-            <a:endParaRPr lang="es-ES_tradnl" sz="1050" i="1" dirty="0" smtClean="0">
+            <a:endParaRPr lang="es-ES_tradnl" sz="1050" i="1" dirty="0">
               <a:solidFill>
                 <a:schemeClr val="bg1"/>
               </a:solidFill>
@@ -7068,7 +5824,7 @@
           <a:p>
             <a:pPr algn="ctr"/>
             <a:r>
-              <a:rPr lang="es-ES_tradnl" sz="1050" dirty="0" smtClean="0">
+              <a:rPr lang="es-ES_tradnl" sz="1050" dirty="0">
                 <a:solidFill>
                   <a:schemeClr val="bg1"/>
                 </a:solidFill>
@@ -7077,7 +5833,7 @@
               </a:rPr>
               <a:t>  ecuaciones literales </a:t>
             </a:r>
-            <a:endParaRPr lang="es-ES_tradnl" sz="1050" i="1" dirty="0" smtClean="0">
+            <a:endParaRPr lang="es-ES_tradnl" sz="1050" i="1" dirty="0">
               <a:solidFill>
                 <a:schemeClr val="bg1"/>
               </a:solidFill>
@@ -7283,7 +6039,7 @@
           <a:p>
             <a:pPr algn="ctr"/>
             <a:r>
-              <a:rPr lang="es-CO" sz="900" dirty="0" smtClean="0">
+              <a:rPr lang="es-CO" sz="900" dirty="0">
                 <a:solidFill>
                   <a:schemeClr val="tx1"/>
                 </a:solidFill>
@@ -7332,58 +6088,6 @@
           </a:fontRef>
         </p:style>
       </p:cxnSp>
-      <p:sp>
-        <p:nvSpPr>
-          <p:cNvPr id="523" name="Rectángulo 174"/>
-          <p:cNvSpPr/>
-          <p:nvPr/>
-        </p:nvSpPr>
-        <p:spPr>
-          <a:xfrm>
-            <a:off x="9094713" y="3799514"/>
-            <a:ext cx="1334594" cy="471025"/>
-          </a:xfrm>
-          <a:prstGeom prst="rect">
-            <a:avLst/>
-          </a:prstGeom>
-          <a:solidFill>
-            <a:schemeClr val="bg2">
-              <a:lumMod val="90000"/>
-            </a:schemeClr>
-          </a:solidFill>
-        </p:spPr>
-        <p:style>
-          <a:lnRef idx="1">
-            <a:schemeClr val="dk1"/>
-          </a:lnRef>
-          <a:fillRef idx="2">
-            <a:schemeClr val="dk1"/>
-          </a:fillRef>
-          <a:effectRef idx="1">
-            <a:schemeClr val="dk1"/>
-          </a:effectRef>
-          <a:fontRef idx="minor">
-            <a:schemeClr val="dk1"/>
-          </a:fontRef>
-        </p:style>
-        <p:txBody>
-          <a:bodyPr lIns="105683" tIns="52841" rIns="105683" bIns="52841" rtlCol="0" anchor="ctr"/>
-          <a:lstStyle/>
-          <a:p>
-            <a:pPr algn="ctr"/>
-            <a:r>
-              <a:rPr lang="es-CO" sz="900" dirty="0" smtClean="0">
-                <a:solidFill>
-                  <a:srgbClr val="FF0000"/>
-                </a:solidFill>
-                <a:latin typeface="Arial" panose="020B0604020202020204" pitchFamily="34" charset="0"/>
-                <a:cs typeface="Arial" panose="020B0604020202020204" pitchFamily="34" charset="0"/>
-              </a:rPr>
-              <a:t>  </a:t>
-            </a:r>
-          </a:p>
-        </p:txBody>
-      </p:sp>
       <p:pic>
         <p:nvPicPr>
           <p:cNvPr id="1035" name="Picture 11"/>
@@ -7393,1847 +6097,7 @@
           <p:nvPr/>
         </p:nvPicPr>
         <p:blipFill>
-          <a:blip r:embed="rId2" cstate="print"/>
-          <a:srcRect/>
-          <a:stretch>
-            <a:fillRect/>
-          </a:stretch>
-        </p:blipFill>
-        <p:spPr bwMode="auto">
-          <a:xfrm>
-            <a:off x="9328030" y="3952359"/>
-            <a:ext cx="892112" cy="138911"/>
-          </a:xfrm>
-          <a:prstGeom prst="rect">
-            <a:avLst/>
-          </a:prstGeom>
-          <a:noFill/>
-          <a:ln w="9525">
-            <a:noFill/>
-            <a:miter lim="800000"/>
-            <a:headEnd/>
-            <a:tailEnd/>
-          </a:ln>
-          <a:effectLst/>
-        </p:spPr>
-      </p:pic>
-      <p:sp>
-        <p:nvSpPr>
-          <p:cNvPr id="531" name="Rectángulo 174"/>
-          <p:cNvSpPr/>
-          <p:nvPr/>
-        </p:nvSpPr>
-        <p:spPr>
-          <a:xfrm>
-            <a:off x="10668178" y="3801193"/>
-            <a:ext cx="1334594" cy="471025"/>
-          </a:xfrm>
-          <a:prstGeom prst="rect">
-            <a:avLst/>
-          </a:prstGeom>
-          <a:solidFill>
-            <a:schemeClr val="bg2">
-              <a:lumMod val="90000"/>
-            </a:schemeClr>
-          </a:solidFill>
-        </p:spPr>
-        <p:style>
-          <a:lnRef idx="1">
-            <a:schemeClr val="dk1"/>
-          </a:lnRef>
-          <a:fillRef idx="2">
-            <a:schemeClr val="dk1"/>
-          </a:fillRef>
-          <a:effectRef idx="1">
-            <a:schemeClr val="dk1"/>
-          </a:effectRef>
-          <a:fontRef idx="minor">
-            <a:schemeClr val="dk1"/>
-          </a:fontRef>
-        </p:style>
-        <p:txBody>
-          <a:bodyPr lIns="105683" tIns="52841" rIns="105683" bIns="52841" rtlCol="0" anchor="ctr"/>
-          <a:lstStyle/>
-          <a:p>
-            <a:pPr algn="ctr"/>
-            <a:r>
-              <a:rPr lang="es-CO" sz="900" dirty="0" smtClean="0">
-                <a:solidFill>
-                  <a:schemeClr val="tx1"/>
-                </a:solidFill>
-                <a:latin typeface="Arial" panose="020B0604020202020204" pitchFamily="34" charset="0"/>
-                <a:cs typeface="Arial" panose="020B0604020202020204" pitchFamily="34" charset="0"/>
-              </a:rPr>
-              <a:t>  </a:t>
-            </a:r>
-          </a:p>
-        </p:txBody>
-      </p:sp>
-      <p:sp>
-        <p:nvSpPr>
-          <p:cNvPr id="532" name="Rectángulo 161"/>
-          <p:cNvSpPr/>
-          <p:nvPr/>
-        </p:nvSpPr>
-        <p:spPr>
-          <a:xfrm>
-            <a:off x="9256275" y="3471448"/>
-            <a:ext cx="1003485" cy="167736"/>
-          </a:xfrm>
-          <a:prstGeom prst="rect">
-            <a:avLst/>
-          </a:prstGeom>
-          <a:ln>
-            <a:noFill/>
-          </a:ln>
-        </p:spPr>
-        <p:style>
-          <a:lnRef idx="2">
-            <a:schemeClr val="dk1"/>
-          </a:lnRef>
-          <a:fillRef idx="1">
-            <a:schemeClr val="lt1"/>
-          </a:fillRef>
-          <a:effectRef idx="0">
-            <a:schemeClr val="dk1"/>
-          </a:effectRef>
-          <a:fontRef idx="minor">
-            <a:schemeClr val="dk1"/>
-          </a:fontRef>
-        </p:style>
-        <p:txBody>
-          <a:bodyPr lIns="105683" tIns="52841" rIns="105683" bIns="52841" rtlCol="0" anchor="ctr"/>
-          <a:lstStyle/>
-          <a:p>
-            <a:pPr algn="ctr"/>
-            <a:r>
-              <a:rPr lang="es-CO" sz="900" dirty="0" smtClean="0">
-                <a:solidFill>
-                  <a:schemeClr val="tx1"/>
-                </a:solidFill>
-                <a:cs typeface="Arial" pitchFamily="34" charset="0"/>
-              </a:rPr>
-              <a:t>ejemplo </a:t>
-            </a:r>
-          </a:p>
-        </p:txBody>
-      </p:sp>
-      <p:sp>
-        <p:nvSpPr>
-          <p:cNvPr id="533" name="Rectángulo 161"/>
-          <p:cNvSpPr/>
-          <p:nvPr/>
-        </p:nvSpPr>
-        <p:spPr>
-          <a:xfrm>
-            <a:off x="12375452" y="3471447"/>
-            <a:ext cx="1003485" cy="167736"/>
-          </a:xfrm>
-          <a:prstGeom prst="rect">
-            <a:avLst/>
-          </a:prstGeom>
-          <a:ln>
-            <a:noFill/>
-          </a:ln>
-        </p:spPr>
-        <p:style>
-          <a:lnRef idx="2">
-            <a:schemeClr val="dk1"/>
-          </a:lnRef>
-          <a:fillRef idx="1">
-            <a:schemeClr val="lt1"/>
-          </a:fillRef>
-          <a:effectRef idx="0">
-            <a:schemeClr val="dk1"/>
-          </a:effectRef>
-          <a:fontRef idx="minor">
-            <a:schemeClr val="dk1"/>
-          </a:fontRef>
-        </p:style>
-        <p:txBody>
-          <a:bodyPr lIns="105683" tIns="52841" rIns="105683" bIns="52841" rtlCol="0" anchor="ctr"/>
-          <a:lstStyle/>
-          <a:p>
-            <a:pPr algn="ctr"/>
-            <a:r>
-              <a:rPr lang="es-CO" sz="900" dirty="0" smtClean="0">
-                <a:solidFill>
-                  <a:schemeClr val="tx1"/>
-                </a:solidFill>
-                <a:cs typeface="Arial" pitchFamily="34" charset="0"/>
-              </a:rPr>
-              <a:t>ejemplo </a:t>
-            </a:r>
-          </a:p>
-        </p:txBody>
-      </p:sp>
-      <p:sp>
-        <p:nvSpPr>
-          <p:cNvPr id="534" name="Rectángulo 174"/>
-          <p:cNvSpPr/>
-          <p:nvPr/>
-        </p:nvSpPr>
-        <p:spPr>
-          <a:xfrm>
-            <a:off x="12211499" y="3792825"/>
-            <a:ext cx="1334594" cy="471025"/>
-          </a:xfrm>
-          <a:prstGeom prst="rect">
-            <a:avLst/>
-          </a:prstGeom>
-          <a:solidFill>
-            <a:schemeClr val="bg2">
-              <a:lumMod val="90000"/>
-            </a:schemeClr>
-          </a:solidFill>
-        </p:spPr>
-        <p:style>
-          <a:lnRef idx="1">
-            <a:schemeClr val="dk1"/>
-          </a:lnRef>
-          <a:fillRef idx="2">
-            <a:schemeClr val="dk1"/>
-          </a:fillRef>
-          <a:effectRef idx="1">
-            <a:schemeClr val="dk1"/>
-          </a:effectRef>
-          <a:fontRef idx="minor">
-            <a:schemeClr val="dk1"/>
-          </a:fontRef>
-        </p:style>
-        <p:txBody>
-          <a:bodyPr lIns="105683" tIns="52841" rIns="105683" bIns="52841" rtlCol="0" anchor="ctr"/>
-          <a:lstStyle/>
-          <a:p>
-            <a:pPr algn="ctr"/>
-            <a:r>
-              <a:rPr lang="es-CO" sz="900" dirty="0" smtClean="0">
-                <a:solidFill>
-                  <a:schemeClr val="tx1"/>
-                </a:solidFill>
-                <a:latin typeface="Arial" panose="020B0604020202020204" pitchFamily="34" charset="0"/>
-                <a:cs typeface="Arial" panose="020B0604020202020204" pitchFamily="34" charset="0"/>
-              </a:rPr>
-              <a:t>  </a:t>
-            </a:r>
-          </a:p>
-        </p:txBody>
-      </p:sp>
-      <p:cxnSp>
-        <p:nvCxnSpPr>
-          <p:cNvPr id="536" name="535 Conector recto"/>
-          <p:cNvCxnSpPr>
-            <a:stCxn id="485" idx="2"/>
-            <a:endCxn id="532" idx="0"/>
-          </p:cNvCxnSpPr>
-          <p:nvPr/>
-        </p:nvCxnSpPr>
-        <p:spPr>
-          <a:xfrm>
-            <a:off x="9756688" y="3336051"/>
-            <a:ext cx="1330" cy="135397"/>
-          </a:xfrm>
-          <a:prstGeom prst="line">
-            <a:avLst/>
-          </a:prstGeom>
-          <a:ln w="12700">
-            <a:solidFill>
-              <a:schemeClr val="tx1"/>
-            </a:solidFill>
-          </a:ln>
-        </p:spPr>
-        <p:style>
-          <a:lnRef idx="1">
-            <a:schemeClr val="accent1"/>
-          </a:lnRef>
-          <a:fillRef idx="0">
-            <a:schemeClr val="accent1"/>
-          </a:fillRef>
-          <a:effectRef idx="0">
-            <a:schemeClr val="accent1"/>
-          </a:effectRef>
-          <a:fontRef idx="minor">
-            <a:schemeClr val="tx1"/>
-          </a:fontRef>
-        </p:style>
-      </p:cxnSp>
-      <p:cxnSp>
-        <p:nvCxnSpPr>
-          <p:cNvPr id="539" name="538 Conector recto"/>
-          <p:cNvCxnSpPr>
-            <a:stCxn id="532" idx="2"/>
-            <a:endCxn id="523" idx="0"/>
-          </p:cNvCxnSpPr>
-          <p:nvPr/>
-        </p:nvCxnSpPr>
-        <p:spPr>
-          <a:xfrm>
-            <a:off x="9758018" y="3639184"/>
-            <a:ext cx="3992" cy="160330"/>
-          </a:xfrm>
-          <a:prstGeom prst="line">
-            <a:avLst/>
-          </a:prstGeom>
-          <a:ln w="12700">
-            <a:solidFill>
-              <a:schemeClr val="tx1"/>
-            </a:solidFill>
-          </a:ln>
-        </p:spPr>
-        <p:style>
-          <a:lnRef idx="1">
-            <a:schemeClr val="accent1"/>
-          </a:lnRef>
-          <a:fillRef idx="0">
-            <a:schemeClr val="accent1"/>
-          </a:fillRef>
-          <a:effectRef idx="0">
-            <a:schemeClr val="accent1"/>
-          </a:effectRef>
-          <a:fontRef idx="minor">
-            <a:schemeClr val="tx1"/>
-          </a:fontRef>
-        </p:style>
-      </p:cxnSp>
-      <p:cxnSp>
-        <p:nvCxnSpPr>
-          <p:cNvPr id="542" name="541 Conector recto"/>
-          <p:cNvCxnSpPr>
-            <a:stCxn id="516" idx="2"/>
-            <a:endCxn id="531" idx="0"/>
-          </p:cNvCxnSpPr>
-          <p:nvPr/>
-        </p:nvCxnSpPr>
-        <p:spPr>
-          <a:xfrm>
-            <a:off x="11328123" y="3637504"/>
-            <a:ext cx="7352" cy="163689"/>
-          </a:xfrm>
-          <a:prstGeom prst="line">
-            <a:avLst/>
-          </a:prstGeom>
-          <a:ln w="12700">
-            <a:solidFill>
-              <a:schemeClr val="tx1"/>
-            </a:solidFill>
-          </a:ln>
-        </p:spPr>
-        <p:style>
-          <a:lnRef idx="1">
-            <a:schemeClr val="accent1"/>
-          </a:lnRef>
-          <a:fillRef idx="0">
-            <a:schemeClr val="accent1"/>
-          </a:fillRef>
-          <a:effectRef idx="0">
-            <a:schemeClr val="accent1"/>
-          </a:effectRef>
-          <a:fontRef idx="minor">
-            <a:schemeClr val="tx1"/>
-          </a:fontRef>
-        </p:style>
-      </p:cxnSp>
-      <p:cxnSp>
-        <p:nvCxnSpPr>
-          <p:cNvPr id="545" name="544 Conector recto"/>
-          <p:cNvCxnSpPr>
-            <a:stCxn id="487" idx="2"/>
-            <a:endCxn id="533" idx="0"/>
-          </p:cNvCxnSpPr>
-          <p:nvPr/>
-        </p:nvCxnSpPr>
-        <p:spPr>
-          <a:xfrm>
-            <a:off x="12875040" y="3329349"/>
-            <a:ext cx="2155" cy="142098"/>
-          </a:xfrm>
-          <a:prstGeom prst="line">
-            <a:avLst/>
-          </a:prstGeom>
-          <a:ln w="12700">
-            <a:solidFill>
-              <a:schemeClr val="tx1"/>
-            </a:solidFill>
-          </a:ln>
-        </p:spPr>
-        <p:style>
-          <a:lnRef idx="1">
-            <a:schemeClr val="accent1"/>
-          </a:lnRef>
-          <a:fillRef idx="0">
-            <a:schemeClr val="accent1"/>
-          </a:fillRef>
-          <a:effectRef idx="0">
-            <a:schemeClr val="accent1"/>
-          </a:effectRef>
-          <a:fontRef idx="minor">
-            <a:schemeClr val="tx1"/>
-          </a:fontRef>
-        </p:style>
-      </p:cxnSp>
-      <p:cxnSp>
-        <p:nvCxnSpPr>
-          <p:cNvPr id="550" name="549 Conector recto"/>
-          <p:cNvCxnSpPr>
-            <a:stCxn id="533" idx="2"/>
-            <a:endCxn id="534" idx="0"/>
-          </p:cNvCxnSpPr>
-          <p:nvPr/>
-        </p:nvCxnSpPr>
-        <p:spPr>
-          <a:xfrm>
-            <a:off x="12877195" y="3639183"/>
-            <a:ext cx="1601" cy="153642"/>
-          </a:xfrm>
-          <a:prstGeom prst="line">
-            <a:avLst/>
-          </a:prstGeom>
-          <a:ln w="12700">
-            <a:solidFill>
-              <a:schemeClr val="tx1"/>
-            </a:solidFill>
-          </a:ln>
-        </p:spPr>
-        <p:style>
-          <a:lnRef idx="1">
-            <a:schemeClr val="accent1"/>
-          </a:lnRef>
-          <a:fillRef idx="0">
-            <a:schemeClr val="accent1"/>
-          </a:fillRef>
-          <a:effectRef idx="0">
-            <a:schemeClr val="accent1"/>
-          </a:effectRef>
-          <a:fontRef idx="minor">
-            <a:schemeClr val="tx1"/>
-          </a:fontRef>
-        </p:style>
-      </p:cxnSp>
-      <p:sp>
-        <p:nvSpPr>
-          <p:cNvPr id="574" name="Rectángulo 33"/>
-          <p:cNvSpPr/>
-          <p:nvPr/>
-        </p:nvSpPr>
-        <p:spPr>
-          <a:xfrm>
-            <a:off x="4693395" y="7636183"/>
-            <a:ext cx="788093" cy="397129"/>
-          </a:xfrm>
-          <a:prstGeom prst="rect">
-            <a:avLst/>
-          </a:prstGeom>
-          <a:solidFill>
-            <a:schemeClr val="bg1"/>
-          </a:solidFill>
-        </p:spPr>
-        <p:style>
-          <a:lnRef idx="2">
-            <a:schemeClr val="dk1"/>
-          </a:lnRef>
-          <a:fillRef idx="1">
-            <a:schemeClr val="lt1"/>
-          </a:fillRef>
-          <a:effectRef idx="0">
-            <a:schemeClr val="dk1"/>
-          </a:effectRef>
-          <a:fontRef idx="minor">
-            <a:schemeClr val="dk1"/>
-          </a:fontRef>
-        </p:style>
-        <p:txBody>
-          <a:bodyPr lIns="105683" tIns="52841" rIns="105683" bIns="52841" rtlCol="0" anchor="ctr"/>
-          <a:lstStyle/>
-          <a:p>
-            <a:r>
-              <a:rPr lang="es-CO" sz="1000" dirty="0" smtClean="0">
-                <a:solidFill>
-                  <a:schemeClr val="tx1"/>
-                </a:solidFill>
-                <a:latin typeface="Arial" panose="020B0604020202020204" pitchFamily="34" charset="0"/>
-                <a:cs typeface="Arial" panose="020B0604020202020204" pitchFamily="34" charset="0"/>
-              </a:rPr>
-              <a:t> </a:t>
-            </a:r>
-          </a:p>
-          <a:p>
-            <a:pPr algn="ctr"/>
-            <a:endParaRPr lang="es-CO" sz="1000" dirty="0" smtClean="0">
-              <a:solidFill>
-                <a:schemeClr val="tx1"/>
-              </a:solidFill>
-              <a:latin typeface="Arial" panose="020B0604020202020204" pitchFamily="34" charset="0"/>
-              <a:cs typeface="Arial" panose="020B0604020202020204" pitchFamily="34" charset="0"/>
-            </a:endParaRPr>
-          </a:p>
-          <a:p>
-            <a:pPr algn="ctr"/>
-            <a:r>
-              <a:rPr lang="es-CO" sz="1000" dirty="0" smtClean="0">
-                <a:solidFill>
-                  <a:schemeClr val="tx1"/>
-                </a:solidFill>
-                <a:latin typeface="Arial" panose="020B0604020202020204" pitchFamily="34" charset="0"/>
-                <a:cs typeface="Arial" panose="020B0604020202020204" pitchFamily="34" charset="0"/>
-              </a:rPr>
-              <a:t> </a:t>
-            </a:r>
-            <a:endParaRPr lang="es-CO" sz="1000" dirty="0">
-              <a:solidFill>
-                <a:srgbClr val="FF0000"/>
-              </a:solidFill>
-              <a:latin typeface="Arial" panose="020B0604020202020204" pitchFamily="34" charset="0"/>
-              <a:cs typeface="Arial" panose="020B0604020202020204" pitchFamily="34" charset="0"/>
-            </a:endParaRPr>
-          </a:p>
-        </p:txBody>
-      </p:sp>
-      <p:sp>
-        <p:nvSpPr>
-          <p:cNvPr id="603" name="Rectángulo 33"/>
-          <p:cNvSpPr/>
-          <p:nvPr/>
-        </p:nvSpPr>
-        <p:spPr>
-          <a:xfrm>
-            <a:off x="5736567" y="8635363"/>
-            <a:ext cx="851230" cy="459753"/>
-          </a:xfrm>
-          <a:prstGeom prst="rect">
-            <a:avLst/>
-          </a:prstGeom>
-          <a:solidFill>
-            <a:schemeClr val="bg1"/>
-          </a:solidFill>
-        </p:spPr>
-        <p:style>
-          <a:lnRef idx="2">
-            <a:schemeClr val="dk1"/>
-          </a:lnRef>
-          <a:fillRef idx="1">
-            <a:schemeClr val="lt1"/>
-          </a:fillRef>
-          <a:effectRef idx="0">
-            <a:schemeClr val="dk1"/>
-          </a:effectRef>
-          <a:fontRef idx="minor">
-            <a:schemeClr val="dk1"/>
-          </a:fontRef>
-        </p:style>
-        <p:txBody>
-          <a:bodyPr lIns="105683" tIns="52841" rIns="105683" bIns="52841" rtlCol="0" anchor="ctr"/>
-          <a:lstStyle/>
-          <a:p>
-            <a:r>
-              <a:rPr lang="es-CO" sz="1000" dirty="0" smtClean="0">
-                <a:solidFill>
-                  <a:schemeClr val="tx1"/>
-                </a:solidFill>
-                <a:cs typeface="Arial" pitchFamily="34" charset="0"/>
-              </a:rPr>
-              <a:t> </a:t>
-            </a:r>
-          </a:p>
-          <a:p>
-            <a:pPr algn="ctr"/>
-            <a:r>
-              <a:rPr lang="es-CO" sz="1000" dirty="0" smtClean="0">
-                <a:solidFill>
-                  <a:schemeClr val="tx1"/>
-                </a:solidFill>
-                <a:cs typeface="Arial" pitchFamily="34" charset="0"/>
-              </a:rPr>
-              <a:t>  </a:t>
-            </a:r>
-          </a:p>
-          <a:p>
-            <a:pPr algn="ctr"/>
-            <a:r>
-              <a:rPr lang="es-CO" sz="1000" dirty="0" smtClean="0">
-                <a:solidFill>
-                  <a:schemeClr val="tx1"/>
-                </a:solidFill>
-                <a:cs typeface="Arial" pitchFamily="34" charset="0"/>
-              </a:rPr>
-              <a:t> </a:t>
-            </a:r>
-            <a:endParaRPr lang="es-CO" sz="1000" dirty="0">
-              <a:solidFill>
-                <a:srgbClr val="FF0000"/>
-              </a:solidFill>
-              <a:cs typeface="Arial" pitchFamily="34" charset="0"/>
-            </a:endParaRPr>
-          </a:p>
-        </p:txBody>
-      </p:sp>
-      <p:sp>
-        <p:nvSpPr>
-          <p:cNvPr id="608" name="Rectángulo 33"/>
-          <p:cNvSpPr/>
-          <p:nvPr/>
-        </p:nvSpPr>
-        <p:spPr>
-          <a:xfrm>
-            <a:off x="8106094" y="6681633"/>
-            <a:ext cx="1004617" cy="486918"/>
-          </a:xfrm>
-          <a:prstGeom prst="rect">
-            <a:avLst/>
-          </a:prstGeom>
-          <a:solidFill>
-            <a:schemeClr val="bg1"/>
-          </a:solidFill>
-        </p:spPr>
-        <p:style>
-          <a:lnRef idx="2">
-            <a:schemeClr val="dk1"/>
-          </a:lnRef>
-          <a:fillRef idx="1">
-            <a:schemeClr val="lt1"/>
-          </a:fillRef>
-          <a:effectRef idx="0">
-            <a:schemeClr val="dk1"/>
-          </a:effectRef>
-          <a:fontRef idx="minor">
-            <a:schemeClr val="dk1"/>
-          </a:fontRef>
-        </p:style>
-        <p:txBody>
-          <a:bodyPr lIns="105683" tIns="52841" rIns="105683" bIns="52841" rtlCol="0" anchor="ctr"/>
-          <a:lstStyle/>
-          <a:p>
-            <a:r>
-              <a:rPr lang="es-CO" sz="1000" dirty="0" smtClean="0">
-                <a:solidFill>
-                  <a:schemeClr val="tx1"/>
-                </a:solidFill>
-                <a:latin typeface="Arial" panose="020B0604020202020204" pitchFamily="34" charset="0"/>
-                <a:cs typeface="Arial" panose="020B0604020202020204" pitchFamily="34" charset="0"/>
-              </a:rPr>
-              <a:t> </a:t>
-            </a:r>
-          </a:p>
-          <a:p>
-            <a:pPr algn="ctr"/>
-            <a:r>
-              <a:rPr lang="es-CO" sz="1000" dirty="0" smtClean="0">
-                <a:solidFill>
-                  <a:schemeClr val="tx1"/>
-                </a:solidFill>
-                <a:latin typeface="Arial" panose="020B0604020202020204" pitchFamily="34" charset="0"/>
-                <a:cs typeface="Arial" panose="020B0604020202020204" pitchFamily="34" charset="0"/>
-              </a:rPr>
-              <a:t> </a:t>
-            </a:r>
-          </a:p>
-          <a:p>
-            <a:pPr algn="ctr"/>
-            <a:r>
-              <a:rPr lang="es-CO" sz="1000" dirty="0" smtClean="0">
-                <a:solidFill>
-                  <a:schemeClr val="tx1"/>
-                </a:solidFill>
-                <a:latin typeface="Arial" panose="020B0604020202020204" pitchFamily="34" charset="0"/>
-                <a:cs typeface="Arial" panose="020B0604020202020204" pitchFamily="34" charset="0"/>
-              </a:rPr>
-              <a:t> </a:t>
-            </a:r>
-            <a:endParaRPr lang="es-CO" sz="1000" dirty="0">
-              <a:solidFill>
-                <a:srgbClr val="FF0000"/>
-              </a:solidFill>
-              <a:latin typeface="Arial" panose="020B0604020202020204" pitchFamily="34" charset="0"/>
-              <a:cs typeface="Arial" panose="020B0604020202020204" pitchFamily="34" charset="0"/>
-            </a:endParaRPr>
-          </a:p>
-        </p:txBody>
-      </p:sp>
-      <p:cxnSp>
-        <p:nvCxnSpPr>
-          <p:cNvPr id="176" name="394 Conector angular"/>
-          <p:cNvCxnSpPr>
-            <a:stCxn id="409" idx="0"/>
-            <a:endCxn id="380" idx="2"/>
-          </p:cNvCxnSpPr>
-          <p:nvPr/>
-        </p:nvCxnSpPr>
-        <p:spPr>
-          <a:xfrm rot="5400000" flipH="1" flipV="1">
-            <a:off x="11698594" y="6172506"/>
-            <a:ext cx="334578" cy="1218423"/>
-          </a:xfrm>
-          <a:prstGeom prst="bentConnector3">
-            <a:avLst>
-              <a:gd name="adj1" fmla="val 50000"/>
-            </a:avLst>
-          </a:prstGeom>
-          <a:ln w="12700">
-            <a:solidFill>
-              <a:schemeClr val="tx1"/>
-            </a:solidFill>
-          </a:ln>
-        </p:spPr>
-        <p:style>
-          <a:lnRef idx="1">
-            <a:schemeClr val="accent1"/>
-          </a:lnRef>
-          <a:fillRef idx="0">
-            <a:schemeClr val="accent1"/>
-          </a:fillRef>
-          <a:effectRef idx="0">
-            <a:schemeClr val="accent1"/>
-          </a:effectRef>
-          <a:fontRef idx="minor">
-            <a:schemeClr val="tx1"/>
-          </a:fontRef>
-        </p:style>
-      </p:cxnSp>
-      <p:cxnSp>
-        <p:nvCxnSpPr>
-          <p:cNvPr id="180" name="394 Conector angular"/>
-          <p:cNvCxnSpPr>
-            <a:endCxn id="411" idx="0"/>
-          </p:cNvCxnSpPr>
-          <p:nvPr/>
-        </p:nvCxnSpPr>
-        <p:spPr>
-          <a:xfrm>
-            <a:off x="12475095" y="6778871"/>
-            <a:ext cx="424762" cy="170135"/>
-          </a:xfrm>
-          <a:prstGeom prst="bentConnector2">
-            <a:avLst/>
-          </a:prstGeom>
-          <a:ln w="12700">
-            <a:solidFill>
-              <a:schemeClr val="tx1"/>
-            </a:solidFill>
-          </a:ln>
-        </p:spPr>
-        <p:style>
-          <a:lnRef idx="1">
-            <a:schemeClr val="accent1"/>
-          </a:lnRef>
-          <a:fillRef idx="0">
-            <a:schemeClr val="accent1"/>
-          </a:fillRef>
-          <a:effectRef idx="0">
-            <a:schemeClr val="accent1"/>
-          </a:effectRef>
-          <a:fontRef idx="minor">
-            <a:schemeClr val="tx1"/>
-          </a:fontRef>
-        </p:style>
-      </p:cxnSp>
-      <p:sp>
-        <p:nvSpPr>
-          <p:cNvPr id="190" name="Rectángulo 35"/>
-          <p:cNvSpPr/>
-          <p:nvPr/>
-        </p:nvSpPr>
-        <p:spPr>
-          <a:xfrm>
-            <a:off x="918526" y="7168551"/>
-            <a:ext cx="1095738" cy="278305"/>
-          </a:xfrm>
-          <a:prstGeom prst="rect">
-            <a:avLst/>
-          </a:prstGeom>
-          <a:ln>
-            <a:noFill/>
-          </a:ln>
-        </p:spPr>
-        <p:style>
-          <a:lnRef idx="2">
-            <a:schemeClr val="dk1"/>
-          </a:lnRef>
-          <a:fillRef idx="1">
-            <a:schemeClr val="lt1"/>
-          </a:fillRef>
-          <a:effectRef idx="0">
-            <a:schemeClr val="dk1"/>
-          </a:effectRef>
-          <a:fontRef idx="minor">
-            <a:schemeClr val="dk1"/>
-          </a:fontRef>
-        </p:style>
-        <p:txBody>
-          <a:bodyPr lIns="105683" tIns="52841" rIns="105683" bIns="52841" rtlCol="0" anchor="ctr"/>
-          <a:lstStyle/>
-          <a:p>
-            <a:pPr algn="ctr"/>
-            <a:r>
-              <a:rPr lang="es-CO" sz="900" dirty="0" smtClean="0">
-                <a:solidFill>
-                  <a:schemeClr val="tx1"/>
-                </a:solidFill>
-                <a:latin typeface="Arial" panose="020B0604020202020204" pitchFamily="34" charset="0"/>
-                <a:cs typeface="Arial" panose="020B0604020202020204" pitchFamily="34" charset="0"/>
-              </a:rPr>
-              <a:t>elementos   </a:t>
-            </a:r>
-            <a:endParaRPr lang="es-CO" sz="900" dirty="0">
-              <a:solidFill>
-                <a:schemeClr val="tx1"/>
-              </a:solidFill>
-              <a:latin typeface="Arial" panose="020B0604020202020204" pitchFamily="34" charset="0"/>
-              <a:cs typeface="Arial" panose="020B0604020202020204" pitchFamily="34" charset="0"/>
-            </a:endParaRPr>
-          </a:p>
-        </p:txBody>
-      </p:sp>
-      <p:cxnSp>
-        <p:nvCxnSpPr>
-          <p:cNvPr id="194" name="394 Conector angular"/>
-          <p:cNvCxnSpPr/>
-          <p:nvPr/>
-        </p:nvCxnSpPr>
-        <p:spPr>
-          <a:xfrm rot="5400000" flipH="1" flipV="1">
-            <a:off x="1916335" y="6449526"/>
-            <a:ext cx="334578" cy="1054593"/>
-          </a:xfrm>
-          <a:prstGeom prst="bentConnector3">
-            <a:avLst>
-              <a:gd name="adj1" fmla="val 50000"/>
-            </a:avLst>
-          </a:prstGeom>
-          <a:ln w="12700">
-            <a:solidFill>
-              <a:schemeClr val="tx1"/>
-            </a:solidFill>
-          </a:ln>
-        </p:spPr>
-        <p:style>
-          <a:lnRef idx="1">
-            <a:schemeClr val="accent1"/>
-          </a:lnRef>
-          <a:fillRef idx="0">
-            <a:schemeClr val="accent1"/>
-          </a:fillRef>
-          <a:effectRef idx="0">
-            <a:schemeClr val="accent1"/>
-          </a:effectRef>
-          <a:fontRef idx="minor">
-            <a:schemeClr val="tx1"/>
-          </a:fontRef>
-        </p:style>
-      </p:cxnSp>
-      <p:sp>
-        <p:nvSpPr>
-          <p:cNvPr id="199" name="Rectángulo 33"/>
-          <p:cNvSpPr/>
-          <p:nvPr/>
-        </p:nvSpPr>
-        <p:spPr>
-          <a:xfrm>
-            <a:off x="319783" y="7696368"/>
-            <a:ext cx="1405345" cy="1089775"/>
-          </a:xfrm>
-          <a:prstGeom prst="rect">
-            <a:avLst/>
-          </a:prstGeom>
-          <a:solidFill>
-            <a:schemeClr val="bg1"/>
-          </a:solidFill>
-        </p:spPr>
-        <p:style>
-          <a:lnRef idx="2">
-            <a:schemeClr val="dk1"/>
-          </a:lnRef>
-          <a:fillRef idx="1">
-            <a:schemeClr val="lt1"/>
-          </a:fillRef>
-          <a:effectRef idx="0">
-            <a:schemeClr val="dk1"/>
-          </a:effectRef>
-          <a:fontRef idx="minor">
-            <a:schemeClr val="dk1"/>
-          </a:fontRef>
-        </p:style>
-        <p:txBody>
-          <a:bodyPr lIns="105683" tIns="52841" rIns="105683" bIns="52841" rtlCol="0" anchor="ctr"/>
-          <a:lstStyle/>
-          <a:p>
-            <a:pPr marL="171450" indent="-171450">
-              <a:buFont typeface="Arial" panose="020B0604020202020204" pitchFamily="34" charset="0"/>
-              <a:buChar char="•"/>
-            </a:pPr>
-            <a:r>
-              <a:rPr lang="es-CO" sz="900" dirty="0">
-                <a:solidFill>
-                  <a:schemeClr val="tx1"/>
-                </a:solidFill>
-                <a:latin typeface="Arial" panose="020B0604020202020204" pitchFamily="34" charset="0"/>
-                <a:cs typeface="Arial" panose="020B0604020202020204" pitchFamily="34" charset="0"/>
-              </a:rPr>
-              <a:t>v</a:t>
-            </a:r>
-            <a:r>
-              <a:rPr lang="es-CO" sz="900" dirty="0" smtClean="0">
-                <a:solidFill>
-                  <a:schemeClr val="tx1"/>
-                </a:solidFill>
-                <a:latin typeface="Arial" panose="020B0604020202020204" pitchFamily="34" charset="0"/>
-                <a:cs typeface="Arial" panose="020B0604020202020204" pitchFamily="34" charset="0"/>
-              </a:rPr>
-              <a:t>értice</a:t>
-            </a:r>
-          </a:p>
-          <a:p>
-            <a:pPr marL="171450" indent="-171450">
-              <a:buFont typeface="Arial" panose="020B0604020202020204" pitchFamily="34" charset="0"/>
-              <a:buChar char="•"/>
-            </a:pPr>
-            <a:r>
-              <a:rPr lang="es-CO" sz="900" dirty="0">
-                <a:solidFill>
-                  <a:schemeClr val="tx1"/>
-                </a:solidFill>
-                <a:latin typeface="Arial" panose="020B0604020202020204" pitchFamily="34" charset="0"/>
-                <a:cs typeface="Arial" panose="020B0604020202020204" pitchFamily="34" charset="0"/>
-              </a:rPr>
-              <a:t>e</a:t>
-            </a:r>
-            <a:r>
-              <a:rPr lang="es-CO" sz="900" dirty="0" smtClean="0">
-                <a:solidFill>
-                  <a:schemeClr val="tx1"/>
-                </a:solidFill>
-                <a:latin typeface="Arial" panose="020B0604020202020204" pitchFamily="34" charset="0"/>
-                <a:cs typeface="Arial" panose="020B0604020202020204" pitchFamily="34" charset="0"/>
-              </a:rPr>
-              <a:t>je de simetría</a:t>
-            </a:r>
-          </a:p>
-          <a:p>
-            <a:pPr marL="171450" indent="-171450">
-              <a:buFont typeface="Arial" panose="020B0604020202020204" pitchFamily="34" charset="0"/>
-              <a:buChar char="•"/>
-            </a:pPr>
-            <a:r>
-              <a:rPr lang="es-CO" sz="900" dirty="0">
-                <a:solidFill>
-                  <a:schemeClr val="tx1"/>
-                </a:solidFill>
-                <a:latin typeface="Arial" panose="020B0604020202020204" pitchFamily="34" charset="0"/>
-                <a:cs typeface="Arial" panose="020B0604020202020204" pitchFamily="34" charset="0"/>
-              </a:rPr>
-              <a:t>p</a:t>
-            </a:r>
-            <a:r>
-              <a:rPr lang="es-CO" sz="900" dirty="0" smtClean="0">
-                <a:solidFill>
-                  <a:schemeClr val="tx1"/>
-                </a:solidFill>
-                <a:latin typeface="Arial" panose="020B0604020202020204" pitchFamily="34" charset="0"/>
-                <a:cs typeface="Arial" panose="020B0604020202020204" pitchFamily="34" charset="0"/>
-              </a:rPr>
-              <a:t>untos de corte con los ejes</a:t>
-            </a:r>
-          </a:p>
-          <a:p>
-            <a:pPr marL="171450" indent="-171450">
-              <a:buFont typeface="Arial" panose="020B0604020202020204" pitchFamily="34" charset="0"/>
-              <a:buChar char="•"/>
-            </a:pPr>
-            <a:r>
-              <a:rPr lang="es-CO" sz="900" dirty="0">
-                <a:solidFill>
-                  <a:schemeClr val="tx1"/>
-                </a:solidFill>
-                <a:latin typeface="Arial" panose="020B0604020202020204" pitchFamily="34" charset="0"/>
-                <a:cs typeface="Arial" panose="020B0604020202020204" pitchFamily="34" charset="0"/>
-              </a:rPr>
-              <a:t>d</a:t>
-            </a:r>
-            <a:r>
-              <a:rPr lang="es-CO" sz="900" dirty="0" smtClean="0">
-                <a:solidFill>
-                  <a:schemeClr val="tx1"/>
-                </a:solidFill>
-                <a:latin typeface="Arial" panose="020B0604020202020204" pitchFamily="34" charset="0"/>
-                <a:cs typeface="Arial" panose="020B0604020202020204" pitchFamily="34" charset="0"/>
-              </a:rPr>
-              <a:t>irectriz</a:t>
-            </a:r>
-          </a:p>
-          <a:p>
-            <a:pPr marL="171450" indent="-171450">
-              <a:buFont typeface="Arial" panose="020B0604020202020204" pitchFamily="34" charset="0"/>
-              <a:buChar char="•"/>
-            </a:pPr>
-            <a:r>
-              <a:rPr lang="es-CO" sz="900" dirty="0">
-                <a:solidFill>
-                  <a:schemeClr val="tx1"/>
-                </a:solidFill>
-                <a:latin typeface="Arial" panose="020B0604020202020204" pitchFamily="34" charset="0"/>
-                <a:cs typeface="Arial" panose="020B0604020202020204" pitchFamily="34" charset="0"/>
-              </a:rPr>
-              <a:t>f</a:t>
-            </a:r>
-            <a:r>
-              <a:rPr lang="es-CO" sz="900" dirty="0" smtClean="0">
-                <a:solidFill>
-                  <a:schemeClr val="tx1"/>
-                </a:solidFill>
-                <a:latin typeface="Arial" panose="020B0604020202020204" pitchFamily="34" charset="0"/>
-                <a:cs typeface="Arial" panose="020B0604020202020204" pitchFamily="34" charset="0"/>
-              </a:rPr>
-              <a:t>oco</a:t>
-            </a:r>
-          </a:p>
-          <a:p>
-            <a:pPr algn="ctr"/>
-            <a:r>
-              <a:rPr lang="es-CO" sz="1050" dirty="0" smtClean="0">
-                <a:solidFill>
-                  <a:schemeClr val="tx1"/>
-                </a:solidFill>
-                <a:latin typeface="Arial" panose="020B0604020202020204" pitchFamily="34" charset="0"/>
-                <a:cs typeface="Arial" panose="020B0604020202020204" pitchFamily="34" charset="0"/>
-              </a:rPr>
-              <a:t> </a:t>
-            </a:r>
-            <a:endParaRPr lang="es-CO" sz="1050" dirty="0">
-              <a:solidFill>
-                <a:srgbClr val="FF0000"/>
-              </a:solidFill>
-              <a:latin typeface="Arial" panose="020B0604020202020204" pitchFamily="34" charset="0"/>
-              <a:cs typeface="Arial" panose="020B0604020202020204" pitchFamily="34" charset="0"/>
-            </a:endParaRPr>
-          </a:p>
-        </p:txBody>
-      </p:sp>
-      <p:cxnSp>
-        <p:nvCxnSpPr>
-          <p:cNvPr id="200" name="180 Conector recto"/>
-          <p:cNvCxnSpPr>
-            <a:stCxn id="190" idx="2"/>
-          </p:cNvCxnSpPr>
-          <p:nvPr/>
-        </p:nvCxnSpPr>
-        <p:spPr>
-          <a:xfrm>
-            <a:off x="1466395" y="7446856"/>
-            <a:ext cx="0" cy="249512"/>
-          </a:xfrm>
-          <a:prstGeom prst="line">
-            <a:avLst/>
-          </a:prstGeom>
-          <a:ln w="12700">
-            <a:solidFill>
-              <a:schemeClr val="tx1"/>
-            </a:solidFill>
-          </a:ln>
-        </p:spPr>
-        <p:style>
-          <a:lnRef idx="1">
-            <a:schemeClr val="accent1"/>
-          </a:lnRef>
-          <a:fillRef idx="0">
-            <a:schemeClr val="accent1"/>
-          </a:fillRef>
-          <a:effectRef idx="0">
-            <a:schemeClr val="accent1"/>
-          </a:effectRef>
-          <a:fontRef idx="minor">
-            <a:schemeClr val="tx1"/>
-          </a:fontRef>
-        </p:style>
-      </p:cxnSp>
-      <p:cxnSp>
-        <p:nvCxnSpPr>
-          <p:cNvPr id="206" name="394 Conector angular"/>
-          <p:cNvCxnSpPr/>
-          <p:nvPr/>
-        </p:nvCxnSpPr>
-        <p:spPr>
-          <a:xfrm>
-            <a:off x="2581513" y="6971296"/>
-            <a:ext cx="424762" cy="170135"/>
-          </a:xfrm>
-          <a:prstGeom prst="bentConnector2">
-            <a:avLst/>
-          </a:prstGeom>
-          <a:ln w="12700">
-            <a:solidFill>
-              <a:schemeClr val="tx1"/>
-            </a:solidFill>
-          </a:ln>
-        </p:spPr>
-        <p:style>
-          <a:lnRef idx="1">
-            <a:schemeClr val="accent1"/>
-          </a:lnRef>
-          <a:fillRef idx="0">
-            <a:schemeClr val="accent1"/>
-          </a:fillRef>
-          <a:effectRef idx="0">
-            <a:schemeClr val="accent1"/>
-          </a:effectRef>
-          <a:fontRef idx="minor">
-            <a:schemeClr val="tx1"/>
-          </a:fontRef>
-        </p:style>
-      </p:cxnSp>
-      <p:sp>
-        <p:nvSpPr>
-          <p:cNvPr id="207" name="Rectángulo 33"/>
-          <p:cNvSpPr/>
-          <p:nvPr/>
-        </p:nvSpPr>
-        <p:spPr>
-          <a:xfrm>
-            <a:off x="2301699" y="7161616"/>
-            <a:ext cx="1349517" cy="462705"/>
-          </a:xfrm>
-          <a:prstGeom prst="rect">
-            <a:avLst/>
-          </a:prstGeom>
-          <a:solidFill>
-            <a:schemeClr val="bg1"/>
-          </a:solidFill>
-        </p:spPr>
-        <p:style>
-          <a:lnRef idx="2">
-            <a:schemeClr val="dk1"/>
-          </a:lnRef>
-          <a:fillRef idx="1">
-            <a:schemeClr val="lt1"/>
-          </a:fillRef>
-          <a:effectRef idx="0">
-            <a:schemeClr val="dk1"/>
-          </a:effectRef>
-          <a:fontRef idx="minor">
-            <a:schemeClr val="dk1"/>
-          </a:fontRef>
-        </p:style>
-        <p:txBody>
-          <a:bodyPr lIns="105683" tIns="52841" rIns="105683" bIns="52841" rtlCol="0" anchor="ctr"/>
-          <a:lstStyle/>
-          <a:p>
-            <a:r>
-              <a:rPr lang="es-CO" sz="900" dirty="0" smtClean="0">
-                <a:solidFill>
-                  <a:schemeClr val="tx1"/>
-                </a:solidFill>
-                <a:latin typeface="Arial" panose="020B0604020202020204" pitchFamily="34" charset="0"/>
-                <a:cs typeface="Arial" panose="020B0604020202020204" pitchFamily="34" charset="0"/>
-              </a:rPr>
-              <a:t> </a:t>
-            </a:r>
-          </a:p>
-          <a:p>
-            <a:pPr algn="ctr"/>
-            <a:r>
-              <a:rPr lang="es-CO" sz="900" dirty="0">
-                <a:solidFill>
-                  <a:schemeClr val="tx1"/>
-                </a:solidFill>
-                <a:latin typeface="Arial" panose="020B0604020202020204" pitchFamily="34" charset="0"/>
-                <a:cs typeface="Arial" panose="020B0604020202020204" pitchFamily="34" charset="0"/>
-              </a:rPr>
-              <a:t>t</a:t>
-            </a:r>
-            <a:r>
-              <a:rPr lang="es-CO" sz="900" dirty="0" smtClean="0">
-                <a:solidFill>
-                  <a:schemeClr val="tx1"/>
-                </a:solidFill>
-                <a:latin typeface="Arial" panose="020B0604020202020204" pitchFamily="34" charset="0"/>
-                <a:cs typeface="Arial" panose="020B0604020202020204" pitchFamily="34" charset="0"/>
-              </a:rPr>
-              <a:t>raslaciones a partir de </a:t>
-            </a:r>
-          </a:p>
-          <a:p>
-            <a:pPr algn="ctr"/>
-            <a:endParaRPr lang="es-CO" sz="900" dirty="0" smtClean="0">
-              <a:solidFill>
-                <a:schemeClr val="tx1"/>
-              </a:solidFill>
-              <a:latin typeface="Arial" panose="020B0604020202020204" pitchFamily="34" charset="0"/>
-              <a:cs typeface="Arial" panose="020B0604020202020204" pitchFamily="34" charset="0"/>
-            </a:endParaRPr>
-          </a:p>
-          <a:p>
-            <a:pPr algn="ctr"/>
-            <a:r>
-              <a:rPr lang="es-CO" sz="900" dirty="0" smtClean="0">
-                <a:solidFill>
-                  <a:schemeClr val="tx1"/>
-                </a:solidFill>
-                <a:latin typeface="Arial" panose="020B0604020202020204" pitchFamily="34" charset="0"/>
-                <a:cs typeface="Arial" panose="020B0604020202020204" pitchFamily="34" charset="0"/>
-              </a:rPr>
-              <a:t> </a:t>
-            </a:r>
-            <a:endParaRPr lang="es-CO" sz="900" dirty="0">
-              <a:solidFill>
-                <a:srgbClr val="FF0000"/>
-              </a:solidFill>
-              <a:latin typeface="Arial" panose="020B0604020202020204" pitchFamily="34" charset="0"/>
-              <a:cs typeface="Arial" panose="020B0604020202020204" pitchFamily="34" charset="0"/>
-            </a:endParaRPr>
-          </a:p>
-        </p:txBody>
-      </p:sp>
-      <p:sp>
-        <p:nvSpPr>
-          <p:cNvPr id="208" name="Rectángulo 161"/>
-          <p:cNvSpPr/>
-          <p:nvPr/>
-        </p:nvSpPr>
-        <p:spPr>
-          <a:xfrm>
-            <a:off x="2414312" y="7837300"/>
-            <a:ext cx="1126699" cy="216837"/>
-          </a:xfrm>
-          <a:prstGeom prst="rect">
-            <a:avLst/>
-          </a:prstGeom>
-          <a:ln>
-            <a:noFill/>
-          </a:ln>
-        </p:spPr>
-        <p:style>
-          <a:lnRef idx="2">
-            <a:schemeClr val="dk1"/>
-          </a:lnRef>
-          <a:fillRef idx="1">
-            <a:schemeClr val="lt1"/>
-          </a:fillRef>
-          <a:effectRef idx="0">
-            <a:schemeClr val="dk1"/>
-          </a:effectRef>
-          <a:fontRef idx="minor">
-            <a:schemeClr val="dk1"/>
-          </a:fontRef>
-        </p:style>
-        <p:txBody>
-          <a:bodyPr lIns="105683" tIns="52841" rIns="105683" bIns="52841" rtlCol="0" anchor="ctr"/>
-          <a:lstStyle/>
-          <a:p>
-            <a:pPr algn="ctr"/>
-            <a:r>
-              <a:rPr lang="es-CO" sz="900" dirty="0" smtClean="0">
-                <a:solidFill>
-                  <a:schemeClr val="tx1"/>
-                </a:solidFill>
-                <a:latin typeface="Arial" panose="020B0604020202020204" pitchFamily="34" charset="0"/>
-                <a:cs typeface="Arial" panose="020B0604020202020204" pitchFamily="34" charset="0"/>
-              </a:rPr>
-              <a:t>como</a:t>
-            </a:r>
-          </a:p>
-        </p:txBody>
-      </p:sp>
-      <p:cxnSp>
-        <p:nvCxnSpPr>
-          <p:cNvPr id="209" name="218 Conector recto"/>
-          <p:cNvCxnSpPr/>
-          <p:nvPr/>
-        </p:nvCxnSpPr>
-        <p:spPr>
-          <a:xfrm>
-            <a:off x="2973288" y="7649028"/>
-            <a:ext cx="3169" cy="140082"/>
-          </a:xfrm>
-          <a:prstGeom prst="line">
-            <a:avLst/>
-          </a:prstGeom>
-          <a:ln w="12700">
-            <a:solidFill>
-              <a:schemeClr val="tx1"/>
-            </a:solidFill>
-          </a:ln>
-        </p:spPr>
-        <p:style>
-          <a:lnRef idx="1">
-            <a:schemeClr val="accent1"/>
-          </a:lnRef>
-          <a:fillRef idx="0">
-            <a:schemeClr val="accent1"/>
-          </a:fillRef>
-          <a:effectRef idx="0">
-            <a:schemeClr val="accent1"/>
-          </a:effectRef>
-          <a:fontRef idx="minor">
-            <a:schemeClr val="tx1"/>
-          </a:fontRef>
-        </p:style>
-      </p:cxnSp>
-      <p:sp>
-        <p:nvSpPr>
-          <p:cNvPr id="210" name="Rectángulo 33"/>
-          <p:cNvSpPr/>
-          <p:nvPr/>
-        </p:nvSpPr>
-        <p:spPr>
-          <a:xfrm>
-            <a:off x="1988695" y="8714716"/>
-            <a:ext cx="984594" cy="397129"/>
-          </a:xfrm>
-          <a:prstGeom prst="rect">
-            <a:avLst/>
-          </a:prstGeom>
-          <a:solidFill>
-            <a:schemeClr val="bg1"/>
-          </a:solidFill>
-        </p:spPr>
-        <p:style>
-          <a:lnRef idx="2">
-            <a:schemeClr val="dk1"/>
-          </a:lnRef>
-          <a:fillRef idx="1">
-            <a:schemeClr val="lt1"/>
-          </a:fillRef>
-          <a:effectRef idx="0">
-            <a:schemeClr val="dk1"/>
-          </a:effectRef>
-          <a:fontRef idx="minor">
-            <a:schemeClr val="dk1"/>
-          </a:fontRef>
-        </p:style>
-        <p:txBody>
-          <a:bodyPr lIns="105683" tIns="52841" rIns="105683" bIns="52841" rtlCol="0" anchor="ctr"/>
-          <a:lstStyle/>
-          <a:p>
-            <a:pPr algn="ctr"/>
-            <a:r>
-              <a:rPr lang="es-CO" sz="900" dirty="0" smtClean="0">
-                <a:solidFill>
-                  <a:schemeClr val="tx1"/>
-                </a:solidFill>
-                <a:latin typeface="Arial" panose="020B0604020202020204" pitchFamily="34" charset="0"/>
-                <a:cs typeface="Arial" panose="020B0604020202020204" pitchFamily="34" charset="0"/>
-              </a:rPr>
-              <a:t> vertical</a:t>
-            </a:r>
-          </a:p>
-          <a:p>
-            <a:pPr algn="ctr"/>
-            <a:r>
-              <a:rPr lang="es-CO" sz="900" dirty="0" smtClean="0">
-                <a:solidFill>
-                  <a:schemeClr val="tx1"/>
-                </a:solidFill>
-                <a:latin typeface="Arial" panose="020B0604020202020204" pitchFamily="34" charset="0"/>
-                <a:cs typeface="Arial" panose="020B0604020202020204" pitchFamily="34" charset="0"/>
-              </a:rPr>
-              <a:t> </a:t>
-            </a:r>
-            <a:endParaRPr lang="es-CO" sz="900" dirty="0">
-              <a:solidFill>
-                <a:srgbClr val="FF0000"/>
-              </a:solidFill>
-              <a:latin typeface="Arial" panose="020B0604020202020204" pitchFamily="34" charset="0"/>
-              <a:cs typeface="Arial" panose="020B0604020202020204" pitchFamily="34" charset="0"/>
-            </a:endParaRPr>
-          </a:p>
-        </p:txBody>
-      </p:sp>
-      <p:sp>
-        <p:nvSpPr>
-          <p:cNvPr id="211" name="Rectángulo 33"/>
-          <p:cNvSpPr/>
-          <p:nvPr/>
-        </p:nvSpPr>
-        <p:spPr>
-          <a:xfrm>
-            <a:off x="3087748" y="8714716"/>
-            <a:ext cx="984594" cy="397129"/>
-          </a:xfrm>
-          <a:prstGeom prst="rect">
-            <a:avLst/>
-          </a:prstGeom>
-          <a:solidFill>
-            <a:schemeClr val="bg1"/>
-          </a:solidFill>
-        </p:spPr>
-        <p:style>
-          <a:lnRef idx="2">
-            <a:schemeClr val="dk1"/>
-          </a:lnRef>
-          <a:fillRef idx="1">
-            <a:schemeClr val="lt1"/>
-          </a:fillRef>
-          <a:effectRef idx="0">
-            <a:schemeClr val="dk1"/>
-          </a:effectRef>
-          <a:fontRef idx="minor">
-            <a:schemeClr val="dk1"/>
-          </a:fontRef>
-        </p:style>
-        <p:txBody>
-          <a:bodyPr lIns="105683" tIns="52841" rIns="105683" bIns="52841" rtlCol="0" anchor="ctr"/>
-          <a:lstStyle/>
-          <a:p>
-            <a:pPr algn="ctr"/>
-            <a:r>
-              <a:rPr lang="es-CO" sz="900" dirty="0" smtClean="0">
-                <a:solidFill>
-                  <a:schemeClr val="tx1"/>
-                </a:solidFill>
-                <a:latin typeface="Arial" panose="020B0604020202020204" pitchFamily="34" charset="0"/>
-                <a:cs typeface="Arial" panose="020B0604020202020204" pitchFamily="34" charset="0"/>
-              </a:rPr>
-              <a:t> horizontal</a:t>
-            </a:r>
-          </a:p>
-          <a:p>
-            <a:pPr algn="ctr"/>
-            <a:endParaRPr lang="es-CO" sz="900" dirty="0">
-              <a:solidFill>
-                <a:srgbClr val="FF0000"/>
-              </a:solidFill>
-              <a:latin typeface="Arial" panose="020B0604020202020204" pitchFamily="34" charset="0"/>
-              <a:cs typeface="Arial" panose="020B0604020202020204" pitchFamily="34" charset="0"/>
-            </a:endParaRPr>
-          </a:p>
-        </p:txBody>
-      </p:sp>
-      <p:sp>
-        <p:nvSpPr>
-          <p:cNvPr id="213" name="Rectángulo 33"/>
-          <p:cNvSpPr/>
-          <p:nvPr/>
-        </p:nvSpPr>
-        <p:spPr>
-          <a:xfrm>
-            <a:off x="4147086" y="8714716"/>
-            <a:ext cx="984594" cy="397129"/>
-          </a:xfrm>
-          <a:prstGeom prst="rect">
-            <a:avLst/>
-          </a:prstGeom>
-          <a:solidFill>
-            <a:schemeClr val="bg1"/>
-          </a:solidFill>
-        </p:spPr>
-        <p:style>
-          <a:lnRef idx="2">
-            <a:schemeClr val="dk1"/>
-          </a:lnRef>
-          <a:fillRef idx="1">
-            <a:schemeClr val="lt1"/>
-          </a:fillRef>
-          <a:effectRef idx="0">
-            <a:schemeClr val="dk1"/>
-          </a:effectRef>
-          <a:fontRef idx="minor">
-            <a:schemeClr val="dk1"/>
-          </a:fontRef>
-        </p:style>
-        <p:txBody>
-          <a:bodyPr lIns="105683" tIns="52841" rIns="105683" bIns="52841" rtlCol="0" anchor="ctr"/>
-          <a:lstStyle/>
-          <a:p>
-            <a:pPr algn="ctr"/>
-            <a:r>
-              <a:rPr lang="es-CO" sz="900" dirty="0" smtClean="0">
-                <a:solidFill>
-                  <a:schemeClr val="tx1"/>
-                </a:solidFill>
-                <a:latin typeface="Arial" panose="020B0604020202020204" pitchFamily="34" charset="0"/>
-                <a:cs typeface="Arial" panose="020B0604020202020204" pitchFamily="34" charset="0"/>
-              </a:rPr>
-              <a:t>oblicua</a:t>
-            </a:r>
-          </a:p>
-          <a:p>
-            <a:pPr algn="ctr"/>
-            <a:r>
-              <a:rPr lang="es-CO" sz="900" dirty="0" smtClean="0">
-                <a:solidFill>
-                  <a:schemeClr val="tx1"/>
-                </a:solidFill>
-                <a:latin typeface="Arial" panose="020B0604020202020204" pitchFamily="34" charset="0"/>
-                <a:cs typeface="Arial" panose="020B0604020202020204" pitchFamily="34" charset="0"/>
-              </a:rPr>
-              <a:t> </a:t>
-            </a:r>
-            <a:endParaRPr lang="es-CO" sz="900" dirty="0">
-              <a:solidFill>
-                <a:srgbClr val="FF0000"/>
-              </a:solidFill>
-              <a:latin typeface="Arial" panose="020B0604020202020204" pitchFamily="34" charset="0"/>
-              <a:cs typeface="Arial" panose="020B0604020202020204" pitchFamily="34" charset="0"/>
-            </a:endParaRPr>
-          </a:p>
-        </p:txBody>
-      </p:sp>
-      <p:cxnSp>
-        <p:nvCxnSpPr>
-          <p:cNvPr id="214" name="394 Conector angular"/>
-          <p:cNvCxnSpPr>
-            <a:stCxn id="210" idx="0"/>
-          </p:cNvCxnSpPr>
-          <p:nvPr/>
-        </p:nvCxnSpPr>
-        <p:spPr>
-          <a:xfrm rot="5400000" flipH="1" flipV="1">
-            <a:off x="2402131" y="8131127"/>
-            <a:ext cx="662451" cy="504728"/>
-          </a:xfrm>
-          <a:prstGeom prst="bentConnector3">
-            <a:avLst>
-              <a:gd name="adj1" fmla="val 50000"/>
-            </a:avLst>
-          </a:prstGeom>
-          <a:ln w="12700">
-            <a:solidFill>
-              <a:schemeClr val="tx1"/>
-            </a:solidFill>
-          </a:ln>
-        </p:spPr>
-        <p:style>
-          <a:lnRef idx="1">
-            <a:schemeClr val="accent1"/>
-          </a:lnRef>
-          <a:fillRef idx="0">
-            <a:schemeClr val="accent1"/>
-          </a:fillRef>
-          <a:effectRef idx="0">
-            <a:schemeClr val="accent1"/>
-          </a:effectRef>
-          <a:fontRef idx="minor">
-            <a:schemeClr val="tx1"/>
-          </a:fontRef>
-        </p:style>
-      </p:cxnSp>
-      <p:cxnSp>
-        <p:nvCxnSpPr>
-          <p:cNvPr id="216" name="394 Conector angular"/>
-          <p:cNvCxnSpPr>
-            <a:stCxn id="211" idx="0"/>
-          </p:cNvCxnSpPr>
-          <p:nvPr/>
-        </p:nvCxnSpPr>
-        <p:spPr>
-          <a:xfrm rot="16200000" flipV="1">
-            <a:off x="3115595" y="8250266"/>
-            <a:ext cx="334576" cy="594324"/>
-          </a:xfrm>
-          <a:prstGeom prst="bentConnector2">
-            <a:avLst/>
-          </a:prstGeom>
-          <a:ln w="12700">
-            <a:solidFill>
-              <a:schemeClr val="tx1"/>
-            </a:solidFill>
-          </a:ln>
-        </p:spPr>
-        <p:style>
-          <a:lnRef idx="1">
-            <a:schemeClr val="accent1"/>
-          </a:lnRef>
-          <a:fillRef idx="0">
-            <a:schemeClr val="accent1"/>
-          </a:fillRef>
-          <a:effectRef idx="0">
-            <a:schemeClr val="accent1"/>
-          </a:effectRef>
-          <a:fontRef idx="minor">
-            <a:schemeClr val="tx1"/>
-          </a:fontRef>
-        </p:style>
-      </p:cxnSp>
-      <p:cxnSp>
-        <p:nvCxnSpPr>
-          <p:cNvPr id="218" name="394 Conector angular"/>
-          <p:cNvCxnSpPr>
-            <a:stCxn id="213" idx="0"/>
-          </p:cNvCxnSpPr>
-          <p:nvPr/>
-        </p:nvCxnSpPr>
-        <p:spPr>
-          <a:xfrm rot="16200000" flipV="1">
-            <a:off x="3935554" y="8010887"/>
-            <a:ext cx="332088" cy="1075570"/>
-          </a:xfrm>
-          <a:prstGeom prst="bentConnector2">
-            <a:avLst/>
-          </a:prstGeom>
-          <a:ln w="12700">
-            <a:solidFill>
-              <a:schemeClr val="tx1"/>
-            </a:solidFill>
-          </a:ln>
-        </p:spPr>
-        <p:style>
-          <a:lnRef idx="1">
-            <a:schemeClr val="accent1"/>
-          </a:lnRef>
-          <a:fillRef idx="0">
-            <a:schemeClr val="accent1"/>
-          </a:fillRef>
-          <a:effectRef idx="0">
-            <a:schemeClr val="accent1"/>
-          </a:effectRef>
-          <a:fontRef idx="minor">
-            <a:schemeClr val="tx1"/>
-          </a:fontRef>
-        </p:style>
-      </p:cxnSp>
-      <p:pic>
-        <p:nvPicPr>
-          <p:cNvPr id="1026" name="Picture 2" descr="https://latex.codecogs.com/png.latex?%5Cdpi%7B200%7D%20%5Cfn_jvn%20%5CLARGE%20-%5Cfrac%7Bc%7D%7Ba%7D%5Cgeq%200"/>
-          <p:cNvPicPr>
-            <a:picLocks noChangeAspect="1" noChangeArrowheads="1"/>
-          </p:cNvPicPr>
-          <p:nvPr/>
-        </p:nvPicPr>
-        <p:blipFill>
-          <a:blip r:embed="rId3" cstate="print">
-            <a:extLst>
-              <a:ext uri="{28A0092B-C50C-407E-A947-70E740481C1C}">
-                <a14:useLocalDpi xmlns:a14="http://schemas.microsoft.com/office/drawing/2010/main" val="0"/>
-              </a:ext>
-            </a:extLst>
-          </a:blip>
-          <a:srcRect/>
-          <a:stretch>
-            <a:fillRect/>
-          </a:stretch>
-        </p:blipFill>
-        <p:spPr bwMode="auto">
-          <a:xfrm>
-            <a:off x="7130937" y="6751079"/>
-            <a:ext cx="590502" cy="343172"/>
-          </a:xfrm>
-          <a:prstGeom prst="rect">
-            <a:avLst/>
-          </a:prstGeom>
-          <a:noFill/>
-          <a:extLst>
-            <a:ext uri="{909E8E84-426E-40DD-AFC4-6F175D3DCCD1}">
-              <a14:hiddenFill xmlns:a14="http://schemas.microsoft.com/office/drawing/2010/main">
-                <a:solidFill>
-                  <a:srgbClr val="FFFFFF"/>
-                </a:solidFill>
-              </a14:hiddenFill>
-            </a:ext>
-          </a:extLst>
-        </p:spPr>
-      </p:pic>
-      <p:pic>
-        <p:nvPicPr>
-          <p:cNvPr id="65" name="Picture 4" descr="https://latex.codecogs.com/png.latex?%5Cdpi%7B200%7D%20%5Cfn_jvn%20%5CLARGE%20-%5Cfrac%7Bc%7D%7Ba%7D%3C%200"/>
-          <p:cNvPicPr>
-            <a:picLocks noChangeAspect="1" noChangeArrowheads="1"/>
-          </p:cNvPicPr>
-          <p:nvPr/>
-        </p:nvPicPr>
-        <p:blipFill>
-          <a:blip r:embed="rId4" cstate="print">
-            <a:extLst>
-              <a:ext uri="{28A0092B-C50C-407E-A947-70E740481C1C}">
-                <a14:useLocalDpi xmlns:a14="http://schemas.microsoft.com/office/drawing/2010/main" val="0"/>
-              </a:ext>
-            </a:extLst>
-          </a:blip>
-          <a:srcRect/>
-          <a:stretch>
-            <a:fillRect/>
-          </a:stretch>
-        </p:blipFill>
-        <p:spPr bwMode="auto">
-          <a:xfrm>
-            <a:off x="8265799" y="6752377"/>
-            <a:ext cx="636217" cy="371685"/>
-          </a:xfrm>
-          <a:prstGeom prst="rect">
-            <a:avLst/>
-          </a:prstGeom>
-          <a:noFill/>
-          <a:extLst>
-            <a:ext uri="{909E8E84-426E-40DD-AFC4-6F175D3DCCD1}">
-              <a14:hiddenFill xmlns:a14="http://schemas.microsoft.com/office/drawing/2010/main">
-                <a:solidFill>
-                  <a:srgbClr val="FFFFFF"/>
-                </a:solidFill>
-              </a14:hiddenFill>
-            </a:ext>
-          </a:extLst>
-        </p:spPr>
-      </p:pic>
-      <p:pic>
-        <p:nvPicPr>
-          <p:cNvPr id="1030" name="Picture 6" descr="https://latex.codecogs.com/png.latex?%5Cdpi%7B200%7D%20%5Cfn_jvn%20%5CLARGE%20x%3D%5Cfrac%7B-b%5Cpm%20%5Csqrt%7Bb%5E%7B2%7D-4ac%7D%7D%7B2a%7D"/>
-          <p:cNvPicPr>
-            <a:picLocks noChangeAspect="1" noChangeArrowheads="1"/>
-          </p:cNvPicPr>
-          <p:nvPr/>
-        </p:nvPicPr>
-        <p:blipFill>
-          <a:blip r:embed="rId5" cstate="print">
-            <a:extLst>
-              <a:ext uri="{28A0092B-C50C-407E-A947-70E740481C1C}">
-                <a14:useLocalDpi xmlns:a14="http://schemas.microsoft.com/office/drawing/2010/main" val="0"/>
-              </a:ext>
-            </a:extLst>
-          </a:blip>
-          <a:srcRect/>
-          <a:stretch>
-            <a:fillRect/>
-          </a:stretch>
-        </p:blipFill>
-        <p:spPr bwMode="auto">
-          <a:xfrm>
-            <a:off x="12421271" y="7094251"/>
-            <a:ext cx="907537" cy="216627"/>
-          </a:xfrm>
-          <a:prstGeom prst="rect">
-            <a:avLst/>
-          </a:prstGeom>
-          <a:noFill/>
-          <a:extLst>
-            <a:ext uri="{909E8E84-426E-40DD-AFC4-6F175D3DCCD1}">
-              <a14:hiddenFill xmlns:a14="http://schemas.microsoft.com/office/drawing/2010/main">
-                <a:solidFill>
-                  <a:srgbClr val="FFFFFF"/>
-                </a:solidFill>
-              </a14:hiddenFill>
-            </a:ext>
-          </a:extLst>
-        </p:spPr>
-      </p:pic>
-      <p:pic>
-        <p:nvPicPr>
-          <p:cNvPr id="1032" name="Picture 8" descr="https://latex.codecogs.com/png.latex?%5Cdpi%7B200%7D%20%5Cfn_jvn%20%5CLARGE%20x%3D-%5Cfrac%7Bb%7D%7Ba%7D"/>
-          <p:cNvPicPr>
-            <a:picLocks noChangeAspect="1" noChangeArrowheads="1"/>
-          </p:cNvPicPr>
-          <p:nvPr/>
-        </p:nvPicPr>
-        <p:blipFill>
-          <a:blip r:embed="rId6" cstate="print">
-            <a:extLst>
-              <a:ext uri="{28A0092B-C50C-407E-A947-70E740481C1C}">
-                <a14:useLocalDpi xmlns:a14="http://schemas.microsoft.com/office/drawing/2010/main" val="0"/>
-              </a:ext>
-            </a:extLst>
-          </a:blip>
-          <a:srcRect/>
-          <a:stretch>
-            <a:fillRect/>
-          </a:stretch>
-        </p:blipFill>
-        <p:spPr bwMode="auto">
-          <a:xfrm>
-            <a:off x="4861150" y="7723333"/>
-            <a:ext cx="390525" cy="240173"/>
-          </a:xfrm>
-          <a:prstGeom prst="rect">
-            <a:avLst/>
-          </a:prstGeom>
-          <a:noFill/>
-          <a:extLst>
-            <a:ext uri="{909E8E84-426E-40DD-AFC4-6F175D3DCCD1}">
-              <a14:hiddenFill xmlns:a14="http://schemas.microsoft.com/office/drawing/2010/main">
-                <a:solidFill>
-                  <a:srgbClr val="FFFFFF"/>
-                </a:solidFill>
-              </a14:hiddenFill>
-            </a:ext>
-          </a:extLst>
-        </p:spPr>
-      </p:pic>
-      <p:pic>
-        <p:nvPicPr>
-          <p:cNvPr id="66" name="Picture 10" descr="https://latex.codecogs.com/png.latex?%5Cdpi%7B200%7D%20%5Cfn_jvn%20%5CLARGE%20&amp;plus;%5Csqrt%7B-%5Cfrac%7Bc%7D%7Ba%7D%7D"/>
-          <p:cNvPicPr>
-            <a:picLocks noChangeAspect="1" noChangeArrowheads="1"/>
-          </p:cNvPicPr>
-          <p:nvPr/>
-        </p:nvPicPr>
-        <p:blipFill>
-          <a:blip r:embed="rId7" cstate="print">
-            <a:extLst>
-              <a:ext uri="{28A0092B-C50C-407E-A947-70E740481C1C}">
-                <a14:useLocalDpi xmlns:a14="http://schemas.microsoft.com/office/drawing/2010/main" val="0"/>
-              </a:ext>
-            </a:extLst>
-          </a:blip>
-          <a:srcRect/>
-          <a:stretch>
-            <a:fillRect/>
-          </a:stretch>
-        </p:blipFill>
-        <p:spPr bwMode="auto">
-          <a:xfrm>
-            <a:off x="5907403" y="8703169"/>
-            <a:ext cx="397779" cy="298872"/>
-          </a:xfrm>
-          <a:prstGeom prst="rect">
-            <a:avLst/>
-          </a:prstGeom>
-          <a:noFill/>
-          <a:extLst>
-            <a:ext uri="{909E8E84-426E-40DD-AFC4-6F175D3DCCD1}">
-              <a14:hiddenFill xmlns:a14="http://schemas.microsoft.com/office/drawing/2010/main">
-                <a:solidFill>
-                  <a:srgbClr val="FFFFFF"/>
-                </a:solidFill>
-              </a14:hiddenFill>
-            </a:ext>
-          </a:extLst>
-        </p:spPr>
-      </p:pic>
-      <p:pic>
-        <p:nvPicPr>
-          <p:cNvPr id="1036" name="Picture 12" descr="https://latex.codecogs.com/png.latex?%5Cdpi%7B200%7D%20%5Cfn_jvn%20%5CLARGE%20-%5Csqrt%7B-%5Cfrac%7Bc%7D%7Ba%7D%7D"/>
-          <p:cNvPicPr>
-            <a:picLocks noChangeAspect="1" noChangeArrowheads="1"/>
-          </p:cNvPicPr>
-          <p:nvPr/>
-        </p:nvPicPr>
-        <p:blipFill>
-          <a:blip r:embed="rId8" cstate="print">
-            <a:extLst>
-              <a:ext uri="{28A0092B-C50C-407E-A947-70E740481C1C}">
-                <a14:useLocalDpi xmlns:a14="http://schemas.microsoft.com/office/drawing/2010/main" val="0"/>
-              </a:ext>
-            </a:extLst>
-          </a:blip>
-          <a:srcRect/>
-          <a:stretch>
-            <a:fillRect/>
-          </a:stretch>
-        </p:blipFill>
-        <p:spPr bwMode="auto">
-          <a:xfrm>
-            <a:off x="8545663" y="8752861"/>
-            <a:ext cx="441325" cy="333392"/>
-          </a:xfrm>
-          <a:prstGeom prst="rect">
-            <a:avLst/>
-          </a:prstGeom>
-          <a:noFill/>
-          <a:extLst>
-            <a:ext uri="{909E8E84-426E-40DD-AFC4-6F175D3DCCD1}">
-              <a14:hiddenFill xmlns:a14="http://schemas.microsoft.com/office/drawing/2010/main">
-                <a:solidFill>
-                  <a:srgbClr val="FFFFFF"/>
-                </a:solidFill>
-              </a14:hiddenFill>
-            </a:ext>
-          </a:extLst>
-        </p:spPr>
-      </p:pic>
-      <p:pic>
-        <p:nvPicPr>
-          <p:cNvPr id="2" name="Imagen 1"/>
-          <p:cNvPicPr>
-            <a:picLocks noChangeAspect="1"/>
-          </p:cNvPicPr>
-          <p:nvPr/>
-        </p:nvPicPr>
-        <p:blipFill>
-          <a:blip r:embed="rId9" cstate="print">
+          <a:blip r:embed="rId2">
             <a:extLst>
               <a:ext uri="{28A0092B-C50C-407E-A947-70E740481C1C}">
                 <a14:useLocalDpi xmlns:a14="http://schemas.microsoft.com/office/drawing/2010/main" val="0"/>
@@ -9244,26 +6108,893 @@
             <a:fillRect/>
           </a:stretch>
         </p:blipFill>
-        <p:spPr>
-          <a:xfrm>
-            <a:off x="2740330" y="7455721"/>
-            <a:ext cx="439034" cy="165914"/>
+        <p:spPr bwMode="auto">
+          <a:xfrm>
+            <a:off x="9075950" y="3782787"/>
+            <a:ext cx="1341236" cy="475529"/>
           </a:xfrm>
           <a:prstGeom prst="rect">
             <a:avLst/>
           </a:prstGeom>
+          <a:noFill/>
+          <a:ln w="9525">
+            <a:noFill/>
+            <a:miter lim="800000"/>
+            <a:headEnd/>
+            <a:tailEnd/>
+          </a:ln>
+          <a:effectLst/>
         </p:spPr>
       </p:pic>
+      <p:sp>
+        <p:nvSpPr>
+          <p:cNvPr id="532" name="Rectángulo 161"/>
+          <p:cNvSpPr/>
+          <p:nvPr/>
+        </p:nvSpPr>
+        <p:spPr>
+          <a:xfrm>
+            <a:off x="9256275" y="3471448"/>
+            <a:ext cx="1003485" cy="167736"/>
+          </a:xfrm>
+          <a:prstGeom prst="rect">
+            <a:avLst/>
+          </a:prstGeom>
+          <a:ln>
+            <a:noFill/>
+          </a:ln>
+        </p:spPr>
+        <p:style>
+          <a:lnRef idx="2">
+            <a:schemeClr val="dk1"/>
+          </a:lnRef>
+          <a:fillRef idx="1">
+            <a:schemeClr val="lt1"/>
+          </a:fillRef>
+          <a:effectRef idx="0">
+            <a:schemeClr val="dk1"/>
+          </a:effectRef>
+          <a:fontRef idx="minor">
+            <a:schemeClr val="dk1"/>
+          </a:fontRef>
+        </p:style>
+        <p:txBody>
+          <a:bodyPr lIns="105683" tIns="52841" rIns="105683" bIns="52841" rtlCol="0" anchor="ctr"/>
+          <a:lstStyle/>
+          <a:p>
+            <a:pPr algn="ctr"/>
+            <a:r>
+              <a:rPr lang="es-CO" sz="900" dirty="0">
+                <a:solidFill>
+                  <a:schemeClr val="tx1"/>
+                </a:solidFill>
+                <a:cs typeface="Arial" pitchFamily="34" charset="0"/>
+              </a:rPr>
+              <a:t>ejemplo </a:t>
+            </a:r>
+          </a:p>
+        </p:txBody>
+      </p:sp>
+      <p:sp>
+        <p:nvSpPr>
+          <p:cNvPr id="533" name="Rectángulo 161"/>
+          <p:cNvSpPr/>
+          <p:nvPr/>
+        </p:nvSpPr>
+        <p:spPr>
+          <a:xfrm>
+            <a:off x="12375452" y="3471447"/>
+            <a:ext cx="1003485" cy="167736"/>
+          </a:xfrm>
+          <a:prstGeom prst="rect">
+            <a:avLst/>
+          </a:prstGeom>
+          <a:ln>
+            <a:noFill/>
+          </a:ln>
+        </p:spPr>
+        <p:style>
+          <a:lnRef idx="2">
+            <a:schemeClr val="dk1"/>
+          </a:lnRef>
+          <a:fillRef idx="1">
+            <a:schemeClr val="lt1"/>
+          </a:fillRef>
+          <a:effectRef idx="0">
+            <a:schemeClr val="dk1"/>
+          </a:effectRef>
+          <a:fontRef idx="minor">
+            <a:schemeClr val="dk1"/>
+          </a:fontRef>
+        </p:style>
+        <p:txBody>
+          <a:bodyPr lIns="105683" tIns="52841" rIns="105683" bIns="52841" rtlCol="0" anchor="ctr"/>
+          <a:lstStyle/>
+          <a:p>
+            <a:pPr algn="ctr"/>
+            <a:r>
+              <a:rPr lang="es-CO" sz="900" dirty="0">
+                <a:solidFill>
+                  <a:schemeClr val="tx1"/>
+                </a:solidFill>
+                <a:cs typeface="Arial" pitchFamily="34" charset="0"/>
+              </a:rPr>
+              <a:t>ejemplo </a:t>
+            </a:r>
+          </a:p>
+        </p:txBody>
+      </p:sp>
+      <p:cxnSp>
+        <p:nvCxnSpPr>
+          <p:cNvPr id="536" name="535 Conector recto"/>
+          <p:cNvCxnSpPr>
+            <a:stCxn id="485" idx="2"/>
+            <a:endCxn id="532" idx="0"/>
+          </p:cNvCxnSpPr>
+          <p:nvPr/>
+        </p:nvCxnSpPr>
+        <p:spPr>
+          <a:xfrm>
+            <a:off x="9756688" y="3336051"/>
+            <a:ext cx="1330" cy="135397"/>
+          </a:xfrm>
+          <a:prstGeom prst="line">
+            <a:avLst/>
+          </a:prstGeom>
+          <a:ln w="12700">
+            <a:solidFill>
+              <a:schemeClr val="tx1"/>
+            </a:solidFill>
+          </a:ln>
+        </p:spPr>
+        <p:style>
+          <a:lnRef idx="1">
+            <a:schemeClr val="accent1"/>
+          </a:lnRef>
+          <a:fillRef idx="0">
+            <a:schemeClr val="accent1"/>
+          </a:fillRef>
+          <a:effectRef idx="0">
+            <a:schemeClr val="accent1"/>
+          </a:effectRef>
+          <a:fontRef idx="minor">
+            <a:schemeClr val="tx1"/>
+          </a:fontRef>
+        </p:style>
+      </p:cxnSp>
+      <p:cxnSp>
+        <p:nvCxnSpPr>
+          <p:cNvPr id="539" name="538 Conector recto"/>
+          <p:cNvCxnSpPr>
+            <a:stCxn id="532" idx="2"/>
+          </p:cNvCxnSpPr>
+          <p:nvPr/>
+        </p:nvCxnSpPr>
+        <p:spPr>
+          <a:xfrm>
+            <a:off x="9758018" y="3639184"/>
+            <a:ext cx="3992" cy="160330"/>
+          </a:xfrm>
+          <a:prstGeom prst="line">
+            <a:avLst/>
+          </a:prstGeom>
+          <a:ln w="12700">
+            <a:solidFill>
+              <a:schemeClr val="tx1"/>
+            </a:solidFill>
+          </a:ln>
+        </p:spPr>
+        <p:style>
+          <a:lnRef idx="1">
+            <a:schemeClr val="accent1"/>
+          </a:lnRef>
+          <a:fillRef idx="0">
+            <a:schemeClr val="accent1"/>
+          </a:fillRef>
+          <a:effectRef idx="0">
+            <a:schemeClr val="accent1"/>
+          </a:effectRef>
+          <a:fontRef idx="minor">
+            <a:schemeClr val="tx1"/>
+          </a:fontRef>
+        </p:style>
+      </p:cxnSp>
+      <p:cxnSp>
+        <p:nvCxnSpPr>
+          <p:cNvPr id="542" name="541 Conector recto"/>
+          <p:cNvCxnSpPr>
+            <a:stCxn id="516" idx="2"/>
+          </p:cNvCxnSpPr>
+          <p:nvPr/>
+        </p:nvCxnSpPr>
+        <p:spPr>
+          <a:xfrm flipH="1">
+            <a:off x="11327855" y="3637504"/>
+            <a:ext cx="268" cy="163689"/>
+          </a:xfrm>
+          <a:prstGeom prst="line">
+            <a:avLst/>
+          </a:prstGeom>
+          <a:ln w="12700">
+            <a:solidFill>
+              <a:schemeClr val="tx1"/>
+            </a:solidFill>
+          </a:ln>
+        </p:spPr>
+        <p:style>
+          <a:lnRef idx="1">
+            <a:schemeClr val="accent1"/>
+          </a:lnRef>
+          <a:fillRef idx="0">
+            <a:schemeClr val="accent1"/>
+          </a:fillRef>
+          <a:effectRef idx="0">
+            <a:schemeClr val="accent1"/>
+          </a:effectRef>
+          <a:fontRef idx="minor">
+            <a:schemeClr val="tx1"/>
+          </a:fontRef>
+        </p:style>
+      </p:cxnSp>
+      <p:cxnSp>
+        <p:nvCxnSpPr>
+          <p:cNvPr id="545" name="544 Conector recto"/>
+          <p:cNvCxnSpPr>
+            <a:stCxn id="487" idx="2"/>
+            <a:endCxn id="533" idx="0"/>
+          </p:cNvCxnSpPr>
+          <p:nvPr/>
+        </p:nvCxnSpPr>
+        <p:spPr>
+          <a:xfrm>
+            <a:off x="12875040" y="3329349"/>
+            <a:ext cx="2155" cy="142098"/>
+          </a:xfrm>
+          <a:prstGeom prst="line">
+            <a:avLst/>
+          </a:prstGeom>
+          <a:ln w="12700">
+            <a:solidFill>
+              <a:schemeClr val="tx1"/>
+            </a:solidFill>
+          </a:ln>
+        </p:spPr>
+        <p:style>
+          <a:lnRef idx="1">
+            <a:schemeClr val="accent1"/>
+          </a:lnRef>
+          <a:fillRef idx="0">
+            <a:schemeClr val="accent1"/>
+          </a:fillRef>
+          <a:effectRef idx="0">
+            <a:schemeClr val="accent1"/>
+          </a:effectRef>
+          <a:fontRef idx="minor">
+            <a:schemeClr val="tx1"/>
+          </a:fontRef>
+        </p:style>
+      </p:cxnSp>
+      <p:cxnSp>
+        <p:nvCxnSpPr>
+          <p:cNvPr id="550" name="549 Conector recto"/>
+          <p:cNvCxnSpPr>
+            <a:stCxn id="533" idx="2"/>
+            <a:endCxn id="26" idx="0"/>
+          </p:cNvCxnSpPr>
+          <p:nvPr/>
+        </p:nvCxnSpPr>
+        <p:spPr>
+          <a:xfrm>
+            <a:off x="12877195" y="3639183"/>
+            <a:ext cx="2610" cy="151395"/>
+          </a:xfrm>
+          <a:prstGeom prst="line">
+            <a:avLst/>
+          </a:prstGeom>
+          <a:ln w="12700">
+            <a:solidFill>
+              <a:schemeClr val="tx1"/>
+            </a:solidFill>
+          </a:ln>
+        </p:spPr>
+        <p:style>
+          <a:lnRef idx="1">
+            <a:schemeClr val="accent1"/>
+          </a:lnRef>
+          <a:fillRef idx="0">
+            <a:schemeClr val="accent1"/>
+          </a:fillRef>
+          <a:effectRef idx="0">
+            <a:schemeClr val="accent1"/>
+          </a:effectRef>
+          <a:fontRef idx="minor">
+            <a:schemeClr val="tx1"/>
+          </a:fontRef>
+        </p:style>
+      </p:cxnSp>
+      <p:cxnSp>
+        <p:nvCxnSpPr>
+          <p:cNvPr id="176" name="394 Conector angular"/>
+          <p:cNvCxnSpPr>
+            <a:stCxn id="409" idx="0"/>
+            <a:endCxn id="380" idx="2"/>
+          </p:cNvCxnSpPr>
+          <p:nvPr/>
+        </p:nvCxnSpPr>
+        <p:spPr>
+          <a:xfrm rot="5400000" flipH="1" flipV="1">
+            <a:off x="11521224" y="6147153"/>
+            <a:ext cx="616928" cy="498333"/>
+          </a:xfrm>
+          <a:prstGeom prst="bentConnector3">
+            <a:avLst>
+              <a:gd name="adj1" fmla="val 50000"/>
+            </a:avLst>
+          </a:prstGeom>
+          <a:ln w="12700">
+            <a:solidFill>
+              <a:schemeClr val="tx1"/>
+            </a:solidFill>
+          </a:ln>
+        </p:spPr>
+        <p:style>
+          <a:lnRef idx="1">
+            <a:schemeClr val="accent1"/>
+          </a:lnRef>
+          <a:fillRef idx="0">
+            <a:schemeClr val="accent1"/>
+          </a:fillRef>
+          <a:effectRef idx="0">
+            <a:schemeClr val="accent1"/>
+          </a:effectRef>
+          <a:fontRef idx="minor">
+            <a:schemeClr val="tx1"/>
+          </a:fontRef>
+        </p:style>
+      </p:cxnSp>
+      <p:cxnSp>
+        <p:nvCxnSpPr>
+          <p:cNvPr id="180" name="394 Conector angular"/>
+          <p:cNvCxnSpPr>
+            <a:stCxn id="380" idx="2"/>
+            <a:endCxn id="1030" idx="0"/>
+          </p:cNvCxnSpPr>
+          <p:nvPr/>
+        </p:nvCxnSpPr>
+        <p:spPr>
+          <a:xfrm rot="16200000" flipH="1">
+            <a:off x="12134922" y="6031787"/>
+            <a:ext cx="608345" cy="720479"/>
+          </a:xfrm>
+          <a:prstGeom prst="bentConnector3">
+            <a:avLst>
+              <a:gd name="adj1" fmla="val 50000"/>
+            </a:avLst>
+          </a:prstGeom>
+          <a:ln w="12700">
+            <a:solidFill>
+              <a:schemeClr val="tx1"/>
+            </a:solidFill>
+          </a:ln>
+        </p:spPr>
+        <p:style>
+          <a:lnRef idx="1">
+            <a:schemeClr val="accent1"/>
+          </a:lnRef>
+          <a:fillRef idx="0">
+            <a:schemeClr val="accent1"/>
+          </a:fillRef>
+          <a:effectRef idx="0">
+            <a:schemeClr val="accent1"/>
+          </a:effectRef>
+          <a:fontRef idx="minor">
+            <a:schemeClr val="tx1"/>
+          </a:fontRef>
+        </p:style>
+      </p:cxnSp>
+      <p:sp>
+        <p:nvSpPr>
+          <p:cNvPr id="190" name="Rectángulo 35"/>
+          <p:cNvSpPr/>
+          <p:nvPr/>
+        </p:nvSpPr>
+        <p:spPr>
+          <a:xfrm>
+            <a:off x="647320" y="7635675"/>
+            <a:ext cx="1095738" cy="278305"/>
+          </a:xfrm>
+          <a:prstGeom prst="rect">
+            <a:avLst/>
+          </a:prstGeom>
+          <a:ln>
+            <a:noFill/>
+          </a:ln>
+        </p:spPr>
+        <p:style>
+          <a:lnRef idx="2">
+            <a:schemeClr val="dk1"/>
+          </a:lnRef>
+          <a:fillRef idx="1">
+            <a:schemeClr val="lt1"/>
+          </a:fillRef>
+          <a:effectRef idx="0">
+            <a:schemeClr val="dk1"/>
+          </a:effectRef>
+          <a:fontRef idx="minor">
+            <a:schemeClr val="dk1"/>
+          </a:fontRef>
+        </p:style>
+        <p:txBody>
+          <a:bodyPr lIns="105683" tIns="52841" rIns="105683" bIns="52841" rtlCol="0" anchor="ctr"/>
+          <a:lstStyle/>
+          <a:p>
+            <a:pPr algn="ctr"/>
+            <a:r>
+              <a:rPr lang="es-CO" sz="900" dirty="0">
+                <a:solidFill>
+                  <a:schemeClr val="tx1"/>
+                </a:solidFill>
+                <a:latin typeface="Arial" panose="020B0604020202020204" pitchFamily="34" charset="0"/>
+                <a:cs typeface="Arial" panose="020B0604020202020204" pitchFamily="34" charset="0"/>
+              </a:rPr>
+              <a:t>elementos   </a:t>
+            </a:r>
+          </a:p>
+        </p:txBody>
+      </p:sp>
+      <p:cxnSp>
+        <p:nvCxnSpPr>
+          <p:cNvPr id="194" name="394 Conector angular"/>
+          <p:cNvCxnSpPr>
+            <a:stCxn id="190" idx="0"/>
+            <a:endCxn id="87" idx="2"/>
+          </p:cNvCxnSpPr>
+          <p:nvPr/>
+        </p:nvCxnSpPr>
+        <p:spPr>
+          <a:xfrm rot="5400000" flipH="1" flipV="1">
+            <a:off x="1505239" y="6507221"/>
+            <a:ext cx="818405" cy="1438504"/>
+          </a:xfrm>
+          <a:prstGeom prst="bentConnector3">
+            <a:avLst>
+              <a:gd name="adj1" fmla="val 78305"/>
+            </a:avLst>
+          </a:prstGeom>
+          <a:ln w="12700">
+            <a:solidFill>
+              <a:schemeClr val="tx1"/>
+            </a:solidFill>
+          </a:ln>
+        </p:spPr>
+        <p:style>
+          <a:lnRef idx="1">
+            <a:schemeClr val="accent1"/>
+          </a:lnRef>
+          <a:fillRef idx="0">
+            <a:schemeClr val="accent1"/>
+          </a:fillRef>
+          <a:effectRef idx="0">
+            <a:schemeClr val="accent1"/>
+          </a:effectRef>
+          <a:fontRef idx="minor">
+            <a:schemeClr val="tx1"/>
+          </a:fontRef>
+        </p:style>
+      </p:cxnSp>
+      <p:sp>
+        <p:nvSpPr>
+          <p:cNvPr id="199" name="Rectángulo 33"/>
+          <p:cNvSpPr/>
+          <p:nvPr/>
+        </p:nvSpPr>
+        <p:spPr>
+          <a:xfrm>
+            <a:off x="492517" y="8121140"/>
+            <a:ext cx="1405345" cy="990705"/>
+          </a:xfrm>
+          <a:prstGeom prst="rect">
+            <a:avLst/>
+          </a:prstGeom>
+          <a:solidFill>
+            <a:schemeClr val="bg1"/>
+          </a:solidFill>
+        </p:spPr>
+        <p:style>
+          <a:lnRef idx="2">
+            <a:schemeClr val="dk1"/>
+          </a:lnRef>
+          <a:fillRef idx="1">
+            <a:schemeClr val="lt1"/>
+          </a:fillRef>
+          <a:effectRef idx="0">
+            <a:schemeClr val="dk1"/>
+          </a:effectRef>
+          <a:fontRef idx="minor">
+            <a:schemeClr val="dk1"/>
+          </a:fontRef>
+        </p:style>
+        <p:txBody>
+          <a:bodyPr lIns="105683" tIns="52841" rIns="105683" bIns="52841" rtlCol="0" anchor="ctr" anchorCtr="0"/>
+          <a:lstStyle/>
+          <a:p>
+            <a:pPr marL="171450" indent="-171450">
+              <a:buFont typeface="Arial" panose="020B0604020202020204" pitchFamily="34" charset="0"/>
+              <a:buChar char="•"/>
+            </a:pPr>
+            <a:r>
+              <a:rPr lang="es-CO" sz="900" dirty="0">
+                <a:solidFill>
+                  <a:schemeClr val="tx1"/>
+                </a:solidFill>
+                <a:latin typeface="Arial" panose="020B0604020202020204" pitchFamily="34" charset="0"/>
+                <a:cs typeface="Arial" panose="020B0604020202020204" pitchFamily="34" charset="0"/>
+              </a:rPr>
+              <a:t>vértice</a:t>
+            </a:r>
+          </a:p>
+          <a:p>
+            <a:pPr marL="171450" indent="-171450">
+              <a:buFont typeface="Arial" panose="020B0604020202020204" pitchFamily="34" charset="0"/>
+              <a:buChar char="•"/>
+            </a:pPr>
+            <a:r>
+              <a:rPr lang="es-CO" sz="900" dirty="0">
+                <a:solidFill>
+                  <a:schemeClr val="tx1"/>
+                </a:solidFill>
+                <a:latin typeface="Arial" panose="020B0604020202020204" pitchFamily="34" charset="0"/>
+                <a:cs typeface="Arial" panose="020B0604020202020204" pitchFamily="34" charset="0"/>
+              </a:rPr>
+              <a:t>eje de simetría</a:t>
+            </a:r>
+          </a:p>
+          <a:p>
+            <a:pPr marL="171450" indent="-171450">
+              <a:buFont typeface="Arial" panose="020B0604020202020204" pitchFamily="34" charset="0"/>
+              <a:buChar char="•"/>
+            </a:pPr>
+            <a:r>
+              <a:rPr lang="es-CO" sz="900" dirty="0">
+                <a:solidFill>
+                  <a:schemeClr val="tx1"/>
+                </a:solidFill>
+                <a:latin typeface="Arial" panose="020B0604020202020204" pitchFamily="34" charset="0"/>
+                <a:cs typeface="Arial" panose="020B0604020202020204" pitchFamily="34" charset="0"/>
+              </a:rPr>
+              <a:t>puntos de corte con los ejes</a:t>
+            </a:r>
+          </a:p>
+          <a:p>
+            <a:pPr marL="171450" indent="-171450">
+              <a:buFont typeface="Arial" panose="020B0604020202020204" pitchFamily="34" charset="0"/>
+              <a:buChar char="•"/>
+            </a:pPr>
+            <a:r>
+              <a:rPr lang="es-CO" sz="900" dirty="0">
+                <a:solidFill>
+                  <a:schemeClr val="tx1"/>
+                </a:solidFill>
+                <a:latin typeface="Arial" panose="020B0604020202020204" pitchFamily="34" charset="0"/>
+                <a:cs typeface="Arial" panose="020B0604020202020204" pitchFamily="34" charset="0"/>
+              </a:rPr>
+              <a:t>directriz</a:t>
+            </a:r>
+          </a:p>
+          <a:p>
+            <a:pPr marL="171450" indent="-171450">
+              <a:buFont typeface="Arial" panose="020B0604020202020204" pitchFamily="34" charset="0"/>
+              <a:buChar char="•"/>
+            </a:pPr>
+            <a:r>
+              <a:rPr lang="es-CO" sz="900" dirty="0">
+                <a:solidFill>
+                  <a:schemeClr val="tx1"/>
+                </a:solidFill>
+                <a:latin typeface="Arial" panose="020B0604020202020204" pitchFamily="34" charset="0"/>
+                <a:cs typeface="Arial" panose="020B0604020202020204" pitchFamily="34" charset="0"/>
+              </a:rPr>
+              <a:t>foco</a:t>
+            </a:r>
+            <a:endParaRPr lang="es-CO" sz="1050" dirty="0">
+              <a:solidFill>
+                <a:srgbClr val="FF0000"/>
+              </a:solidFill>
+              <a:latin typeface="Arial" panose="020B0604020202020204" pitchFamily="34" charset="0"/>
+              <a:cs typeface="Arial" panose="020B0604020202020204" pitchFamily="34" charset="0"/>
+            </a:endParaRPr>
+          </a:p>
+        </p:txBody>
+      </p:sp>
+      <p:cxnSp>
+        <p:nvCxnSpPr>
+          <p:cNvPr id="200" name="180 Conector recto"/>
+          <p:cNvCxnSpPr>
+            <a:stCxn id="190" idx="2"/>
+            <a:endCxn id="199" idx="0"/>
+          </p:cNvCxnSpPr>
+          <p:nvPr/>
+        </p:nvCxnSpPr>
+        <p:spPr>
+          <a:xfrm>
+            <a:off x="1195189" y="7913980"/>
+            <a:ext cx="1" cy="207160"/>
+          </a:xfrm>
+          <a:prstGeom prst="line">
+            <a:avLst/>
+          </a:prstGeom>
+          <a:ln w="12700">
+            <a:solidFill>
+              <a:schemeClr val="tx1"/>
+            </a:solidFill>
+          </a:ln>
+        </p:spPr>
+        <p:style>
+          <a:lnRef idx="1">
+            <a:schemeClr val="accent1"/>
+          </a:lnRef>
+          <a:fillRef idx="0">
+            <a:schemeClr val="accent1"/>
+          </a:fillRef>
+          <a:effectRef idx="0">
+            <a:schemeClr val="accent1"/>
+          </a:effectRef>
+          <a:fontRef idx="minor">
+            <a:schemeClr val="tx1"/>
+          </a:fontRef>
+        </p:style>
+      </p:cxnSp>
+      <p:cxnSp>
+        <p:nvCxnSpPr>
+          <p:cNvPr id="206" name="394 Conector angular"/>
+          <p:cNvCxnSpPr>
+            <a:stCxn id="87" idx="2"/>
+          </p:cNvCxnSpPr>
+          <p:nvPr/>
+        </p:nvCxnSpPr>
+        <p:spPr>
+          <a:xfrm rot="16200000" flipH="1">
+            <a:off x="2632278" y="6818684"/>
+            <a:ext cx="345594" cy="342765"/>
+          </a:xfrm>
+          <a:prstGeom prst="bentConnector3">
+            <a:avLst>
+              <a:gd name="adj1" fmla="val 50000"/>
+            </a:avLst>
+          </a:prstGeom>
+          <a:ln w="12700">
+            <a:solidFill>
+              <a:schemeClr val="tx1"/>
+            </a:solidFill>
+          </a:ln>
+        </p:spPr>
+        <p:style>
+          <a:lnRef idx="1">
+            <a:schemeClr val="accent1"/>
+          </a:lnRef>
+          <a:fillRef idx="0">
+            <a:schemeClr val="accent1"/>
+          </a:fillRef>
+          <a:effectRef idx="0">
+            <a:schemeClr val="accent1"/>
+          </a:effectRef>
+          <a:fontRef idx="minor">
+            <a:schemeClr val="tx1"/>
+          </a:fontRef>
+        </p:style>
+      </p:cxnSp>
+      <p:sp>
+        <p:nvSpPr>
+          <p:cNvPr id="208" name="Rectángulo 161"/>
+          <p:cNvSpPr/>
+          <p:nvPr/>
+        </p:nvSpPr>
+        <p:spPr>
+          <a:xfrm>
+            <a:off x="2414312" y="7879972"/>
+            <a:ext cx="1126699" cy="216837"/>
+          </a:xfrm>
+          <a:prstGeom prst="rect">
+            <a:avLst/>
+          </a:prstGeom>
+          <a:ln>
+            <a:noFill/>
+          </a:ln>
+        </p:spPr>
+        <p:style>
+          <a:lnRef idx="2">
+            <a:schemeClr val="dk1"/>
+          </a:lnRef>
+          <a:fillRef idx="1">
+            <a:schemeClr val="lt1"/>
+          </a:fillRef>
+          <a:effectRef idx="0">
+            <a:schemeClr val="dk1"/>
+          </a:effectRef>
+          <a:fontRef idx="minor">
+            <a:schemeClr val="dk1"/>
+          </a:fontRef>
+        </p:style>
+        <p:txBody>
+          <a:bodyPr lIns="105683" tIns="52841" rIns="105683" bIns="52841" rtlCol="0" anchor="ctr"/>
+          <a:lstStyle/>
+          <a:p>
+            <a:pPr algn="ctr"/>
+            <a:r>
+              <a:rPr lang="es-CO" sz="900" dirty="0">
+                <a:solidFill>
+                  <a:schemeClr val="tx1"/>
+                </a:solidFill>
+                <a:latin typeface="Arial" panose="020B0604020202020204" pitchFamily="34" charset="0"/>
+                <a:cs typeface="Arial" panose="020B0604020202020204" pitchFamily="34" charset="0"/>
+              </a:rPr>
+              <a:t>como</a:t>
+            </a:r>
+          </a:p>
+        </p:txBody>
+      </p:sp>
+      <p:cxnSp>
+        <p:nvCxnSpPr>
+          <p:cNvPr id="209" name="218 Conector recto"/>
+          <p:cNvCxnSpPr/>
+          <p:nvPr/>
+        </p:nvCxnSpPr>
+        <p:spPr>
+          <a:xfrm flipH="1">
+            <a:off x="2976457" y="7671840"/>
+            <a:ext cx="1" cy="117270"/>
+          </a:xfrm>
+          <a:prstGeom prst="line">
+            <a:avLst/>
+          </a:prstGeom>
+          <a:ln w="12700">
+            <a:solidFill>
+              <a:schemeClr val="tx1"/>
+            </a:solidFill>
+          </a:ln>
+        </p:spPr>
+        <p:style>
+          <a:lnRef idx="1">
+            <a:schemeClr val="accent1"/>
+          </a:lnRef>
+          <a:fillRef idx="0">
+            <a:schemeClr val="accent1"/>
+          </a:fillRef>
+          <a:effectRef idx="0">
+            <a:schemeClr val="accent1"/>
+          </a:effectRef>
+          <a:fontRef idx="minor">
+            <a:schemeClr val="tx1"/>
+          </a:fontRef>
+        </p:style>
+      </p:cxnSp>
+      <p:cxnSp>
+        <p:nvCxnSpPr>
+          <p:cNvPr id="214" name="394 Conector angular"/>
+          <p:cNvCxnSpPr>
+            <a:endCxn id="208" idx="2"/>
+          </p:cNvCxnSpPr>
+          <p:nvPr/>
+        </p:nvCxnSpPr>
+        <p:spPr>
+          <a:xfrm rot="5400000" flipH="1" flipV="1">
+            <a:off x="2420374" y="8157428"/>
+            <a:ext cx="617907" cy="496670"/>
+          </a:xfrm>
+          <a:prstGeom prst="bentConnector3">
+            <a:avLst>
+              <a:gd name="adj1" fmla="val 50000"/>
+            </a:avLst>
+          </a:prstGeom>
+          <a:ln w="12700">
+            <a:solidFill>
+              <a:schemeClr val="tx1"/>
+            </a:solidFill>
+          </a:ln>
+        </p:spPr>
+        <p:style>
+          <a:lnRef idx="1">
+            <a:schemeClr val="accent1"/>
+          </a:lnRef>
+          <a:fillRef idx="0">
+            <a:schemeClr val="accent1"/>
+          </a:fillRef>
+          <a:effectRef idx="0">
+            <a:schemeClr val="accent1"/>
+          </a:effectRef>
+          <a:fontRef idx="minor">
+            <a:schemeClr val="tx1"/>
+          </a:fontRef>
+        </p:style>
+      </p:cxnSp>
+      <p:cxnSp>
+        <p:nvCxnSpPr>
+          <p:cNvPr id="216" name="394 Conector angular"/>
+          <p:cNvCxnSpPr>
+            <a:endCxn id="208" idx="2"/>
+          </p:cNvCxnSpPr>
+          <p:nvPr/>
+        </p:nvCxnSpPr>
+        <p:spPr>
+          <a:xfrm rot="16200000" flipV="1">
+            <a:off x="2969901" y="8104571"/>
+            <a:ext cx="617907" cy="602383"/>
+          </a:xfrm>
+          <a:prstGeom prst="bentConnector3">
+            <a:avLst>
+              <a:gd name="adj1" fmla="val 50000"/>
+            </a:avLst>
+          </a:prstGeom>
+          <a:ln w="12700">
+            <a:solidFill>
+              <a:schemeClr val="tx1"/>
+            </a:solidFill>
+          </a:ln>
+        </p:spPr>
+        <p:style>
+          <a:lnRef idx="1">
+            <a:schemeClr val="accent1"/>
+          </a:lnRef>
+          <a:fillRef idx="0">
+            <a:schemeClr val="accent1"/>
+          </a:fillRef>
+          <a:effectRef idx="0">
+            <a:schemeClr val="accent1"/>
+          </a:effectRef>
+          <a:fontRef idx="minor">
+            <a:schemeClr val="tx1"/>
+          </a:fontRef>
+        </p:style>
+      </p:cxnSp>
+      <p:cxnSp>
+        <p:nvCxnSpPr>
+          <p:cNvPr id="218" name="394 Conector angular"/>
+          <p:cNvCxnSpPr>
+            <a:endCxn id="208" idx="2"/>
+          </p:cNvCxnSpPr>
+          <p:nvPr/>
+        </p:nvCxnSpPr>
+        <p:spPr>
+          <a:xfrm rot="16200000" flipV="1">
+            <a:off x="3499570" y="7574902"/>
+            <a:ext cx="617907" cy="1661721"/>
+          </a:xfrm>
+          <a:prstGeom prst="bentConnector3">
+            <a:avLst>
+              <a:gd name="adj1" fmla="val 50000"/>
+            </a:avLst>
+          </a:prstGeom>
+          <a:ln w="12700">
+            <a:solidFill>
+              <a:schemeClr val="tx1"/>
+            </a:solidFill>
+          </a:ln>
+        </p:spPr>
+        <p:style>
+          <a:lnRef idx="1">
+            <a:schemeClr val="accent1"/>
+          </a:lnRef>
+          <a:fillRef idx="0">
+            <a:schemeClr val="accent1"/>
+          </a:fillRef>
+          <a:effectRef idx="0">
+            <a:schemeClr val="accent1"/>
+          </a:effectRef>
+          <a:fontRef idx="minor">
+            <a:schemeClr val="tx1"/>
+          </a:fontRef>
+        </p:style>
+      </p:cxnSp>
       <p:pic>
         <p:nvPicPr>
-          <p:cNvPr id="4" name="Imagen 3"/>
+          <p:cNvPr id="1026" name="Picture 2"/>
           <p:cNvPicPr>
-            <a:picLocks noChangeAspect="1"/>
+            <a:picLocks noChangeAspect="1" noChangeArrowheads="1"/>
           </p:cNvPicPr>
           <p:nvPr/>
         </p:nvPicPr>
         <p:blipFill>
-          <a:blip r:embed="rId10" cstate="print">
+          <a:blip r:embed="rId3">
             <a:extLst>
               <a:ext uri="{28A0092B-C50C-407E-A947-70E740481C1C}">
                 <a14:useLocalDpi xmlns:a14="http://schemas.microsoft.com/office/drawing/2010/main" val="0"/>
@@ -9274,26 +7005,36 @@
             <a:fillRect/>
           </a:stretch>
         </p:blipFill>
-        <p:spPr>
-          <a:xfrm>
-            <a:off x="3879939" y="5868564"/>
-            <a:ext cx="534294" cy="141280"/>
+        <p:spPr bwMode="auto">
+          <a:xfrm>
+            <a:off x="6605437" y="6678947"/>
+            <a:ext cx="1012024" cy="499915"/>
           </a:xfrm>
           <a:prstGeom prst="rect">
             <a:avLst/>
           </a:prstGeom>
+          <a:noFill/>
+          <a:extLst>
+            <a:ext uri="{909E8E84-426E-40DD-AFC4-6F175D3DCCD1}">
+              <a14:hiddenFill xmlns:a14="http://schemas.microsoft.com/office/drawing/2010/main">
+                <a:solidFill>
+                  <a:srgbClr val="FFFFFF"/>
+                </a:solidFill>
+              </a14:hiddenFill>
+            </a:ext>
+          </a:extLst>
         </p:spPr>
       </p:pic>
       <p:pic>
         <p:nvPicPr>
-          <p:cNvPr id="8" name="Imagen 7"/>
+          <p:cNvPr id="65" name="Picture 4"/>
           <p:cNvPicPr>
-            <a:picLocks noChangeAspect="1"/>
+            <a:picLocks noChangeAspect="1" noChangeArrowheads="1"/>
           </p:cNvPicPr>
           <p:nvPr/>
         </p:nvPicPr>
         <p:blipFill>
-          <a:blip r:embed="rId11" cstate="print">
+          <a:blip r:embed="rId4">
             <a:extLst>
               <a:ext uri="{28A0092B-C50C-407E-A947-70E740481C1C}">
                 <a14:useLocalDpi xmlns:a14="http://schemas.microsoft.com/office/drawing/2010/main" val="0"/>
@@ -9304,26 +7045,36 @@
             <a:fillRect/>
           </a:stretch>
         </p:blipFill>
-        <p:spPr>
-          <a:xfrm>
-            <a:off x="5327366" y="5861436"/>
-            <a:ext cx="834816" cy="130440"/>
+        <p:spPr bwMode="auto">
+          <a:xfrm>
+            <a:off x="7691033" y="6686385"/>
+            <a:ext cx="1018120" cy="493819"/>
           </a:xfrm>
           <a:prstGeom prst="rect">
             <a:avLst/>
           </a:prstGeom>
+          <a:noFill/>
+          <a:extLst>
+            <a:ext uri="{909E8E84-426E-40DD-AFC4-6F175D3DCCD1}">
+              <a14:hiddenFill xmlns:a14="http://schemas.microsoft.com/office/drawing/2010/main">
+                <a:solidFill>
+                  <a:srgbClr val="FFFFFF"/>
+                </a:solidFill>
+              </a14:hiddenFill>
+            </a:ext>
+          </a:extLst>
         </p:spPr>
       </p:pic>
       <p:pic>
         <p:nvPicPr>
-          <p:cNvPr id="9" name="Imagen 8"/>
+          <p:cNvPr id="1030" name="Picture 6"/>
           <p:cNvPicPr>
-            <a:picLocks noChangeAspect="1"/>
+            <a:picLocks noChangeAspect="1" noChangeArrowheads="1"/>
           </p:cNvPicPr>
           <p:nvPr/>
         </p:nvPicPr>
         <p:blipFill>
-          <a:blip r:embed="rId12" cstate="print">
+          <a:blip r:embed="rId5">
             <a:extLst>
               <a:ext uri="{28A0092B-C50C-407E-A947-70E740481C1C}">
                 <a14:useLocalDpi xmlns:a14="http://schemas.microsoft.com/office/drawing/2010/main" val="0"/>
@@ -9334,26 +7085,36 @@
             <a:fillRect/>
           </a:stretch>
         </p:blipFill>
-        <p:spPr>
-          <a:xfrm>
-            <a:off x="7348649" y="5879819"/>
-            <a:ext cx="844989" cy="149435"/>
+        <p:spPr bwMode="auto">
+          <a:xfrm>
+            <a:off x="12110426" y="6696200"/>
+            <a:ext cx="1377815" cy="524301"/>
           </a:xfrm>
           <a:prstGeom prst="rect">
             <a:avLst/>
           </a:prstGeom>
+          <a:noFill/>
+          <a:extLst>
+            <a:ext uri="{909E8E84-426E-40DD-AFC4-6F175D3DCCD1}">
+              <a14:hiddenFill xmlns:a14="http://schemas.microsoft.com/office/drawing/2010/main">
+                <a:solidFill>
+                  <a:srgbClr val="FFFFFF"/>
+                </a:solidFill>
+              </a14:hiddenFill>
+            </a:ext>
+          </a:extLst>
         </p:spPr>
       </p:pic>
       <p:pic>
         <p:nvPicPr>
-          <p:cNvPr id="10" name="Imagen 9"/>
+          <p:cNvPr id="1032" name="Picture 8"/>
           <p:cNvPicPr>
-            <a:picLocks noChangeAspect="1"/>
+            <a:picLocks noChangeAspect="1" noChangeArrowheads="1"/>
           </p:cNvPicPr>
           <p:nvPr/>
         </p:nvPicPr>
         <p:blipFill>
-          <a:blip r:embed="rId13" cstate="print">
+          <a:blip r:embed="rId6">
             <a:extLst>
               <a:ext uri="{28A0092B-C50C-407E-A947-70E740481C1C}">
                 <a14:useLocalDpi xmlns:a14="http://schemas.microsoft.com/office/drawing/2010/main" val="0"/>
@@ -9364,26 +7125,36 @@
             <a:fillRect/>
           </a:stretch>
         </p:blipFill>
-        <p:spPr>
-          <a:xfrm>
-            <a:off x="10565447" y="5818824"/>
-            <a:ext cx="1234889" cy="149273"/>
+        <p:spPr bwMode="auto">
+          <a:xfrm>
+            <a:off x="5045570" y="7621635"/>
+            <a:ext cx="664522" cy="408467"/>
           </a:xfrm>
           <a:prstGeom prst="rect">
             <a:avLst/>
           </a:prstGeom>
+          <a:noFill/>
+          <a:extLst>
+            <a:ext uri="{909E8E84-426E-40DD-AFC4-6F175D3DCCD1}">
+              <a14:hiddenFill xmlns:a14="http://schemas.microsoft.com/office/drawing/2010/main">
+                <a:solidFill>
+                  <a:srgbClr val="FFFFFF"/>
+                </a:solidFill>
+              </a14:hiddenFill>
+            </a:ext>
+          </a:extLst>
         </p:spPr>
       </p:pic>
       <p:pic>
         <p:nvPicPr>
-          <p:cNvPr id="11" name="Imagen 10"/>
+          <p:cNvPr id="66" name="Picture 10"/>
           <p:cNvPicPr>
-            <a:picLocks noChangeAspect="1"/>
+            <a:picLocks noChangeAspect="1" noChangeArrowheads="1"/>
           </p:cNvPicPr>
           <p:nvPr/>
         </p:nvPicPr>
         <p:blipFill>
-          <a:blip r:embed="rId14" cstate="print">
+          <a:blip r:embed="rId7">
             <a:extLst>
               <a:ext uri="{28A0092B-C50C-407E-A947-70E740481C1C}">
                 <a14:useLocalDpi xmlns:a14="http://schemas.microsoft.com/office/drawing/2010/main" val="0"/>
@@ -9394,26 +7165,36 @@
             <a:fillRect/>
           </a:stretch>
         </p:blipFill>
-        <p:spPr>
-          <a:xfrm>
-            <a:off x="372297" y="6602449"/>
-            <a:ext cx="1115879" cy="158367"/>
+        <p:spPr bwMode="auto">
+          <a:xfrm>
+            <a:off x="6171324" y="8630522"/>
+            <a:ext cx="865707" cy="469433"/>
           </a:xfrm>
           <a:prstGeom prst="rect">
             <a:avLst/>
           </a:prstGeom>
+          <a:noFill/>
+          <a:extLst>
+            <a:ext uri="{909E8E84-426E-40DD-AFC4-6F175D3DCCD1}">
+              <a14:hiddenFill xmlns:a14="http://schemas.microsoft.com/office/drawing/2010/main">
+                <a:solidFill>
+                  <a:srgbClr val="FFFFFF"/>
+                </a:solidFill>
+              </a14:hiddenFill>
+            </a:ext>
+          </a:extLst>
         </p:spPr>
       </p:pic>
       <p:pic>
         <p:nvPicPr>
-          <p:cNvPr id="12" name="Imagen 11"/>
+          <p:cNvPr id="1036" name="Picture 12"/>
           <p:cNvPicPr>
-            <a:picLocks noChangeAspect="1"/>
+            <a:picLocks noChangeAspect="1" noChangeArrowheads="1"/>
           </p:cNvPicPr>
           <p:nvPr/>
         </p:nvPicPr>
         <p:blipFill>
-          <a:blip r:embed="rId15" cstate="print">
+          <a:blip r:embed="rId8">
             <a:extLst>
               <a:ext uri="{28A0092B-C50C-407E-A947-70E740481C1C}">
                 <a14:useLocalDpi xmlns:a14="http://schemas.microsoft.com/office/drawing/2010/main" val="0"/>
@@ -9424,26 +7205,36 @@
             <a:fillRect/>
           </a:stretch>
         </p:blipFill>
-        <p:spPr>
-          <a:xfrm>
-            <a:off x="11317914" y="7777315"/>
-            <a:ext cx="790052" cy="125950"/>
+        <p:spPr bwMode="auto">
+          <a:xfrm>
+            <a:off x="7156724" y="8635363"/>
+            <a:ext cx="865707" cy="475529"/>
           </a:xfrm>
           <a:prstGeom prst="rect">
             <a:avLst/>
           </a:prstGeom>
+          <a:noFill/>
+          <a:extLst>
+            <a:ext uri="{909E8E84-426E-40DD-AFC4-6F175D3DCCD1}">
+              <a14:hiddenFill xmlns:a14="http://schemas.microsoft.com/office/drawing/2010/main">
+                <a:solidFill>
+                  <a:srgbClr val="FFFFFF"/>
+                </a:solidFill>
+              </a14:hiddenFill>
+            </a:ext>
+          </a:extLst>
         </p:spPr>
       </p:pic>
       <p:pic>
         <p:nvPicPr>
-          <p:cNvPr id="13" name="Imagen 12"/>
+          <p:cNvPr id="2" name="Imagen 1"/>
           <p:cNvPicPr>
             <a:picLocks noChangeAspect="1"/>
           </p:cNvPicPr>
           <p:nvPr/>
         </p:nvPicPr>
         <p:blipFill>
-          <a:blip r:embed="rId16" cstate="print">
+          <a:blip r:embed="rId9">
             <a:extLst>
               <a:ext uri="{28A0092B-C50C-407E-A947-70E740481C1C}">
                 <a14:useLocalDpi xmlns:a14="http://schemas.microsoft.com/office/drawing/2010/main" val="0"/>
@@ -9456,8 +7247,8 @@
         </p:blipFill>
         <p:spPr>
           <a:xfrm>
-            <a:off x="10289188" y="8270964"/>
-            <a:ext cx="862962" cy="141304"/>
+            <a:off x="2294109" y="7162864"/>
+            <a:ext cx="1359526" cy="524301"/>
           </a:xfrm>
           <a:prstGeom prst="rect">
             <a:avLst/>
@@ -9466,14 +7257,14 @@
       </p:pic>
       <p:pic>
         <p:nvPicPr>
-          <p:cNvPr id="15" name="Imagen 14"/>
+          <p:cNvPr id="4" name="Imagen 3"/>
           <p:cNvPicPr>
             <a:picLocks noChangeAspect="1"/>
           </p:cNvPicPr>
           <p:nvPr/>
         </p:nvPicPr>
         <p:blipFill>
-          <a:blip r:embed="rId17" cstate="print">
+          <a:blip r:embed="rId10">
             <a:extLst>
               <a:ext uri="{28A0092B-C50C-407E-A947-70E740481C1C}">
                 <a14:useLocalDpi xmlns:a14="http://schemas.microsoft.com/office/drawing/2010/main" val="0"/>
@@ -9486,8 +7277,8 @@
         </p:blipFill>
         <p:spPr>
           <a:xfrm>
-            <a:off x="9330273" y="7773915"/>
-            <a:ext cx="852830" cy="139644"/>
+            <a:off x="4086939" y="5753007"/>
+            <a:ext cx="810838" cy="384081"/>
           </a:xfrm>
           <a:prstGeom prst="rect">
             <a:avLst/>
@@ -9496,14 +7287,14 @@
       </p:pic>
       <p:pic>
         <p:nvPicPr>
-          <p:cNvPr id="16" name="Imagen 15"/>
+          <p:cNvPr id="8" name="Imagen 7"/>
           <p:cNvPicPr>
             <a:picLocks noChangeAspect="1"/>
           </p:cNvPicPr>
           <p:nvPr/>
         </p:nvPicPr>
         <p:blipFill>
-          <a:blip r:embed="rId18" cstate="print">
+          <a:blip r:embed="rId11">
             <a:extLst>
               <a:ext uri="{28A0092B-C50C-407E-A947-70E740481C1C}">
                 <a14:useLocalDpi xmlns:a14="http://schemas.microsoft.com/office/drawing/2010/main" val="0"/>
@@ -9516,8 +7307,8 @@
         </p:blipFill>
         <p:spPr>
           <a:xfrm>
-            <a:off x="2145764" y="8908059"/>
-            <a:ext cx="659370" cy="150913"/>
+            <a:off x="5261332" y="5757861"/>
+            <a:ext cx="951058" cy="384081"/>
           </a:xfrm>
           <a:prstGeom prst="rect">
             <a:avLst/>
@@ -9526,14 +7317,14 @@
       </p:pic>
       <p:pic>
         <p:nvPicPr>
-          <p:cNvPr id="18" name="Imagen 17"/>
+          <p:cNvPr id="9" name="Imagen 8"/>
           <p:cNvPicPr>
             <a:picLocks noChangeAspect="1"/>
           </p:cNvPicPr>
           <p:nvPr/>
         </p:nvPicPr>
         <p:blipFill>
-          <a:blip r:embed="rId19" cstate="print">
+          <a:blip r:embed="rId12">
             <a:extLst>
               <a:ext uri="{28A0092B-C50C-407E-A947-70E740481C1C}">
                 <a14:useLocalDpi xmlns:a14="http://schemas.microsoft.com/office/drawing/2010/main" val="0"/>
@@ -9546,8 +7337,8 @@
         </p:blipFill>
         <p:spPr>
           <a:xfrm>
-            <a:off x="3245168" y="8904157"/>
-            <a:ext cx="776696" cy="152064"/>
+            <a:off x="7144383" y="5758325"/>
+            <a:ext cx="1042506" cy="384081"/>
           </a:xfrm>
           <a:prstGeom prst="rect">
             <a:avLst/>
@@ -9556,14 +7347,14 @@
       </p:pic>
       <p:pic>
         <p:nvPicPr>
-          <p:cNvPr id="19" name="Imagen 18"/>
+          <p:cNvPr id="10" name="Imagen 9"/>
           <p:cNvPicPr>
             <a:picLocks noChangeAspect="1"/>
           </p:cNvPicPr>
           <p:nvPr/>
         </p:nvPicPr>
         <p:blipFill>
-          <a:blip r:embed="rId20" cstate="print">
+          <a:blip r:embed="rId13">
             <a:extLst>
               <a:ext uri="{28A0092B-C50C-407E-A947-70E740481C1C}">
                 <a14:useLocalDpi xmlns:a14="http://schemas.microsoft.com/office/drawing/2010/main" val="0"/>
@@ -9576,8 +7367,8 @@
         </p:blipFill>
         <p:spPr>
           <a:xfrm>
-            <a:off x="4229762" y="8934406"/>
-            <a:ext cx="833966" cy="121815"/>
+            <a:off x="9602387" y="5713272"/>
+            <a:ext cx="1542422" cy="384081"/>
           </a:xfrm>
           <a:prstGeom prst="rect">
             <a:avLst/>
@@ -9586,152 +7377,238 @@
       </p:pic>
       <p:pic>
         <p:nvPicPr>
-          <p:cNvPr id="22" name="Picture 6" descr="https://latex.codecogs.com/png.latex?%5Cdpi%7B200%7D%20%5Cfn_jvn%20%5CLARGE%204x%5E%7B4%7D&amp;plus;7x%5E%7B2%7D&amp;plus;9%3D0"/>
+          <p:cNvPr id="11" name="Imagen 10"/>
           <p:cNvPicPr>
-            <a:picLocks noChangeAspect="1" noChangeArrowheads="1"/>
+            <a:picLocks noChangeAspect="1"/>
           </p:cNvPicPr>
           <p:nvPr/>
         </p:nvPicPr>
         <p:blipFill>
-          <a:blip r:embed="rId21" cstate="print">
+          <a:blip r:embed="rId14">
             <a:extLst>
               <a:ext uri="{28A0092B-C50C-407E-A947-70E740481C1C}">
                 <a14:useLocalDpi xmlns:a14="http://schemas.microsoft.com/office/drawing/2010/main" val="0"/>
               </a:ext>
             </a:extLst>
           </a:blip>
-          <a:srcRect/>
           <a:stretch>
             <a:fillRect/>
           </a:stretch>
         </p:blipFill>
-        <p:spPr bwMode="auto">
-          <a:xfrm>
-            <a:off x="10688761" y="3955651"/>
-            <a:ext cx="1274314" cy="143327"/>
+        <p:spPr>
+          <a:xfrm>
+            <a:off x="153094" y="6077951"/>
+            <a:ext cx="1542422" cy="731583"/>
           </a:xfrm>
           <a:prstGeom prst="rect">
             <a:avLst/>
           </a:prstGeom>
-          <a:noFill/>
-          <a:extLst>
-            <a:ext uri="{909E8E84-426E-40DD-AFC4-6F175D3DCCD1}">
-              <a14:hiddenFill xmlns:a14="http://schemas.microsoft.com/office/drawing/2010/main">
-                <a:solidFill>
-                  <a:srgbClr val="FFFFFF"/>
-                </a:solidFill>
-              </a14:hiddenFill>
-            </a:ext>
-          </a:extLst>
         </p:spPr>
       </p:pic>
       <p:pic>
         <p:nvPicPr>
-          <p:cNvPr id="26" name="Picture 12" descr="https://latex.codecogs.com/png.latex?%5Cdpi%7B200%7D%20%5Cfn_jvn%20%5CLARGE%20x%5E%7B2%7D-7ax&amp;plus;12a%5E%7B2%7D%3D0"/>
+          <p:cNvPr id="12" name="Imagen 11"/>
           <p:cNvPicPr>
-            <a:picLocks noChangeAspect="1" noChangeArrowheads="1"/>
+            <a:picLocks noChangeAspect="1"/>
           </p:cNvPicPr>
           <p:nvPr/>
         </p:nvPicPr>
         <p:blipFill>
-          <a:blip r:embed="rId22" cstate="print">
+          <a:blip r:embed="rId15">
             <a:extLst>
               <a:ext uri="{28A0092B-C50C-407E-A947-70E740481C1C}">
                 <a14:useLocalDpi xmlns:a14="http://schemas.microsoft.com/office/drawing/2010/main" val="0"/>
               </a:ext>
             </a:extLst>
           </a:blip>
-          <a:srcRect/>
           <a:stretch>
             <a:fillRect/>
           </a:stretch>
         </p:blipFill>
-        <p:spPr bwMode="auto">
-          <a:xfrm>
-            <a:off x="12273545" y="3985244"/>
-            <a:ext cx="1202987" cy="118151"/>
+        <p:spPr>
+          <a:xfrm>
+            <a:off x="11092306" y="7655831"/>
+            <a:ext cx="1018120" cy="408467"/>
           </a:xfrm>
           <a:prstGeom prst="rect">
             <a:avLst/>
           </a:prstGeom>
-          <a:noFill/>
-          <a:extLst>
-            <a:ext uri="{909E8E84-426E-40DD-AFC4-6F175D3DCCD1}">
-              <a14:hiddenFill xmlns:a14="http://schemas.microsoft.com/office/drawing/2010/main">
-                <a:solidFill>
-                  <a:srgbClr val="FFFFFF"/>
-                </a:solidFill>
-              </a14:hiddenFill>
-            </a:ext>
-          </a:extLst>
         </p:spPr>
       </p:pic>
       <p:pic>
         <p:nvPicPr>
-          <p:cNvPr id="1040" name="Picture 16" descr="https://latex.codecogs.com/png.latex?%5Cdpi%7B200%7D%20%5Cfn_jvn%20%5CLARGE%20f%28x%29%3Dax%5E%7B2%7D&amp;plus;bx&amp;plus;c%2C"/>
+          <p:cNvPr id="13" name="Imagen 12"/>
           <p:cNvPicPr>
-            <a:picLocks noChangeAspect="1" noChangeArrowheads="1"/>
+            <a:picLocks noChangeAspect="1"/>
           </p:cNvPicPr>
           <p:nvPr/>
         </p:nvPicPr>
         <p:blipFill>
-          <a:blip r:embed="rId23" cstate="print">
+          <a:blip r:embed="rId16">
             <a:extLst>
               <a:ext uri="{28A0092B-C50C-407E-A947-70E740481C1C}">
                 <a14:useLocalDpi xmlns:a14="http://schemas.microsoft.com/office/drawing/2010/main" val="0"/>
               </a:ext>
             </a:extLst>
           </a:blip>
-          <a:srcRect/>
           <a:stretch>
             <a:fillRect/>
           </a:stretch>
         </p:blipFill>
-        <p:spPr bwMode="auto">
-          <a:xfrm>
-            <a:off x="1047445" y="3221904"/>
-            <a:ext cx="1526831" cy="178818"/>
+        <p:spPr>
+          <a:xfrm>
+            <a:off x="10029202" y="7655831"/>
+            <a:ext cx="1018120" cy="408467"/>
           </a:xfrm>
           <a:prstGeom prst="rect">
             <a:avLst/>
           </a:prstGeom>
-          <a:noFill/>
-          <a:extLst>
-            <a:ext uri="{909E8E84-426E-40DD-AFC4-6F175D3DCCD1}">
-              <a14:hiddenFill xmlns:a14="http://schemas.microsoft.com/office/drawing/2010/main">
-                <a:solidFill>
-                  <a:srgbClr val="FFFFFF"/>
-                </a:solidFill>
-              </a14:hiddenFill>
-            </a:ext>
-          </a:extLst>
         </p:spPr>
       </p:pic>
       <p:pic>
         <p:nvPicPr>
-          <p:cNvPr id="1042" name="Picture 18" descr="https://latex.codecogs.com/png.latex?%5Cdpi%7B200%7D%20%5Cfn_jvn%20%5CLARGE%20ax%5E%7B2%7D&amp;plus;bx&amp;plus;c%3D0%2C"/>
+          <p:cNvPr id="15" name="Imagen 14"/>
           <p:cNvPicPr>
-            <a:picLocks noChangeAspect="1" noChangeArrowheads="1"/>
+            <a:picLocks noChangeAspect="1"/>
           </p:cNvPicPr>
           <p:nvPr/>
         </p:nvPicPr>
         <p:blipFill>
-          <a:blip r:embed="rId24" cstate="print">
+          <a:blip r:embed="rId17">
             <a:extLst>
               <a:ext uri="{28A0092B-C50C-407E-A947-70E740481C1C}">
                 <a14:useLocalDpi xmlns:a14="http://schemas.microsoft.com/office/drawing/2010/main" val="0"/>
               </a:ext>
             </a:extLst>
           </a:blip>
-          <a:srcRect/>
+          <a:stretch>
+            <a:fillRect/>
+          </a:stretch>
+        </p:blipFill>
+        <p:spPr>
+          <a:xfrm>
+            <a:off x="8961884" y="7650490"/>
+            <a:ext cx="1012024" cy="408467"/>
+          </a:xfrm>
+          <a:prstGeom prst="rect">
+            <a:avLst/>
+          </a:prstGeom>
+        </p:spPr>
+      </p:pic>
+      <p:pic>
+        <p:nvPicPr>
+          <p:cNvPr id="16" name="Imagen 15"/>
+          <p:cNvPicPr>
+            <a:picLocks noChangeAspect="1"/>
+          </p:cNvPicPr>
+          <p:nvPr/>
+        </p:nvPicPr>
+        <p:blipFill>
+          <a:blip r:embed="rId18">
+            <a:extLst>
+              <a:ext uri="{28A0092B-C50C-407E-A947-70E740481C1C}">
+                <a14:useLocalDpi xmlns:a14="http://schemas.microsoft.com/office/drawing/2010/main" val="0"/>
+              </a:ext>
+            </a:extLst>
+          </a:blip>
+          <a:stretch>
+            <a:fillRect/>
+          </a:stretch>
+        </p:blipFill>
+        <p:spPr>
+          <a:xfrm>
+            <a:off x="1984734" y="8700323"/>
+            <a:ext cx="999831" cy="408467"/>
+          </a:xfrm>
+          <a:prstGeom prst="rect">
+            <a:avLst/>
+          </a:prstGeom>
+        </p:spPr>
+      </p:pic>
+      <p:pic>
+        <p:nvPicPr>
+          <p:cNvPr id="18" name="Imagen 17"/>
+          <p:cNvPicPr>
+            <a:picLocks noChangeAspect="1"/>
+          </p:cNvPicPr>
+          <p:nvPr/>
+        </p:nvPicPr>
+        <p:blipFill>
+          <a:blip r:embed="rId19">
+            <a:extLst>
+              <a:ext uri="{28A0092B-C50C-407E-A947-70E740481C1C}">
+                <a14:useLocalDpi xmlns:a14="http://schemas.microsoft.com/office/drawing/2010/main" val="0"/>
+              </a:ext>
+            </a:extLst>
+          </a:blip>
+          <a:stretch>
+            <a:fillRect/>
+          </a:stretch>
+        </p:blipFill>
+        <p:spPr>
+          <a:xfrm>
+            <a:off x="3057476" y="8709047"/>
+            <a:ext cx="999831" cy="408467"/>
+          </a:xfrm>
+          <a:prstGeom prst="rect">
+            <a:avLst/>
+          </a:prstGeom>
+        </p:spPr>
+      </p:pic>
+      <p:pic>
+        <p:nvPicPr>
+          <p:cNvPr id="19" name="Imagen 18"/>
+          <p:cNvPicPr>
+            <a:picLocks noChangeAspect="1"/>
+          </p:cNvPicPr>
+          <p:nvPr/>
+        </p:nvPicPr>
+        <p:blipFill>
+          <a:blip r:embed="rId20">
+            <a:extLst>
+              <a:ext uri="{28A0092B-C50C-407E-A947-70E740481C1C}">
+                <a14:useLocalDpi xmlns:a14="http://schemas.microsoft.com/office/drawing/2010/main" val="0"/>
+              </a:ext>
+            </a:extLst>
+          </a:blip>
+          <a:stretch>
+            <a:fillRect/>
+          </a:stretch>
+        </p:blipFill>
+        <p:spPr>
+          <a:xfrm>
+            <a:off x="4132903" y="8714711"/>
+            <a:ext cx="999831" cy="408467"/>
+          </a:xfrm>
+          <a:prstGeom prst="rect">
+            <a:avLst/>
+          </a:prstGeom>
+        </p:spPr>
+      </p:pic>
+      <p:pic>
+        <p:nvPicPr>
+          <p:cNvPr id="22" name="Picture 6"/>
+          <p:cNvPicPr>
+            <a:picLocks noChangeAspect="1" noChangeArrowheads="1"/>
+          </p:cNvPicPr>
+          <p:nvPr/>
+        </p:nvPicPr>
+        <p:blipFill>
+          <a:blip r:embed="rId21">
+            <a:extLst>
+              <a:ext uri="{28A0092B-C50C-407E-A947-70E740481C1C}">
+                <a14:useLocalDpi xmlns:a14="http://schemas.microsoft.com/office/drawing/2010/main" val="0"/>
+              </a:ext>
+            </a:extLst>
+          </a:blip>
           <a:stretch>
             <a:fillRect/>
           </a:stretch>
         </p:blipFill>
         <p:spPr bwMode="auto">
           <a:xfrm>
-            <a:off x="6162182" y="3252100"/>
-            <a:ext cx="1452006" cy="195228"/>
+            <a:off x="10650344" y="3784898"/>
+            <a:ext cx="1335140" cy="481626"/>
           </a:xfrm>
           <a:prstGeom prst="rect">
             <a:avLst/>
@@ -9748,6 +7625,166 @@
           </a:extLst>
         </p:spPr>
       </p:pic>
+      <p:pic>
+        <p:nvPicPr>
+          <p:cNvPr id="26" name="Picture 12"/>
+          <p:cNvPicPr>
+            <a:picLocks noChangeAspect="1" noChangeArrowheads="1"/>
+          </p:cNvPicPr>
+          <p:nvPr/>
+        </p:nvPicPr>
+        <p:blipFill>
+          <a:blip r:embed="rId22">
+            <a:extLst>
+              <a:ext uri="{28A0092B-C50C-407E-A947-70E740481C1C}">
+                <a14:useLocalDpi xmlns:a14="http://schemas.microsoft.com/office/drawing/2010/main" val="0"/>
+              </a:ext>
+            </a:extLst>
+          </a:blip>
+          <a:stretch>
+            <a:fillRect/>
+          </a:stretch>
+        </p:blipFill>
+        <p:spPr bwMode="auto">
+          <a:xfrm>
+            <a:off x="12209187" y="3790578"/>
+            <a:ext cx="1341236" cy="475529"/>
+          </a:xfrm>
+          <a:prstGeom prst="rect">
+            <a:avLst/>
+          </a:prstGeom>
+          <a:noFill/>
+          <a:extLst>
+            <a:ext uri="{909E8E84-426E-40DD-AFC4-6F175D3DCCD1}">
+              <a14:hiddenFill xmlns:a14="http://schemas.microsoft.com/office/drawing/2010/main">
+                <a:solidFill>
+                  <a:srgbClr val="FFFFFF"/>
+                </a:solidFill>
+              </a14:hiddenFill>
+            </a:ext>
+          </a:extLst>
+        </p:spPr>
+      </p:pic>
+      <p:pic>
+        <p:nvPicPr>
+          <p:cNvPr id="1040" name="Picture 16"/>
+          <p:cNvPicPr>
+            <a:picLocks noChangeAspect="1" noChangeArrowheads="1"/>
+          </p:cNvPicPr>
+          <p:nvPr/>
+        </p:nvPicPr>
+        <p:blipFill>
+          <a:blip r:embed="rId23">
+            <a:extLst>
+              <a:ext uri="{28A0092B-C50C-407E-A947-70E740481C1C}">
+                <a14:useLocalDpi xmlns:a14="http://schemas.microsoft.com/office/drawing/2010/main" val="0"/>
+              </a:ext>
+            </a:extLst>
+          </a:blip>
+          <a:stretch>
+            <a:fillRect/>
+          </a:stretch>
+        </p:blipFill>
+        <p:spPr bwMode="auto">
+          <a:xfrm>
+            <a:off x="973158" y="2722436"/>
+            <a:ext cx="1688738" cy="1054699"/>
+          </a:xfrm>
+          <a:prstGeom prst="rect">
+            <a:avLst/>
+          </a:prstGeom>
+          <a:noFill/>
+          <a:extLst>
+            <a:ext uri="{909E8E84-426E-40DD-AFC4-6F175D3DCCD1}">
+              <a14:hiddenFill xmlns:a14="http://schemas.microsoft.com/office/drawing/2010/main">
+                <a:solidFill>
+                  <a:srgbClr val="FFFFFF"/>
+                </a:solidFill>
+              </a14:hiddenFill>
+            </a:ext>
+          </a:extLst>
+        </p:spPr>
+      </p:pic>
+      <p:pic>
+        <p:nvPicPr>
+          <p:cNvPr id="1042" name="Picture 18"/>
+          <p:cNvPicPr>
+            <a:picLocks noChangeAspect="1" noChangeArrowheads="1"/>
+          </p:cNvPicPr>
+          <p:nvPr/>
+        </p:nvPicPr>
+        <p:blipFill>
+          <a:blip r:embed="rId24">
+            <a:extLst>
+              <a:ext uri="{28A0092B-C50C-407E-A947-70E740481C1C}">
+                <a14:useLocalDpi xmlns:a14="http://schemas.microsoft.com/office/drawing/2010/main" val="0"/>
+              </a:ext>
+            </a:extLst>
+          </a:blip>
+          <a:stretch>
+            <a:fillRect/>
+          </a:stretch>
+        </p:blipFill>
+        <p:spPr bwMode="auto">
+          <a:xfrm>
+            <a:off x="5881032" y="2734258"/>
+            <a:ext cx="1902117" cy="1054699"/>
+          </a:xfrm>
+          <a:prstGeom prst="rect">
+            <a:avLst/>
+          </a:prstGeom>
+          <a:noFill/>
+          <a:extLst>
+            <a:ext uri="{909E8E84-426E-40DD-AFC4-6F175D3DCCD1}">
+              <a14:hiddenFill xmlns:a14="http://schemas.microsoft.com/office/drawing/2010/main">
+                <a:solidFill>
+                  <a:srgbClr val="FFFFFF"/>
+                </a:solidFill>
+              </a14:hiddenFill>
+            </a:ext>
+          </a:extLst>
+        </p:spPr>
+      </p:pic>
+      <p:cxnSp>
+        <p:nvCxnSpPr>
+          <p:cNvPr id="220" name="394 Conector angular"/>
+          <p:cNvCxnSpPr>
+            <a:stCxn id="566" idx="2"/>
+            <a:endCxn id="155" idx="0"/>
+          </p:cNvCxnSpPr>
+          <p:nvPr/>
+        </p:nvCxnSpPr>
+        <p:spPr>
+          <a:xfrm rot="5400000">
+            <a:off x="10715573" y="4894003"/>
+            <a:ext cx="164711" cy="858956"/>
+          </a:xfrm>
+          <a:prstGeom prst="bentConnector3">
+            <a:avLst>
+              <a:gd name="adj1" fmla="val 50000"/>
+            </a:avLst>
+          </a:prstGeom>
+          <a:ln w="12700">
+            <a:solidFill>
+              <a:schemeClr val="tx1"/>
+            </a:solidFill>
+          </a:ln>
+        </p:spPr>
+        <p:style>
+          <a:lnRef idx="1">
+            <a:schemeClr val="accent1"/>
+          </a:lnRef>
+          <a:fillRef idx="0">
+            <a:schemeClr val="accent1"/>
+          </a:fillRef>
+          <a:effectRef idx="0">
+            <a:schemeClr val="accent1"/>
+          </a:effectRef>
+          <a:fontRef idx="minor">
+            <a:schemeClr val="tx1"/>
+          </a:fontRef>
+        </p:style>
+      </p:cxnSp>
     </p:spTree>
     <p:extLst>
       <p:ext uri="{BB962C8B-B14F-4D97-AF65-F5344CB8AC3E}">
